--- a/3-Interacting_with_Nomad.pptx
+++ b/3-Interacting_with_Nomad.pptx
@@ -5,55 +5,62 @@
     <p:sldMasterId id="2147483648" r:id="rId1"/>
   </p:sldMasterIdLst>
   <p:notesMasterIdLst>
-    <p:notesMasterId r:id="rId17"/>
+    <p:notesMasterId r:id="rId6"/>
   </p:notesMasterIdLst>
   <p:sldIdLst>
-    <p:sldId id="256" r:id="rId2"/>
-    <p:sldId id="257" r:id="rId3"/>
-    <p:sldId id="258" r:id="rId4"/>
-    <p:sldId id="259" r:id="rId5"/>
-    <p:sldId id="260" r:id="rId6"/>
-    <p:sldId id="261" r:id="rId7"/>
-    <p:sldId id="262" r:id="rId8"/>
-    <p:sldId id="263" r:id="rId9"/>
-    <p:sldId id="264" r:id="rId10"/>
-    <p:sldId id="265" r:id="rId11"/>
-    <p:sldId id="266" r:id="rId12"/>
-    <p:sldId id="267" r:id="rId13"/>
-    <p:sldId id="268" r:id="rId14"/>
-    <p:sldId id="269" r:id="rId15"/>
-    <p:sldId id="270" r:id="rId16"/>
+    <p:sldId id="256" r:id="rId3"/>
+    <p:sldId id="257" r:id="rId4"/>
+    <p:sldId id="258" r:id="rId5"/>
+    <p:sldId id="259" r:id="rId7"/>
+    <p:sldId id="260" r:id="rId8"/>
+    <p:sldId id="261" r:id="rId9"/>
+    <p:sldId id="262" r:id="rId10"/>
+    <p:sldId id="263" r:id="rId11"/>
+    <p:sldId id="264" r:id="rId12"/>
+    <p:sldId id="265" r:id="rId13"/>
+    <p:sldId id="266" r:id="rId14"/>
+    <p:sldId id="267" r:id="rId15"/>
+    <p:sldId id="268" r:id="rId16"/>
+    <p:sldId id="269" r:id="rId17"/>
+    <p:sldId id="270" r:id="rId18"/>
   </p:sldIdLst>
   <p:sldSz cx="12192000" cy="6858000"/>
   <p:notesSz cx="6858000" cy="9144000"/>
   <p:embeddedFontLst>
     <p:embeddedFont>
-      <p:font typeface="Courier New OS" panose="02070609020205020404" charset="0"/>
-      <p:regular r:id="rId18"/>
+      <p:font typeface="Raleway Heavy"/>
+      <p:bold r:id="rId22"/>
     </p:embeddedFont>
     <p:embeddedFont>
-      <p:font typeface="Courier New OS Bold" panose="02070609020205020404" charset="0"/>
-      <p:regular r:id="rId19"/>
+      <p:font typeface="Roboto Bold" panose="02000000000000000000"/>
+      <p:bold r:id="rId23"/>
     </p:embeddedFont>
     <p:embeddedFont>
-      <p:font typeface="IBM Plex Sans Condensed" panose="020B0506050203000203" pitchFamily="34" charset="0"/>
-      <p:regular r:id="rId20"/>
+      <p:font typeface="IBM Plex Sans Condensed" panose="020B0506050203000203"/>
+      <p:regular r:id="rId24"/>
     </p:embeddedFont>
     <p:embeddedFont>
-      <p:font typeface="Raleway Heavy" panose="020B0604020202020204" charset="0"/>
-      <p:regular r:id="rId21"/>
+      <p:font typeface="Roboto" panose="02000000000000000000"/>
+      <p:regular r:id="rId25"/>
     </p:embeddedFont>
     <p:embeddedFont>
-      <p:font typeface="Roboto" panose="02000000000000000000" pitchFamily="2" charset="0"/>
-      <p:regular r:id="rId22"/>
+      <p:font typeface="Courier New OS" panose="02070309020205020404"/>
+      <p:regular r:id="rId26"/>
     </p:embeddedFont>
     <p:embeddedFont>
-      <p:font typeface="Roboto Bold" panose="02000000000000000000" charset="0"/>
-      <p:regular r:id="rId23"/>
+      <p:font typeface="Courier New OS Bold" panose="02070609020205020404"/>
+      <p:bold r:id="rId27"/>
     </p:embeddedFont>
     <p:embeddedFont>
-      <p:font typeface="Roboto Italics" panose="020B0604020202020204" charset="0"/>
-      <p:regular r:id="rId24"/>
+      <p:font typeface="Roboto Italics" panose="02000000000000000000"/>
+      <p:italic r:id="rId28"/>
+    </p:embeddedFont>
+    <p:embeddedFont>
+      <p:font typeface="Calibri" panose="020F0502020204030204" charset="0"/>
+      <p:regular r:id="rId29"/>
+      <p:bold r:id="rId30"/>
+      <p:italic r:id="rId31"/>
+      <p:boldItalic r:id="rId32"/>
     </p:embeddedFont>
   </p:embeddedFontLst>
   <p:defaultTextStyle>
@@ -154,12 +161,12 @@
   <p:extLst>
     <p:ext uri="{EFAFB233-063F-42B5-8137-9DF3F51BA10A}">
       <p15:sldGuideLst xmlns:p15="http://schemas.microsoft.com/office/powerpoint/2012/main">
-        <p15:guide id="1" orient="horz" pos="2160">
+        <p15:guide id="1" orient="horz" pos="2118" userDrawn="1">
           <p15:clr>
             <a:srgbClr val="A4A3A4"/>
           </p15:clr>
         </p15:guide>
-        <p15:guide id="2" pos="2880">
+        <p15:guide id="2" pos="2860" userDrawn="1">
           <p15:clr>
             <a:srgbClr val="A4A3A4"/>
           </p15:clr>
@@ -252,7 +259,6 @@
           <a:p>
             <a:fld id="{9CAA09D5-D1AB-42CB-8CA1-A8EE7DAE2042}" type="datetimeFigureOut">
               <a:rPr lang="en-IN" smtClean="0"/>
-              <a:t>18-10-2024</a:t>
             </a:fld>
             <a:endParaRPr lang="en-IN"/>
           </a:p>
@@ -319,6 +325,7 @@
               <a:rPr lang="en-US"/>
               <a:t>Click to edit Master text styles</a:t>
             </a:r>
+            <a:endParaRPr lang="en-US"/>
           </a:p>
           <a:p>
             <a:pPr lvl="1"/>
@@ -326,6 +333,7 @@
               <a:rPr lang="en-US"/>
               <a:t>Second level</a:t>
             </a:r>
+            <a:endParaRPr lang="en-US"/>
           </a:p>
           <a:p>
             <a:pPr lvl="2"/>
@@ -333,6 +341,7 @@
               <a:rPr lang="en-US"/>
               <a:t>Third level</a:t>
             </a:r>
+            <a:endParaRPr lang="en-US"/>
           </a:p>
           <a:p>
             <a:pPr lvl="3"/>
@@ -340,6 +349,7 @@
               <a:rPr lang="en-US"/>
               <a:t>Fourth level</a:t>
             </a:r>
+            <a:endParaRPr lang="en-US"/>
           </a:p>
           <a:p>
             <a:pPr lvl="4"/>
@@ -411,18 +421,12 @@
           <a:p>
             <a:fld id="{0054B0AC-8EA3-4D3A-8322-3DADA00A3589}" type="slidenum">
               <a:rPr lang="en-IN" smtClean="0"/>
-              <a:t>‹#›</a:t>
             </a:fld>
             <a:endParaRPr lang="en-IN"/>
           </a:p>
         </p:txBody>
       </p:sp>
     </p:spTree>
-    <p:extLst>
-      <p:ext uri="{BB962C8B-B14F-4D97-AF65-F5344CB8AC3E}">
-        <p14:creationId xmlns:p14="http://schemas.microsoft.com/office/powerpoint/2010/main" val="1580974791"/>
-      </p:ext>
-    </p:extLst>
   </p:cSld>
   <p:clrMap bg1="lt1" tx1="dk1" bg2="lt2" tx2="dk2" accent1="accent1" accent2="accent2" accent3="accent3" accent4="accent4" accent5="accent5" accent6="accent6" hlink="hlink" folHlink="folHlink"/>
   <p:notesStyle>
@@ -585,18 +589,12 @@
           <a:p>
             <a:fld id="{0054B0AC-8EA3-4D3A-8322-3DADA00A3589}" type="slidenum">
               <a:rPr lang="en-IN" smtClean="0"/>
-              <a:t>3</a:t>
             </a:fld>
             <a:endParaRPr lang="en-IN"/>
           </a:p>
         </p:txBody>
       </p:sp>
     </p:spTree>
-    <p:extLst>
-      <p:ext uri="{BB962C8B-B14F-4D97-AF65-F5344CB8AC3E}">
-        <p14:creationId xmlns:p14="http://schemas.microsoft.com/office/powerpoint/2010/main" val="3957932447"/>
-      </p:ext>
-    </p:extLst>
   </p:cSld>
   <p:clrMapOvr>
     <a:masterClrMapping/>
@@ -645,6 +643,7 @@
               <a:rPr lang="en-US"/>
               <a:t>Click to edit Master title style</a:t>
             </a:r>
+            <a:endParaRPr lang="en-US"/>
           </a:p>
         </p:txBody>
       </p:sp>
@@ -763,6 +762,7 @@
               <a:rPr lang="en-US"/>
               <a:t>Click to edit Master subtitle style</a:t>
             </a:r>
+            <a:endParaRPr lang="en-US"/>
           </a:p>
         </p:txBody>
       </p:sp>
@@ -783,8 +783,6 @@
           <a:p>
             <a:fld id="{1D8BD707-D9CF-40AE-B4C6-C98DA3205C09}" type="datetimeFigureOut">
               <a:rPr lang="en-US" smtClean="0"/>
-              <a:pPr/>
-              <a:t>10/18/2024</a:t>
             </a:fld>
             <a:endParaRPr lang="en-US"/>
           </a:p>
@@ -826,8 +824,6 @@
           <a:p>
             <a:fld id="{B6F15528-21DE-4FAA-801E-634DDDAF4B2B}" type="slidenum">
               <a:rPr lang="en-US" smtClean="0"/>
-              <a:pPr/>
-              <a:t>‹#›</a:t>
             </a:fld>
             <a:endParaRPr lang="en-US"/>
           </a:p>
@@ -877,6 +873,7 @@
               <a:rPr lang="en-US"/>
               <a:t>Click to edit Master title style</a:t>
             </a:r>
+            <a:endParaRPr lang="en-US"/>
           </a:p>
         </p:txBody>
       </p:sp>
@@ -900,6 +897,7 @@
               <a:rPr lang="en-US"/>
               <a:t>Click to edit Master text styles</a:t>
             </a:r>
+            <a:endParaRPr lang="en-US"/>
           </a:p>
           <a:p>
             <a:pPr lvl="1"/>
@@ -907,6 +905,7 @@
               <a:rPr lang="en-US"/>
               <a:t>Second level</a:t>
             </a:r>
+            <a:endParaRPr lang="en-US"/>
           </a:p>
           <a:p>
             <a:pPr lvl="2"/>
@@ -914,6 +913,7 @@
               <a:rPr lang="en-US"/>
               <a:t>Third level</a:t>
             </a:r>
+            <a:endParaRPr lang="en-US"/>
           </a:p>
           <a:p>
             <a:pPr lvl="3"/>
@@ -921,6 +921,7 @@
               <a:rPr lang="en-US"/>
               <a:t>Fourth level</a:t>
             </a:r>
+            <a:endParaRPr lang="en-US"/>
           </a:p>
           <a:p>
             <a:pPr lvl="4"/>
@@ -928,6 +929,7 @@
               <a:rPr lang="en-US"/>
               <a:t>Fifth level</a:t>
             </a:r>
+            <a:endParaRPr lang="en-US"/>
           </a:p>
         </p:txBody>
       </p:sp>
@@ -948,8 +950,6 @@
           <a:p>
             <a:fld id="{1D8BD707-D9CF-40AE-B4C6-C98DA3205C09}" type="datetimeFigureOut">
               <a:rPr lang="en-US" smtClean="0"/>
-              <a:pPr/>
-              <a:t>10/18/2024</a:t>
             </a:fld>
             <a:endParaRPr lang="en-US"/>
           </a:p>
@@ -991,8 +991,6 @@
           <a:p>
             <a:fld id="{B6F15528-21DE-4FAA-801E-634DDDAF4B2B}" type="slidenum">
               <a:rPr lang="en-US" smtClean="0"/>
-              <a:pPr/>
-              <a:t>‹#›</a:t>
             </a:fld>
             <a:endParaRPr lang="en-US"/>
           </a:p>
@@ -1047,6 +1045,7 @@
               <a:rPr lang="en-US"/>
               <a:t>Click to edit Master title style</a:t>
             </a:r>
+            <a:endParaRPr lang="en-US"/>
           </a:p>
         </p:txBody>
       </p:sp>
@@ -1075,6 +1074,7 @@
               <a:rPr lang="en-US"/>
               <a:t>Click to edit Master text styles</a:t>
             </a:r>
+            <a:endParaRPr lang="en-US"/>
           </a:p>
           <a:p>
             <a:pPr lvl="1"/>
@@ -1082,6 +1082,7 @@
               <a:rPr lang="en-US"/>
               <a:t>Second level</a:t>
             </a:r>
+            <a:endParaRPr lang="en-US"/>
           </a:p>
           <a:p>
             <a:pPr lvl="2"/>
@@ -1089,6 +1090,7 @@
               <a:rPr lang="en-US"/>
               <a:t>Third level</a:t>
             </a:r>
+            <a:endParaRPr lang="en-US"/>
           </a:p>
           <a:p>
             <a:pPr lvl="3"/>
@@ -1096,6 +1098,7 @@
               <a:rPr lang="en-US"/>
               <a:t>Fourth level</a:t>
             </a:r>
+            <a:endParaRPr lang="en-US"/>
           </a:p>
           <a:p>
             <a:pPr lvl="4"/>
@@ -1103,6 +1106,7 @@
               <a:rPr lang="en-US"/>
               <a:t>Fifth level</a:t>
             </a:r>
+            <a:endParaRPr lang="en-US"/>
           </a:p>
         </p:txBody>
       </p:sp>
@@ -1123,8 +1127,6 @@
           <a:p>
             <a:fld id="{1D8BD707-D9CF-40AE-B4C6-C98DA3205C09}" type="datetimeFigureOut">
               <a:rPr lang="en-US" smtClean="0"/>
-              <a:pPr/>
-              <a:t>10/18/2024</a:t>
             </a:fld>
             <a:endParaRPr lang="en-US"/>
           </a:p>
@@ -1166,8 +1168,6 @@
           <a:p>
             <a:fld id="{B6F15528-21DE-4FAA-801E-634DDDAF4B2B}" type="slidenum">
               <a:rPr lang="en-US" smtClean="0"/>
-              <a:pPr/>
-              <a:t>‹#›</a:t>
             </a:fld>
             <a:endParaRPr lang="en-US"/>
           </a:p>
@@ -1217,6 +1217,7 @@
               <a:rPr lang="en-US"/>
               <a:t>Click to edit Master title style</a:t>
             </a:r>
+            <a:endParaRPr lang="en-US"/>
           </a:p>
         </p:txBody>
       </p:sp>
@@ -1240,6 +1241,7 @@
               <a:rPr lang="en-US"/>
               <a:t>Click to edit Master text styles</a:t>
             </a:r>
+            <a:endParaRPr lang="en-US"/>
           </a:p>
           <a:p>
             <a:pPr lvl="1"/>
@@ -1247,6 +1249,7 @@
               <a:rPr lang="en-US"/>
               <a:t>Second level</a:t>
             </a:r>
+            <a:endParaRPr lang="en-US"/>
           </a:p>
           <a:p>
             <a:pPr lvl="2"/>
@@ -1254,6 +1257,7 @@
               <a:rPr lang="en-US"/>
               <a:t>Third level</a:t>
             </a:r>
+            <a:endParaRPr lang="en-US"/>
           </a:p>
           <a:p>
             <a:pPr lvl="3"/>
@@ -1261,6 +1265,7 @@
               <a:rPr lang="en-US"/>
               <a:t>Fourth level</a:t>
             </a:r>
+            <a:endParaRPr lang="en-US"/>
           </a:p>
           <a:p>
             <a:pPr lvl="4"/>
@@ -1268,6 +1273,7 @@
               <a:rPr lang="en-US"/>
               <a:t>Fifth level</a:t>
             </a:r>
+            <a:endParaRPr lang="en-US"/>
           </a:p>
         </p:txBody>
       </p:sp>
@@ -1288,8 +1294,6 @@
           <a:p>
             <a:fld id="{1D8BD707-D9CF-40AE-B4C6-C98DA3205C09}" type="datetimeFigureOut">
               <a:rPr lang="en-US" smtClean="0"/>
-              <a:pPr/>
-              <a:t>10/18/2024</a:t>
             </a:fld>
             <a:endParaRPr lang="en-US"/>
           </a:p>
@@ -1331,8 +1335,6 @@
           <a:p>
             <a:fld id="{B6F15528-21DE-4FAA-801E-634DDDAF4B2B}" type="slidenum">
               <a:rPr lang="en-US" smtClean="0"/>
-              <a:pPr/>
-              <a:t>‹#›</a:t>
             </a:fld>
             <a:endParaRPr lang="en-US"/>
           </a:p>
@@ -1391,6 +1393,7 @@
               <a:rPr lang="en-US"/>
               <a:t>Click to edit Master title style</a:t>
             </a:r>
+            <a:endParaRPr lang="en-US"/>
           </a:p>
         </p:txBody>
       </p:sp>
@@ -1510,6 +1513,7 @@
               <a:rPr lang="en-US"/>
               <a:t>Click to edit Master text styles</a:t>
             </a:r>
+            <a:endParaRPr lang="en-US"/>
           </a:p>
         </p:txBody>
       </p:sp>
@@ -1530,8 +1534,6 @@
           <a:p>
             <a:fld id="{1D8BD707-D9CF-40AE-B4C6-C98DA3205C09}" type="datetimeFigureOut">
               <a:rPr lang="en-US" smtClean="0"/>
-              <a:pPr/>
-              <a:t>10/18/2024</a:t>
             </a:fld>
             <a:endParaRPr lang="en-US"/>
           </a:p>
@@ -1573,8 +1575,6 @@
           <a:p>
             <a:fld id="{B6F15528-21DE-4FAA-801E-634DDDAF4B2B}" type="slidenum">
               <a:rPr lang="en-US" smtClean="0"/>
-              <a:pPr/>
-              <a:t>‹#›</a:t>
             </a:fld>
             <a:endParaRPr lang="en-US"/>
           </a:p>
@@ -1624,6 +1624,7 @@
               <a:rPr lang="en-US"/>
               <a:t>Click to edit Master title style</a:t>
             </a:r>
+            <a:endParaRPr lang="en-US"/>
           </a:p>
         </p:txBody>
       </p:sp>
@@ -1680,6 +1681,7 @@
               <a:rPr lang="en-US"/>
               <a:t>Click to edit Master text styles</a:t>
             </a:r>
+            <a:endParaRPr lang="en-US"/>
           </a:p>
           <a:p>
             <a:pPr lvl="1"/>
@@ -1687,6 +1689,7 @@
               <a:rPr lang="en-US"/>
               <a:t>Second level</a:t>
             </a:r>
+            <a:endParaRPr lang="en-US"/>
           </a:p>
           <a:p>
             <a:pPr lvl="2"/>
@@ -1694,6 +1697,7 @@
               <a:rPr lang="en-US"/>
               <a:t>Third level</a:t>
             </a:r>
+            <a:endParaRPr lang="en-US"/>
           </a:p>
           <a:p>
             <a:pPr lvl="3"/>
@@ -1701,6 +1705,7 @@
               <a:rPr lang="en-US"/>
               <a:t>Fourth level</a:t>
             </a:r>
+            <a:endParaRPr lang="en-US"/>
           </a:p>
           <a:p>
             <a:pPr lvl="4"/>
@@ -1708,6 +1713,7 @@
               <a:rPr lang="en-US"/>
               <a:t>Fifth level</a:t>
             </a:r>
+            <a:endParaRPr lang="en-US"/>
           </a:p>
         </p:txBody>
       </p:sp>
@@ -1764,6 +1770,7 @@
               <a:rPr lang="en-US"/>
               <a:t>Click to edit Master text styles</a:t>
             </a:r>
+            <a:endParaRPr lang="en-US"/>
           </a:p>
           <a:p>
             <a:pPr lvl="1"/>
@@ -1771,6 +1778,7 @@
               <a:rPr lang="en-US"/>
               <a:t>Second level</a:t>
             </a:r>
+            <a:endParaRPr lang="en-US"/>
           </a:p>
           <a:p>
             <a:pPr lvl="2"/>
@@ -1778,6 +1786,7 @@
               <a:rPr lang="en-US"/>
               <a:t>Third level</a:t>
             </a:r>
+            <a:endParaRPr lang="en-US"/>
           </a:p>
           <a:p>
             <a:pPr lvl="3"/>
@@ -1785,6 +1794,7 @@
               <a:rPr lang="en-US"/>
               <a:t>Fourth level</a:t>
             </a:r>
+            <a:endParaRPr lang="en-US"/>
           </a:p>
           <a:p>
             <a:pPr lvl="4"/>
@@ -1792,6 +1802,7 @@
               <a:rPr lang="en-US"/>
               <a:t>Fifth level</a:t>
             </a:r>
+            <a:endParaRPr lang="en-US"/>
           </a:p>
         </p:txBody>
       </p:sp>
@@ -1812,8 +1823,6 @@
           <a:p>
             <a:fld id="{1D8BD707-D9CF-40AE-B4C6-C98DA3205C09}" type="datetimeFigureOut">
               <a:rPr lang="en-US" smtClean="0"/>
-              <a:pPr/>
-              <a:t>10/18/2024</a:t>
             </a:fld>
             <a:endParaRPr lang="en-US"/>
           </a:p>
@@ -1855,8 +1864,6 @@
           <a:p>
             <a:fld id="{B6F15528-21DE-4FAA-801E-634DDDAF4B2B}" type="slidenum">
               <a:rPr lang="en-US" smtClean="0"/>
-              <a:pPr/>
-              <a:t>‹#›</a:t>
             </a:fld>
             <a:endParaRPr lang="en-US"/>
           </a:p>
@@ -1910,6 +1917,7 @@
               <a:rPr lang="en-US"/>
               <a:t>Click to edit Master title style</a:t>
             </a:r>
+            <a:endParaRPr lang="en-US"/>
           </a:p>
         </p:txBody>
       </p:sp>
@@ -1975,6 +1983,7 @@
               <a:rPr lang="en-US"/>
               <a:t>Click to edit Master text styles</a:t>
             </a:r>
+            <a:endParaRPr lang="en-US"/>
           </a:p>
         </p:txBody>
       </p:sp>
@@ -2031,6 +2040,7 @@
               <a:rPr lang="en-US"/>
               <a:t>Click to edit Master text styles</a:t>
             </a:r>
+            <a:endParaRPr lang="en-US"/>
           </a:p>
           <a:p>
             <a:pPr lvl="1"/>
@@ -2038,6 +2048,7 @@
               <a:rPr lang="en-US"/>
               <a:t>Second level</a:t>
             </a:r>
+            <a:endParaRPr lang="en-US"/>
           </a:p>
           <a:p>
             <a:pPr lvl="2"/>
@@ -2045,6 +2056,7 @@
               <a:rPr lang="en-US"/>
               <a:t>Third level</a:t>
             </a:r>
+            <a:endParaRPr lang="en-US"/>
           </a:p>
           <a:p>
             <a:pPr lvl="3"/>
@@ -2052,6 +2064,7 @@
               <a:rPr lang="en-US"/>
               <a:t>Fourth level</a:t>
             </a:r>
+            <a:endParaRPr lang="en-US"/>
           </a:p>
           <a:p>
             <a:pPr lvl="4"/>
@@ -2059,6 +2072,7 @@
               <a:rPr lang="en-US"/>
               <a:t>Fifth level</a:t>
             </a:r>
+            <a:endParaRPr lang="en-US"/>
           </a:p>
         </p:txBody>
       </p:sp>
@@ -2124,6 +2138,7 @@
               <a:rPr lang="en-US"/>
               <a:t>Click to edit Master text styles</a:t>
             </a:r>
+            <a:endParaRPr lang="en-US"/>
           </a:p>
         </p:txBody>
       </p:sp>
@@ -2180,6 +2195,7 @@
               <a:rPr lang="en-US"/>
               <a:t>Click to edit Master text styles</a:t>
             </a:r>
+            <a:endParaRPr lang="en-US"/>
           </a:p>
           <a:p>
             <a:pPr lvl="1"/>
@@ -2187,6 +2203,7 @@
               <a:rPr lang="en-US"/>
               <a:t>Second level</a:t>
             </a:r>
+            <a:endParaRPr lang="en-US"/>
           </a:p>
           <a:p>
             <a:pPr lvl="2"/>
@@ -2194,6 +2211,7 @@
               <a:rPr lang="en-US"/>
               <a:t>Third level</a:t>
             </a:r>
+            <a:endParaRPr lang="en-US"/>
           </a:p>
           <a:p>
             <a:pPr lvl="3"/>
@@ -2201,6 +2219,7 @@
               <a:rPr lang="en-US"/>
               <a:t>Fourth level</a:t>
             </a:r>
+            <a:endParaRPr lang="en-US"/>
           </a:p>
           <a:p>
             <a:pPr lvl="4"/>
@@ -2208,6 +2227,7 @@
               <a:rPr lang="en-US"/>
               <a:t>Fifth level</a:t>
             </a:r>
+            <a:endParaRPr lang="en-US"/>
           </a:p>
         </p:txBody>
       </p:sp>
@@ -2228,8 +2248,6 @@
           <a:p>
             <a:fld id="{1D8BD707-D9CF-40AE-B4C6-C98DA3205C09}" type="datetimeFigureOut">
               <a:rPr lang="en-US" smtClean="0"/>
-              <a:pPr/>
-              <a:t>10/18/2024</a:t>
             </a:fld>
             <a:endParaRPr lang="en-US"/>
           </a:p>
@@ -2271,8 +2289,6 @@
           <a:p>
             <a:fld id="{B6F15528-21DE-4FAA-801E-634DDDAF4B2B}" type="slidenum">
               <a:rPr lang="en-US" smtClean="0"/>
-              <a:pPr/>
-              <a:t>‹#›</a:t>
             </a:fld>
             <a:endParaRPr lang="en-US"/>
           </a:p>
@@ -2322,6 +2338,7 @@
               <a:rPr lang="en-US"/>
               <a:t>Click to edit Master title style</a:t>
             </a:r>
+            <a:endParaRPr lang="en-US"/>
           </a:p>
         </p:txBody>
       </p:sp>
@@ -2342,8 +2359,6 @@
           <a:p>
             <a:fld id="{1D8BD707-D9CF-40AE-B4C6-C98DA3205C09}" type="datetimeFigureOut">
               <a:rPr lang="en-US" smtClean="0"/>
-              <a:pPr/>
-              <a:t>10/18/2024</a:t>
             </a:fld>
             <a:endParaRPr lang="en-US"/>
           </a:p>
@@ -2385,8 +2400,6 @@
           <a:p>
             <a:fld id="{B6F15528-21DE-4FAA-801E-634DDDAF4B2B}" type="slidenum">
               <a:rPr lang="en-US" smtClean="0"/>
-              <a:pPr/>
-              <a:t>‹#›</a:t>
             </a:fld>
             <a:endParaRPr lang="en-US"/>
           </a:p>
@@ -2434,8 +2447,6 @@
           <a:p>
             <a:fld id="{1D8BD707-D9CF-40AE-B4C6-C98DA3205C09}" type="datetimeFigureOut">
               <a:rPr lang="en-US" smtClean="0"/>
-              <a:pPr/>
-              <a:t>10/18/2024</a:t>
             </a:fld>
             <a:endParaRPr lang="en-US"/>
           </a:p>
@@ -2477,8 +2488,6 @@
           <a:p>
             <a:fld id="{B6F15528-21DE-4FAA-801E-634DDDAF4B2B}" type="slidenum">
               <a:rPr lang="en-US" smtClean="0"/>
-              <a:pPr/>
-              <a:t>‹#›</a:t>
             </a:fld>
             <a:endParaRPr lang="en-US"/>
           </a:p>
@@ -2537,6 +2546,7 @@
               <a:rPr lang="en-US"/>
               <a:t>Click to edit Master title style</a:t>
             </a:r>
+            <a:endParaRPr lang="en-US"/>
           </a:p>
         </p:txBody>
       </p:sp>
@@ -2593,6 +2603,7 @@
               <a:rPr lang="en-US"/>
               <a:t>Click to edit Master text styles</a:t>
             </a:r>
+            <a:endParaRPr lang="en-US"/>
           </a:p>
           <a:p>
             <a:pPr lvl="1"/>
@@ -2600,6 +2611,7 @@
               <a:rPr lang="en-US"/>
               <a:t>Second level</a:t>
             </a:r>
+            <a:endParaRPr lang="en-US"/>
           </a:p>
           <a:p>
             <a:pPr lvl="2"/>
@@ -2607,6 +2619,7 @@
               <a:rPr lang="en-US"/>
               <a:t>Third level</a:t>
             </a:r>
+            <a:endParaRPr lang="en-US"/>
           </a:p>
           <a:p>
             <a:pPr lvl="3"/>
@@ -2614,6 +2627,7 @@
               <a:rPr lang="en-US"/>
               <a:t>Fourth level</a:t>
             </a:r>
+            <a:endParaRPr lang="en-US"/>
           </a:p>
           <a:p>
             <a:pPr lvl="4"/>
@@ -2621,6 +2635,7 @@
               <a:rPr lang="en-US"/>
               <a:t>Fifth level</a:t>
             </a:r>
+            <a:endParaRPr lang="en-US"/>
           </a:p>
         </p:txBody>
       </p:sp>
@@ -2686,6 +2701,7 @@
               <a:rPr lang="en-US"/>
               <a:t>Click to edit Master text styles</a:t>
             </a:r>
+            <a:endParaRPr lang="en-US"/>
           </a:p>
         </p:txBody>
       </p:sp>
@@ -2706,8 +2722,6 @@
           <a:p>
             <a:fld id="{1D8BD707-D9CF-40AE-B4C6-C98DA3205C09}" type="datetimeFigureOut">
               <a:rPr lang="en-US" smtClean="0"/>
-              <a:pPr/>
-              <a:t>10/18/2024</a:t>
             </a:fld>
             <a:endParaRPr lang="en-US"/>
           </a:p>
@@ -2749,8 +2763,6 @@
           <a:p>
             <a:fld id="{B6F15528-21DE-4FAA-801E-634DDDAF4B2B}" type="slidenum">
               <a:rPr lang="en-US" smtClean="0"/>
-              <a:pPr/>
-              <a:t>‹#›</a:t>
             </a:fld>
             <a:endParaRPr lang="en-US"/>
           </a:p>
@@ -2809,6 +2821,7 @@
               <a:rPr lang="en-US"/>
               <a:t>Click to edit Master title style</a:t>
             </a:r>
+            <a:endParaRPr lang="en-US"/>
           </a:p>
         </p:txBody>
       </p:sp>
@@ -2935,6 +2948,7 @@
               <a:rPr lang="en-US"/>
               <a:t>Click to edit Master text styles</a:t>
             </a:r>
+            <a:endParaRPr lang="en-US"/>
           </a:p>
         </p:txBody>
       </p:sp>
@@ -2955,8 +2969,6 @@
           <a:p>
             <a:fld id="{1D8BD707-D9CF-40AE-B4C6-C98DA3205C09}" type="datetimeFigureOut">
               <a:rPr lang="en-US" smtClean="0"/>
-              <a:pPr/>
-              <a:t>10/18/2024</a:t>
             </a:fld>
             <a:endParaRPr lang="en-US"/>
           </a:p>
@@ -2998,8 +3010,6 @@
           <a:p>
             <a:fld id="{B6F15528-21DE-4FAA-801E-634DDDAF4B2B}" type="slidenum">
               <a:rPr lang="en-US" smtClean="0"/>
-              <a:pPr/>
-              <a:t>‹#›</a:t>
             </a:fld>
             <a:endParaRPr lang="en-US"/>
           </a:p>
@@ -3064,6 +3074,7 @@
               <a:rPr lang="en-US"/>
               <a:t>Click to edit Master title style</a:t>
             </a:r>
+            <a:endParaRPr lang="en-US"/>
           </a:p>
         </p:txBody>
       </p:sp>
@@ -3097,6 +3108,7 @@
               <a:rPr lang="en-US"/>
               <a:t>Click to edit Master text styles</a:t>
             </a:r>
+            <a:endParaRPr lang="en-US"/>
           </a:p>
           <a:p>
             <a:pPr lvl="1"/>
@@ -3104,6 +3116,7 @@
               <a:rPr lang="en-US"/>
               <a:t>Second level</a:t>
             </a:r>
+            <a:endParaRPr lang="en-US"/>
           </a:p>
           <a:p>
             <a:pPr lvl="2"/>
@@ -3111,6 +3124,7 @@
               <a:rPr lang="en-US"/>
               <a:t>Third level</a:t>
             </a:r>
+            <a:endParaRPr lang="en-US"/>
           </a:p>
           <a:p>
             <a:pPr lvl="3"/>
@@ -3118,6 +3132,7 @@
               <a:rPr lang="en-US"/>
               <a:t>Fourth level</a:t>
             </a:r>
+            <a:endParaRPr lang="en-US"/>
           </a:p>
           <a:p>
             <a:pPr lvl="4"/>
@@ -3125,6 +3140,7 @@
               <a:rPr lang="en-US"/>
               <a:t>Fifth level</a:t>
             </a:r>
+            <a:endParaRPr lang="en-US"/>
           </a:p>
         </p:txBody>
       </p:sp>
@@ -3163,8 +3179,6 @@
           <a:p>
             <a:fld id="{1D8BD707-D9CF-40AE-B4C6-C98DA3205C09}" type="datetimeFigureOut">
               <a:rPr lang="en-US" smtClean="0"/>
-              <a:pPr/>
-              <a:t>10/18/2024</a:t>
             </a:fld>
             <a:endParaRPr lang="en-US"/>
           </a:p>
@@ -3242,8 +3256,6 @@
           <a:p>
             <a:fld id="{B6F15528-21DE-4FAA-801E-634DDDAF4B2B}" type="slidenum">
               <a:rPr lang="en-US" smtClean="0"/>
-              <a:pPr/>
-              <a:t>‹#›</a:t>
             </a:fld>
             <a:endParaRPr lang="en-US"/>
           </a:p>
@@ -3287,7 +3299,7 @@
         <a:spcBef>
           <a:spcPct val="20000"/>
         </a:spcBef>
-        <a:buFont typeface="Arial" pitchFamily="34" charset="0"/>
+        <a:buFont typeface="Arial" panose="020B0604020202020204" pitchFamily="34" charset="0"/>
         <a:buChar char="•"/>
         <a:defRPr sz="3200" kern="1200">
           <a:solidFill>
@@ -3302,7 +3314,7 @@
         <a:spcBef>
           <a:spcPct val="20000"/>
         </a:spcBef>
-        <a:buFont typeface="Arial" pitchFamily="34" charset="0"/>
+        <a:buFont typeface="Arial" panose="020B0604020202020204" pitchFamily="34" charset="0"/>
         <a:buChar char="–"/>
         <a:defRPr sz="2800" kern="1200">
           <a:solidFill>
@@ -3317,7 +3329,7 @@
         <a:spcBef>
           <a:spcPct val="20000"/>
         </a:spcBef>
-        <a:buFont typeface="Arial" pitchFamily="34" charset="0"/>
+        <a:buFont typeface="Arial" panose="020B0604020202020204" pitchFamily="34" charset="0"/>
         <a:buChar char="•"/>
         <a:defRPr sz="2400" kern="1200">
           <a:solidFill>
@@ -3332,7 +3344,7 @@
         <a:spcBef>
           <a:spcPct val="20000"/>
         </a:spcBef>
-        <a:buFont typeface="Arial" pitchFamily="34" charset="0"/>
+        <a:buFont typeface="Arial" panose="020B0604020202020204" pitchFamily="34" charset="0"/>
         <a:buChar char="–"/>
         <a:defRPr sz="2000" kern="1200">
           <a:solidFill>
@@ -3347,7 +3359,7 @@
         <a:spcBef>
           <a:spcPct val="20000"/>
         </a:spcBef>
-        <a:buFont typeface="Arial" pitchFamily="34" charset="0"/>
+        <a:buFont typeface="Arial" panose="020B0604020202020204" pitchFamily="34" charset="0"/>
         <a:buChar char="»"/>
         <a:defRPr sz="2000" kern="1200">
           <a:solidFill>
@@ -3362,7 +3374,7 @@
         <a:spcBef>
           <a:spcPct val="20000"/>
         </a:spcBef>
-        <a:buFont typeface="Arial" pitchFamily="34" charset="0"/>
+        <a:buFont typeface="Arial" panose="020B0604020202020204" pitchFamily="34" charset="0"/>
         <a:buChar char="•"/>
         <a:defRPr sz="2000" kern="1200">
           <a:solidFill>
@@ -3377,7 +3389,7 @@
         <a:spcBef>
           <a:spcPct val="20000"/>
         </a:spcBef>
-        <a:buFont typeface="Arial" pitchFamily="34" charset="0"/>
+        <a:buFont typeface="Arial" panose="020B0604020202020204" pitchFamily="34" charset="0"/>
         <a:buChar char="•"/>
         <a:defRPr sz="2000" kern="1200">
           <a:solidFill>
@@ -3392,7 +3404,7 @@
         <a:spcBef>
           <a:spcPct val="20000"/>
         </a:spcBef>
-        <a:buFont typeface="Arial" pitchFamily="34" charset="0"/>
+        <a:buFont typeface="Arial" panose="020B0604020202020204" pitchFamily="34" charset="0"/>
         <a:buChar char="•"/>
         <a:defRPr sz="2000" kern="1200">
           <a:solidFill>
@@ -3407,7 +3419,7 @@
         <a:spcBef>
           <a:spcPct val="20000"/>
         </a:spcBef>
-        <a:buFont typeface="Arial" pitchFamily="34" charset="0"/>
+        <a:buFont typeface="Arial" panose="020B0604020202020204" pitchFamily="34" charset="0"/>
         <a:buChar char="•"/>
         <a:defRPr sz="2000" kern="1200">
           <a:solidFill>
@@ -3574,7 +3586,7 @@
             </a:pathLst>
           </a:custGeom>
           <a:blipFill>
-            <a:blip r:embed="rId2"/>
+            <a:blip r:embed="rId1"/>
             <a:stretch>
               <a:fillRect b="-2479"/>
             </a:stretch>
@@ -3620,7 +3632,7 @@
             </a:pathLst>
           </a:custGeom>
           <a:blipFill>
-            <a:blip r:embed="rId3"/>
+            <a:blip r:embed="rId2"/>
             <a:stretch>
               <a:fillRect l="-29154" t="-12440" r="-31171" b="-69738"/>
             </a:stretch>
@@ -3723,7 +3735,7 @@
             </a:pathLst>
           </a:custGeom>
           <a:blipFill>
-            <a:blip r:embed="rId4"/>
+            <a:blip r:embed="rId3"/>
             <a:stretch>
               <a:fillRect l="-29103" t="-12862" r="-29998" b="-69323"/>
             </a:stretch>
@@ -3769,7 +3781,7 @@
             </a:pathLst>
           </a:custGeom>
           <a:blipFill>
-            <a:blip r:embed="rId2"/>
+            <a:blip r:embed="rId1"/>
             <a:stretch>
               <a:fillRect b="-2479"/>
             </a:stretch>
@@ -3815,7 +3827,7 @@
             </a:pathLst>
           </a:custGeom>
           <a:blipFill>
-            <a:blip r:embed="rId3"/>
+            <a:blip r:embed="rId2"/>
             <a:stretch>
               <a:fillRect l="-29154" t="-12440" r="-31171" b="-69738"/>
             </a:stretch>
@@ -4001,6 +4013,15 @@
               </a:rPr>
               <a:t>Interacting with </a:t>
             </a:r>
+            <a:endParaRPr lang="en-US" sz="7200" b="1">
+              <a:solidFill>
+                <a:srgbClr val="00CA8E"/>
+              </a:solidFill>
+              <a:latin typeface="Raleway Heavy"/>
+              <a:ea typeface="Raleway Heavy"/>
+              <a:cs typeface="Raleway Heavy"/>
+              <a:sym typeface="Raleway Heavy"/>
+            </a:endParaRPr>
           </a:p>
         </p:txBody>
       </p:sp>
@@ -4042,6 +4063,15 @@
               </a:rPr>
               <a:t>Nomad</a:t>
             </a:r>
+            <a:endParaRPr lang="en-US" sz="7200" b="1">
+              <a:solidFill>
+                <a:srgbClr val="3F3F3F"/>
+              </a:solidFill>
+              <a:latin typeface="Raleway Heavy"/>
+              <a:ea typeface="Raleway Heavy"/>
+              <a:cs typeface="Raleway Heavy"/>
+              <a:sym typeface="Raleway Heavy"/>
+            </a:endParaRPr>
           </a:p>
         </p:txBody>
       </p:sp>
@@ -4068,10 +4098,9 @@
           <a:p>
             <a:pPr algn="l">
               <a:lnSpc>
-                <a:spcPts val="2239"/>
+                <a:spcPts val="2240"/>
               </a:lnSpc>
             </a:pPr>
-            <a:endParaRPr/>
           </a:p>
         </p:txBody>
       </p:sp>
@@ -4139,7 +4168,7 @@
             </a:pathLst>
           </a:custGeom>
           <a:blipFill>
-            <a:blip r:embed="rId2"/>
+            <a:blip r:embed="rId1"/>
             <a:stretch>
               <a:fillRect b="-2479"/>
             </a:stretch>
@@ -4185,7 +4214,7 @@
             </a:pathLst>
           </a:custGeom>
           <a:blipFill>
-            <a:blip r:embed="rId3"/>
+            <a:blip r:embed="rId2"/>
             <a:stretch>
               <a:fillRect l="-29154" t="-12440" r="-31171" b="-69738"/>
             </a:stretch>
@@ -4469,7 +4498,7 @@
             </a:pathLst>
           </a:custGeom>
           <a:blipFill>
-            <a:blip r:embed="rId2"/>
+            <a:blip r:embed="rId1"/>
             <a:stretch>
               <a:fillRect b="-2479"/>
             </a:stretch>
@@ -4515,7 +4544,7 @@
             </a:pathLst>
           </a:custGeom>
           <a:blipFill>
-            <a:blip r:embed="rId3"/>
+            <a:blip r:embed="rId2"/>
             <a:stretch>
               <a:fillRect l="-29154" t="-12440" r="-31171" b="-69738"/>
             </a:stretch>
@@ -4561,7 +4590,7 @@
             </a:pathLst>
           </a:custGeom>
           <a:blipFill>
-            <a:blip r:embed="rId4"/>
+            <a:blip r:embed="rId3"/>
             <a:stretch>
               <a:fillRect/>
             </a:stretch>
@@ -4707,19 +4736,110 @@
               </a:rPr>
               <a:t>Nomad UI</a:t>
             </a:r>
+            <a:endParaRPr lang="en-US" sz="3600" b="1" spc="3">
+              <a:solidFill>
+                <a:srgbClr val="00CA8E"/>
+              </a:solidFill>
+              <a:latin typeface="Raleway Heavy"/>
+              <a:ea typeface="Raleway Heavy"/>
+              <a:cs typeface="Raleway Heavy"/>
+              <a:sym typeface="Raleway Heavy"/>
+            </a:endParaRPr>
           </a:p>
         </p:txBody>
       </p:sp>
       <p:sp>
         <p:nvSpPr>
-          <p:cNvPr id="17" name="TextBox 17"/>
+          <p:cNvPr id="18" name="TextBox 18"/>
           <p:cNvSpPr txBox="1"/>
           <p:nvPr/>
         </p:nvSpPr>
         <p:spPr>
           <a:xfrm>
-            <a:off x="697154" y="1486300"/>
-            <a:ext cx="81610" cy="826227"/>
+            <a:off x="605155" y="1456690"/>
+            <a:ext cx="8479155" cy="873125"/>
+          </a:xfrm>
+          <a:prstGeom prst="rect">
+            <a:avLst/>
+          </a:prstGeom>
+        </p:spPr>
+        <p:txBody>
+          <a:bodyPr wrap="square" lIns="0" tIns="0" rIns="0" bIns="0" rtlCol="0" anchor="t">
+            <a:spAutoFit/>
+          </a:bodyPr>
+          <a:lstStyle/>
+          <a:p>
+            <a:pPr marL="285750" indent="-285750" algn="l">
+              <a:lnSpc>
+                <a:spcPts val="3405"/>
+              </a:lnSpc>
+              <a:buFont typeface="Arial" panose="020B0604020202020204" pitchFamily="34" charset="0"/>
+              <a:buChar char="•"/>
+            </a:pPr>
+            <a:r>
+              <a:rPr lang="en-US" sz="1800">
+                <a:solidFill>
+                  <a:srgbClr val="3F3F3F"/>
+                </a:solidFill>
+                <a:latin typeface="Roboto" panose="02000000000000000000"/>
+                <a:ea typeface="Roboto" panose="02000000000000000000"/>
+                <a:cs typeface="Roboto" panose="02000000000000000000"/>
+                <a:sym typeface="Roboto" panose="02000000000000000000"/>
+              </a:rPr>
+              <a:t>Provides a simple interface to interact with Nomad </a:t>
+            </a:r>
+            <a:endParaRPr lang="en-US" sz="1800">
+              <a:solidFill>
+                <a:srgbClr val="3F3F3F"/>
+              </a:solidFill>
+              <a:latin typeface="Roboto" panose="02000000000000000000"/>
+              <a:ea typeface="Roboto" panose="02000000000000000000"/>
+              <a:cs typeface="Roboto" panose="02000000000000000000"/>
+              <a:sym typeface="Roboto" panose="02000000000000000000"/>
+            </a:endParaRPr>
+          </a:p>
+          <a:p>
+            <a:pPr marL="285750" indent="-285750" algn="l">
+              <a:lnSpc>
+                <a:spcPts val="3405"/>
+              </a:lnSpc>
+              <a:buFont typeface="Arial" panose="020B0604020202020204" pitchFamily="34" charset="0"/>
+              <a:buChar char="•"/>
+            </a:pPr>
+            <a:r>
+              <a:rPr lang="en-US" sz="1800">
+                <a:solidFill>
+                  <a:srgbClr val="3F3F3F"/>
+                </a:solidFill>
+                <a:latin typeface="Roboto" panose="02000000000000000000"/>
+                <a:ea typeface="Roboto" panose="02000000000000000000"/>
+                <a:cs typeface="Roboto" panose="02000000000000000000"/>
+                <a:sym typeface="Roboto" panose="02000000000000000000"/>
+              </a:rPr>
+              <a:t>View Nomad infrastructure, jobs, evaluations, allocations, variables, and more.</a:t>
+            </a:r>
+            <a:endParaRPr lang="en-US" sz="1800">
+              <a:solidFill>
+                <a:srgbClr val="3F3F3F"/>
+              </a:solidFill>
+              <a:latin typeface="Roboto" panose="02000000000000000000"/>
+              <a:ea typeface="Roboto" panose="02000000000000000000"/>
+              <a:cs typeface="Roboto" panose="02000000000000000000"/>
+              <a:sym typeface="Roboto" panose="02000000000000000000"/>
+            </a:endParaRPr>
+          </a:p>
+        </p:txBody>
+      </p:sp>
+      <p:sp>
+        <p:nvSpPr>
+          <p:cNvPr id="19" name="TextBox 19"/>
+          <p:cNvSpPr txBox="1"/>
+          <p:nvPr/>
+        </p:nvSpPr>
+        <p:spPr>
+          <a:xfrm rot="5400000">
+            <a:off x="9470196" y="3080578"/>
+            <a:ext cx="5230187" cy="283210"/>
           </a:xfrm>
           <a:prstGeom prst="rect">
             <a:avLst/>
@@ -4731,94 +4851,11 @@
           </a:bodyPr>
           <a:lstStyle/>
           <a:p>
-            <a:pPr algn="just">
+            <a:pPr algn="l">
               <a:lnSpc>
-                <a:spcPts val="3407"/>
+                <a:spcPts val="2240"/>
               </a:lnSpc>
             </a:pPr>
-            <a:r>
-              <a:rPr lang="en-US" sz="1800" spc="-14">
-                <a:solidFill>
-                  <a:srgbClr val="3F3F3F"/>
-                </a:solidFill>
-                <a:latin typeface="IBM Plex Sans Condensed"/>
-                <a:ea typeface="IBM Plex Sans Condensed"/>
-                <a:cs typeface="IBM Plex Sans Condensed"/>
-                <a:sym typeface="IBM Plex Sans Condensed"/>
-              </a:rPr>
-              <a:t>• •</a:t>
-            </a:r>
-          </a:p>
-        </p:txBody>
-      </p:sp>
-      <p:sp>
-        <p:nvSpPr>
-          <p:cNvPr id="18" name="TextBox 18"/>
-          <p:cNvSpPr txBox="1"/>
-          <p:nvPr/>
-        </p:nvSpPr>
-        <p:spPr>
-          <a:xfrm>
-            <a:off x="982904" y="1456620"/>
-            <a:ext cx="8101117" cy="838876"/>
-          </a:xfrm>
-          <a:prstGeom prst="rect">
-            <a:avLst/>
-          </a:prstGeom>
-        </p:spPr>
-        <p:txBody>
-          <a:bodyPr lIns="0" tIns="0" rIns="0" bIns="0" rtlCol="0" anchor="t">
-            <a:spAutoFit/>
-          </a:bodyPr>
-          <a:lstStyle/>
-          <a:p>
-            <a:pPr algn="l">
-              <a:lnSpc>
-                <a:spcPts val="3407"/>
-              </a:lnSpc>
-            </a:pPr>
-            <a:r>
-              <a:rPr lang="en-US" sz="1800">
-                <a:solidFill>
-                  <a:srgbClr val="3F3F3F"/>
-                </a:solidFill>
-                <a:latin typeface="Roboto"/>
-                <a:ea typeface="Roboto"/>
-                <a:cs typeface="Roboto"/>
-                <a:sym typeface="Roboto"/>
-              </a:rPr>
-              <a:t>Provides a simple interface to interact with Nomad View Nomad infrastructure, jobs, evaluations, allocations, variables, and more.</a:t>
-            </a:r>
-          </a:p>
-        </p:txBody>
-      </p:sp>
-      <p:sp>
-        <p:nvSpPr>
-          <p:cNvPr id="19" name="TextBox 19"/>
-          <p:cNvSpPr txBox="1"/>
-          <p:nvPr/>
-        </p:nvSpPr>
-        <p:spPr>
-          <a:xfrm rot="5400000">
-            <a:off x="9470196" y="3080578"/>
-            <a:ext cx="5230187" cy="283210"/>
-          </a:xfrm>
-          <a:prstGeom prst="rect">
-            <a:avLst/>
-          </a:prstGeom>
-        </p:spPr>
-        <p:txBody>
-          <a:bodyPr lIns="0" tIns="0" rIns="0" bIns="0" rtlCol="0" anchor="t">
-            <a:spAutoFit/>
-          </a:bodyPr>
-          <a:lstStyle/>
-          <a:p>
-            <a:pPr algn="l">
-              <a:lnSpc>
-                <a:spcPts val="2239"/>
-              </a:lnSpc>
-            </a:pPr>
-            <a:endParaRPr/>
           </a:p>
         </p:txBody>
       </p:sp>
@@ -4886,7 +4923,7 @@
             </a:pathLst>
           </a:custGeom>
           <a:blipFill>
-            <a:blip r:embed="rId2"/>
+            <a:blip r:embed="rId1"/>
             <a:stretch>
               <a:fillRect b="-2479"/>
             </a:stretch>
@@ -4932,7 +4969,7 @@
             </a:pathLst>
           </a:custGeom>
           <a:blipFill>
-            <a:blip r:embed="rId3"/>
+            <a:blip r:embed="rId2"/>
             <a:stretch>
               <a:fillRect l="-29154" t="-12440" r="-31171" b="-69738"/>
             </a:stretch>
@@ -5216,7 +5253,7 @@
             </a:pathLst>
           </a:custGeom>
           <a:blipFill>
-            <a:blip r:embed="rId2"/>
+            <a:blip r:embed="rId1"/>
             <a:stretch>
               <a:fillRect b="-2479"/>
             </a:stretch>
@@ -5262,7 +5299,7 @@
             </a:pathLst>
           </a:custGeom>
           <a:blipFill>
-            <a:blip r:embed="rId3"/>
+            <a:blip r:embed="rId2"/>
             <a:stretch>
               <a:fillRect l="-29154" t="-12440" r="-31171" b="-69738"/>
             </a:stretch>
@@ -5308,10 +5345,10 @@
             </a:pathLst>
           </a:custGeom>
           <a:blipFill>
-            <a:blip r:embed="rId4">
+            <a:blip r:embed="rId3">
               <a:extLst>
                 <a:ext uri="{96DAC541-7B7A-43D3-8B79-37D633B846F1}">
-                  <asvg:svgBlip xmlns:asvg="http://schemas.microsoft.com/office/drawing/2016/SVG/main" r:embed="rId5"/>
+                  <asvg:svgBlip xmlns:asvg="http://schemas.microsoft.com/office/drawing/2016/SVG/main" r:embed="rId4"/>
                 </a:ext>
               </a:extLst>
             </a:blip>
@@ -5360,10 +5397,10 @@
             </a:pathLst>
           </a:custGeom>
           <a:blipFill>
-            <a:blip r:embed="rId6">
+            <a:blip r:embed="rId5">
               <a:extLst>
                 <a:ext uri="{96DAC541-7B7A-43D3-8B79-37D633B846F1}">
-                  <asvg:svgBlip xmlns:asvg="http://schemas.microsoft.com/office/drawing/2016/SVG/main" r:embed="rId7"/>
+                  <asvg:svgBlip xmlns:asvg="http://schemas.microsoft.com/office/drawing/2016/SVG/main" r:embed="rId6"/>
                 </a:ext>
               </a:extLst>
             </a:blip>
@@ -5411,6 +5448,15 @@
               </a:rPr>
               <a:t>Nomad UI</a:t>
             </a:r>
+            <a:endParaRPr lang="en-US" sz="3600" b="1" spc="3">
+              <a:solidFill>
+                <a:srgbClr val="00CA8E"/>
+              </a:solidFill>
+              <a:latin typeface="Raleway Heavy"/>
+              <a:ea typeface="Raleway Heavy"/>
+              <a:cs typeface="Raleway Heavy"/>
+              <a:sym typeface="Raleway Heavy"/>
+            </a:endParaRPr>
           </a:p>
         </p:txBody>
       </p:sp>
@@ -5422,8 +5468,98 @@
         </p:nvSpPr>
         <p:spPr>
           <a:xfrm>
-            <a:off x="2117322" y="3213878"/>
-            <a:ext cx="4691158" cy="350634"/>
+            <a:off x="2117090" y="3213735"/>
+            <a:ext cx="8388350" cy="717550"/>
+          </a:xfrm>
+          <a:prstGeom prst="rect">
+            <a:avLst/>
+          </a:prstGeom>
+        </p:spPr>
+        <p:txBody>
+          <a:bodyPr wrap="square" lIns="0" tIns="0" rIns="0" bIns="0" rtlCol="0" anchor="t">
+            <a:spAutoFit/>
+          </a:bodyPr>
+          <a:lstStyle/>
+          <a:p>
+            <a:pPr algn="l">
+              <a:lnSpc>
+                <a:spcPts val="2800"/>
+              </a:lnSpc>
+            </a:pPr>
+            <a:r>
+              <a:rPr lang="en-US" sz="2000">
+                <a:solidFill>
+                  <a:srgbClr val="3F3F3F"/>
+                </a:solidFill>
+                <a:latin typeface="Roboto" panose="02000000000000000000"/>
+                <a:ea typeface="Roboto" panose="02000000000000000000"/>
+                <a:cs typeface="Roboto" panose="02000000000000000000"/>
+                <a:sym typeface="Roboto" panose="02000000000000000000"/>
+              </a:rPr>
+              <a:t>You can also get to the URL by using the </a:t>
+            </a:r>
+            <a:r>
+              <a:rPr lang="en-US" sz="2000" b="1">
+                <a:solidFill>
+                  <a:srgbClr val="00CA8E"/>
+                </a:solidFill>
+                <a:latin typeface="Courier New OS Bold" panose="02070609020205020404"/>
+                <a:ea typeface="Courier New OS Bold" panose="02070609020205020404"/>
+                <a:cs typeface="Courier New OS Bold" panose="02070609020205020404"/>
+                <a:sym typeface="Courier New OS Bold" panose="02070609020205020404"/>
+              </a:rPr>
+              <a:t>nomad ui </a:t>
+            </a:r>
+            <a:r>
+              <a:rPr lang="en-US" sz="2000">
+                <a:solidFill>
+                  <a:srgbClr val="3F3F3F"/>
+                </a:solidFill>
+                <a:latin typeface="Roboto" panose="02000000000000000000"/>
+                <a:ea typeface="Roboto" panose="02000000000000000000"/>
+                <a:cs typeface="Roboto" panose="02000000000000000000"/>
+                <a:sym typeface="Roboto" panose="02000000000000000000"/>
+              </a:rPr>
+              <a:t>command</a:t>
+            </a:r>
+            <a:endParaRPr lang="en-US" sz="2000" b="1">
+              <a:solidFill>
+                <a:srgbClr val="00CA8E"/>
+              </a:solidFill>
+              <a:latin typeface="Courier New OS Bold" panose="02070609020205020404"/>
+              <a:ea typeface="Courier New OS Bold" panose="02070609020205020404"/>
+              <a:cs typeface="Courier New OS Bold" panose="02070609020205020404"/>
+              <a:sym typeface="Courier New OS Bold" panose="02070609020205020404"/>
+            </a:endParaRPr>
+          </a:p>
+          <a:p>
+            <a:pPr algn="l">
+              <a:lnSpc>
+                <a:spcPts val="2800"/>
+              </a:lnSpc>
+            </a:pPr>
+            <a:endParaRPr lang="en-US" sz="2000">
+              <a:solidFill>
+                <a:srgbClr val="3F3F3F"/>
+              </a:solidFill>
+              <a:latin typeface="Roboto" panose="02000000000000000000"/>
+              <a:ea typeface="Roboto" panose="02000000000000000000"/>
+              <a:cs typeface="Roboto" panose="02000000000000000000"/>
+              <a:sym typeface="Roboto" panose="02000000000000000000"/>
+            </a:endParaRPr>
+          </a:p>
+        </p:txBody>
+      </p:sp>
+      <p:sp>
+        <p:nvSpPr>
+          <p:cNvPr id="17" name="TextBox 17"/>
+          <p:cNvSpPr txBox="1"/>
+          <p:nvPr/>
+        </p:nvSpPr>
+        <p:spPr>
+          <a:xfrm>
+            <a:off x="2181339" y="4820174"/>
+            <a:ext cx="6059548" cy="350634"/>
           </a:xfrm>
           <a:prstGeom prst="rect">
             <a:avLst/>
@@ -5437,34 +5573,43 @@
           <a:p>
             <a:pPr algn="l">
               <a:lnSpc>
-                <a:spcPts val="2799"/>
+                <a:spcPts val="2800"/>
               </a:lnSpc>
             </a:pPr>
             <a:r>
-              <a:rPr lang="en-US" sz="1999">
+              <a:rPr lang="en-US" sz="2000">
                 <a:solidFill>
                   <a:srgbClr val="3F3F3F"/>
                 </a:solidFill>
-                <a:latin typeface="Roboto"/>
-                <a:ea typeface="Roboto"/>
-                <a:cs typeface="Roboto"/>
-                <a:sym typeface="Roboto"/>
+                <a:latin typeface="Roboto" panose="02000000000000000000"/>
+                <a:ea typeface="Roboto" panose="02000000000000000000"/>
+                <a:cs typeface="Roboto" panose="02000000000000000000"/>
+                <a:sym typeface="Roboto" panose="02000000000000000000"/>
               </a:rPr>
-              <a:t>You can also get to the URL by using the </a:t>
-            </a:r>
+              <a:t>Print the Nomad UI URL without opening the browser</a:t>
+            </a:r>
+            <a:endParaRPr lang="en-US" sz="2000">
+              <a:solidFill>
+                <a:srgbClr val="3F3F3F"/>
+              </a:solidFill>
+              <a:latin typeface="Roboto" panose="02000000000000000000"/>
+              <a:ea typeface="Roboto" panose="02000000000000000000"/>
+              <a:cs typeface="Roboto" panose="02000000000000000000"/>
+              <a:sym typeface="Roboto" panose="02000000000000000000"/>
+            </a:endParaRPr>
           </a:p>
         </p:txBody>
       </p:sp>
       <p:sp>
         <p:nvSpPr>
-          <p:cNvPr id="17" name="TextBox 17"/>
+          <p:cNvPr id="18" name="TextBox 18"/>
           <p:cNvSpPr txBox="1"/>
           <p:nvPr/>
         </p:nvSpPr>
         <p:spPr>
           <a:xfrm>
-            <a:off x="2181339" y="4820174"/>
-            <a:ext cx="6059548" cy="350634"/>
+            <a:off x="2181339" y="1802654"/>
+            <a:ext cx="6503946" cy="426834"/>
           </a:xfrm>
           <a:prstGeom prst="rect">
             <a:avLst/>
@@ -5478,34 +5623,43 @@
           <a:p>
             <a:pPr algn="l">
               <a:lnSpc>
-                <a:spcPts val="2799"/>
+                <a:spcPts val="3600"/>
               </a:lnSpc>
             </a:pPr>
             <a:r>
-              <a:rPr lang="en-US" sz="1999">
+              <a:rPr lang="en-US" sz="2000" spc="1">
                 <a:solidFill>
                   <a:srgbClr val="3F3F3F"/>
                 </a:solidFill>
-                <a:latin typeface="Roboto"/>
-                <a:ea typeface="Roboto"/>
-                <a:cs typeface="Roboto"/>
-                <a:sym typeface="Roboto"/>
+                <a:latin typeface="Roboto" panose="02000000000000000000"/>
+                <a:ea typeface="Roboto" panose="02000000000000000000"/>
+                <a:cs typeface="Roboto" panose="02000000000000000000"/>
+                <a:sym typeface="Roboto" panose="02000000000000000000"/>
               </a:rPr>
-              <a:t>Print the Nomad UI URL without opening the browser</a:t>
-            </a:r>
+              <a:t>Access the UI by hitting the URL (assuming default port):</a:t>
+            </a:r>
+            <a:endParaRPr lang="en-US" sz="2000" spc="1">
+              <a:solidFill>
+                <a:srgbClr val="3F3F3F"/>
+              </a:solidFill>
+              <a:latin typeface="Roboto" panose="02000000000000000000"/>
+              <a:ea typeface="Roboto" panose="02000000000000000000"/>
+              <a:cs typeface="Roboto" panose="02000000000000000000"/>
+              <a:sym typeface="Roboto" panose="02000000000000000000"/>
+            </a:endParaRPr>
           </a:p>
         </p:txBody>
       </p:sp>
       <p:sp>
         <p:nvSpPr>
-          <p:cNvPr id="18" name="TextBox 18"/>
+          <p:cNvPr id="19" name="TextBox 19"/>
           <p:cNvSpPr txBox="1"/>
           <p:nvPr/>
         </p:nvSpPr>
         <p:spPr>
           <a:xfrm>
-            <a:off x="2181339" y="1802654"/>
-            <a:ext cx="6503946" cy="426834"/>
+            <a:off x="2529316" y="2254653"/>
+            <a:ext cx="4173645" cy="450971"/>
           </a:xfrm>
           <a:prstGeom prst="rect">
             <a:avLst/>
@@ -5519,34 +5673,67 @@
           <a:p>
             <a:pPr algn="l">
               <a:lnSpc>
-                <a:spcPts val="3599"/>
+                <a:spcPts val="3600"/>
               </a:lnSpc>
             </a:pPr>
             <a:r>
-              <a:rPr lang="en-US" sz="1999" spc="1">
+              <a:rPr lang="en-US" sz="2000">
                 <a:solidFill>
-                  <a:srgbClr val="3F3F3F"/>
+                  <a:srgbClr val="00CA8E"/>
                 </a:solidFill>
-                <a:latin typeface="Roboto"/>
-                <a:ea typeface="Roboto"/>
-                <a:cs typeface="Roboto"/>
-                <a:sym typeface="Roboto"/>
+                <a:latin typeface="Roboto" panose="02000000000000000000"/>
+                <a:ea typeface="Roboto" panose="02000000000000000000"/>
+                <a:cs typeface="Roboto" panose="02000000000000000000"/>
+                <a:sym typeface="Roboto" panose="02000000000000000000"/>
               </a:rPr>
-              <a:t>Access the UI by hitting the URL (assuming default port):</a:t>
-            </a:r>
+              <a:t>•</a:t>
+            </a:r>
+            <a:r>
+              <a:rPr lang="en-US" sz="2000">
+                <a:solidFill>
+                  <a:srgbClr val="FFFFFF"/>
+                </a:solidFill>
+                <a:latin typeface="Roboto" panose="02000000000000000000"/>
+                <a:ea typeface="Roboto" panose="02000000000000000000"/>
+                <a:cs typeface="Roboto" panose="02000000000000000000"/>
+                <a:sym typeface="Roboto" panose="02000000000000000000"/>
+              </a:rPr>
+              <a:t> </a:t>
+            </a:r>
+            <a:r>
+              <a:rPr lang="en-US" sz="2000">
+                <a:solidFill>
+                  <a:srgbClr val="00CA8E"/>
+                </a:solidFill>
+                <a:latin typeface="Roboto" panose="02000000000000000000"/>
+                <a:ea typeface="Roboto" panose="02000000000000000000"/>
+                <a:cs typeface="Roboto" panose="02000000000000000000"/>
+                <a:sym typeface="Roboto" panose="02000000000000000000"/>
+              </a:rPr>
+              <a:t>https://nomad.example.com:4646</a:t>
+            </a:r>
+            <a:endParaRPr lang="en-US" sz="2000">
+              <a:solidFill>
+                <a:srgbClr val="00CA8E"/>
+              </a:solidFill>
+              <a:latin typeface="Roboto" panose="02000000000000000000"/>
+              <a:ea typeface="Roboto" panose="02000000000000000000"/>
+              <a:cs typeface="Roboto" panose="02000000000000000000"/>
+              <a:sym typeface="Roboto" panose="02000000000000000000"/>
+            </a:endParaRPr>
           </a:p>
         </p:txBody>
       </p:sp>
       <p:sp>
         <p:nvSpPr>
-          <p:cNvPr id="19" name="TextBox 19"/>
+          <p:cNvPr id="21" name="TextBox 21"/>
           <p:cNvSpPr txBox="1"/>
           <p:nvPr/>
         </p:nvSpPr>
         <p:spPr>
           <a:xfrm>
-            <a:off x="2529316" y="2254653"/>
-            <a:ext cx="4173645" cy="450971"/>
+            <a:off x="2717949" y="4226557"/>
+            <a:ext cx="1554480" cy="338633"/>
           </a:xfrm>
           <a:prstGeom prst="rect">
             <a:avLst/>
@@ -5560,58 +5747,43 @@
           <a:p>
             <a:pPr algn="l">
               <a:lnSpc>
-                <a:spcPts val="3599"/>
+                <a:spcPts val="2800"/>
               </a:lnSpc>
             </a:pPr>
             <a:r>
-              <a:rPr lang="en-US" sz="1999">
+              <a:rPr lang="en-US" sz="2000">
                 <a:solidFill>
-                  <a:srgbClr val="00CA8E"/>
+                  <a:srgbClr val="3F3F3F"/>
                 </a:solidFill>
-                <a:latin typeface="Roboto"/>
-                <a:ea typeface="Roboto"/>
-                <a:cs typeface="Roboto"/>
-                <a:sym typeface="Roboto"/>
+                <a:latin typeface="Courier New OS" panose="02070309020205020404"/>
+                <a:ea typeface="Courier New OS" panose="02070309020205020404"/>
+                <a:cs typeface="Courier New OS" panose="02070309020205020404"/>
+                <a:sym typeface="Courier New OS" panose="02070309020205020404"/>
               </a:rPr>
-              <a:t>•</a:t>
-            </a:r>
-            <a:r>
-              <a:rPr lang="en-US" sz="1999">
-                <a:solidFill>
-                  <a:srgbClr val="FFFFFF"/>
-                </a:solidFill>
-                <a:latin typeface="Roboto"/>
-                <a:ea typeface="Roboto"/>
-                <a:cs typeface="Roboto"/>
-                <a:sym typeface="Roboto"/>
-              </a:rPr>
-              <a:t> </a:t>
-            </a:r>
-            <a:r>
-              <a:rPr lang="en-US" sz="1999">
-                <a:solidFill>
-                  <a:srgbClr val="00CA8E"/>
-                </a:solidFill>
-                <a:latin typeface="Roboto"/>
-                <a:ea typeface="Roboto"/>
-                <a:cs typeface="Roboto"/>
-                <a:sym typeface="Roboto"/>
-              </a:rPr>
-              <a:t>https://nomad.example.com:4646</a:t>
-            </a:r>
+              <a:t>$ nomad ui</a:t>
+            </a:r>
+            <a:endParaRPr lang="en-US" sz="2000">
+              <a:solidFill>
+                <a:srgbClr val="3F3F3F"/>
+              </a:solidFill>
+              <a:latin typeface="Courier New OS" panose="02070309020205020404"/>
+              <a:ea typeface="Courier New OS" panose="02070309020205020404"/>
+              <a:cs typeface="Courier New OS" panose="02070309020205020404"/>
+              <a:sym typeface="Courier New OS" panose="02070309020205020404"/>
+            </a:endParaRPr>
           </a:p>
         </p:txBody>
       </p:sp>
       <p:sp>
         <p:nvSpPr>
-          <p:cNvPr id="20" name="TextBox 20"/>
+          <p:cNvPr id="22" name="TextBox 22"/>
           <p:cNvSpPr txBox="1"/>
           <p:nvPr/>
         </p:nvSpPr>
         <p:spPr>
           <a:xfrm>
-            <a:off x="8253003" y="3213878"/>
-            <a:ext cx="1228554" cy="350634"/>
+            <a:off x="2678449" y="5968489"/>
+            <a:ext cx="1554480" cy="300533"/>
           </a:xfrm>
           <a:prstGeom prst="rect">
             <a:avLst/>
@@ -5625,34 +5797,43 @@
           <a:p>
             <a:pPr algn="l">
               <a:lnSpc>
-                <a:spcPts val="2799"/>
+                <a:spcPts val="2400"/>
               </a:lnSpc>
             </a:pPr>
             <a:r>
-              <a:rPr lang="en-US" sz="1999">
+              <a:rPr lang="en-US" sz="2000">
                 <a:solidFill>
                   <a:srgbClr val="3F3F3F"/>
                 </a:solidFill>
-                <a:latin typeface="Roboto"/>
-                <a:ea typeface="Roboto"/>
-                <a:cs typeface="Roboto"/>
-                <a:sym typeface="Roboto"/>
+                <a:latin typeface="Courier New OS" panose="02070309020205020404"/>
+                <a:ea typeface="Courier New OS" panose="02070309020205020404"/>
+                <a:cs typeface="Courier New OS" panose="02070309020205020404"/>
+                <a:sym typeface="Courier New OS" panose="02070309020205020404"/>
               </a:rPr>
-              <a:t>command:</a:t>
-            </a:r>
+              <a:t>$ nomad ui</a:t>
+            </a:r>
+            <a:endParaRPr lang="en-US" sz="2000">
+              <a:solidFill>
+                <a:srgbClr val="3F3F3F"/>
+              </a:solidFill>
+              <a:latin typeface="Courier New OS" panose="02070309020205020404"/>
+              <a:ea typeface="Courier New OS" panose="02070309020205020404"/>
+              <a:cs typeface="Courier New OS" panose="02070309020205020404"/>
+              <a:sym typeface="Courier New OS" panose="02070309020205020404"/>
+            </a:endParaRPr>
           </a:p>
         </p:txBody>
       </p:sp>
       <p:sp>
         <p:nvSpPr>
-          <p:cNvPr id="21" name="TextBox 21"/>
+          <p:cNvPr id="23" name="TextBox 23"/>
           <p:cNvSpPr txBox="1"/>
           <p:nvPr/>
         </p:nvSpPr>
         <p:spPr>
           <a:xfrm>
-            <a:off x="2717949" y="4226557"/>
-            <a:ext cx="1554480" cy="338633"/>
+            <a:off x="4354849" y="5968489"/>
+            <a:ext cx="1399032" cy="300533"/>
           </a:xfrm>
           <a:prstGeom prst="rect">
             <a:avLst/>
@@ -5666,34 +5847,43 @@
           <a:p>
             <a:pPr algn="l">
               <a:lnSpc>
-                <a:spcPts val="2799"/>
+                <a:spcPts val="2400"/>
               </a:lnSpc>
             </a:pPr>
             <a:r>
-              <a:rPr lang="en-US" sz="1999">
+              <a:rPr lang="en-US" sz="2000">
                 <a:solidFill>
                   <a:srgbClr val="3F3F3F"/>
                 </a:solidFill>
-                <a:latin typeface="Courier New OS"/>
-                <a:ea typeface="Courier New OS"/>
-                <a:cs typeface="Courier New OS"/>
-                <a:sym typeface="Courier New OS"/>
+                <a:latin typeface="Courier New OS" panose="02070309020205020404"/>
+                <a:ea typeface="Courier New OS" panose="02070309020205020404"/>
+                <a:cs typeface="Courier New OS" panose="02070309020205020404"/>
+                <a:sym typeface="Courier New OS" panose="02070309020205020404"/>
               </a:rPr>
-              <a:t>$ nomad ui</a:t>
-            </a:r>
+              <a:t>–show-url</a:t>
+            </a:r>
+            <a:endParaRPr lang="en-US" sz="2000">
+              <a:solidFill>
+                <a:srgbClr val="3F3F3F"/>
+              </a:solidFill>
+              <a:latin typeface="Courier New OS" panose="02070309020205020404"/>
+              <a:ea typeface="Courier New OS" panose="02070309020205020404"/>
+              <a:cs typeface="Courier New OS" panose="02070309020205020404"/>
+              <a:sym typeface="Courier New OS" panose="02070309020205020404"/>
+            </a:endParaRPr>
           </a:p>
         </p:txBody>
       </p:sp>
       <p:sp>
         <p:nvSpPr>
-          <p:cNvPr id="22" name="TextBox 22"/>
+          <p:cNvPr id="24" name="TextBox 24"/>
           <p:cNvSpPr txBox="1"/>
           <p:nvPr/>
         </p:nvSpPr>
         <p:spPr>
           <a:xfrm>
-            <a:off x="2678449" y="5968489"/>
-            <a:ext cx="1554480" cy="300533"/>
+            <a:off x="2678449" y="6273289"/>
+            <a:ext cx="7150608" cy="300533"/>
           </a:xfrm>
           <a:prstGeom prst="rect">
             <a:avLst/>
@@ -5707,34 +5897,43 @@
           <a:p>
             <a:pPr algn="l">
               <a:lnSpc>
-                <a:spcPts val="2399"/>
+                <a:spcPts val="2400"/>
               </a:lnSpc>
             </a:pPr>
             <a:r>
-              <a:rPr lang="en-US" sz="1999">
+              <a:rPr lang="en-US" sz="2000">
                 <a:solidFill>
                   <a:srgbClr val="3F3F3F"/>
                 </a:solidFill>
-                <a:latin typeface="Courier New OS"/>
-                <a:ea typeface="Courier New OS"/>
-                <a:cs typeface="Courier New OS"/>
-                <a:sym typeface="Courier New OS"/>
+                <a:latin typeface="Courier New OS" panose="02070309020205020404"/>
+                <a:ea typeface="Courier New OS" panose="02070309020205020404"/>
+                <a:cs typeface="Courier New OS" panose="02070309020205020404"/>
+                <a:sym typeface="Courier New OS" panose="02070309020205020404"/>
               </a:rPr>
-              <a:t>$ nomad ui</a:t>
-            </a:r>
+              <a:t>URL for web UI: https://nomad.example.com:4646</a:t>
+            </a:r>
+            <a:endParaRPr lang="en-US" sz="2000">
+              <a:solidFill>
+                <a:srgbClr val="3F3F3F"/>
+              </a:solidFill>
+              <a:latin typeface="Courier New OS" panose="02070309020205020404"/>
+              <a:ea typeface="Courier New OS" panose="02070309020205020404"/>
+              <a:cs typeface="Courier New OS" panose="02070309020205020404"/>
+              <a:sym typeface="Courier New OS" panose="02070309020205020404"/>
+            </a:endParaRPr>
           </a:p>
         </p:txBody>
       </p:sp>
       <p:sp>
         <p:nvSpPr>
-          <p:cNvPr id="23" name="TextBox 23"/>
+          <p:cNvPr id="26" name="TextBox 26"/>
           <p:cNvSpPr txBox="1"/>
           <p:nvPr/>
         </p:nvSpPr>
         <p:spPr>
           <a:xfrm>
-            <a:off x="4354849" y="5968489"/>
-            <a:ext cx="1399032" cy="300533"/>
+            <a:off x="5578297" y="3779682"/>
+            <a:ext cx="750951" cy="210388"/>
           </a:xfrm>
           <a:prstGeom prst="rect">
             <a:avLst/>
@@ -5748,34 +5947,43 @@
           <a:p>
             <a:pPr algn="l">
               <a:lnSpc>
-                <a:spcPts val="2399"/>
+                <a:spcPts val="1680"/>
               </a:lnSpc>
             </a:pPr>
             <a:r>
-              <a:rPr lang="en-US" sz="1999">
+              <a:rPr lang="en-US" sz="1200">
                 <a:solidFill>
-                  <a:srgbClr val="3F3F3F"/>
+                  <a:srgbClr val="FFFFFF"/>
                 </a:solidFill>
-                <a:latin typeface="Courier New OS"/>
-                <a:ea typeface="Courier New OS"/>
-                <a:cs typeface="Courier New OS"/>
-                <a:sym typeface="Courier New OS"/>
+                <a:latin typeface="Roboto" panose="02000000000000000000"/>
+                <a:ea typeface="Roboto" panose="02000000000000000000"/>
+                <a:cs typeface="Roboto" panose="02000000000000000000"/>
+                <a:sym typeface="Roboto" panose="02000000000000000000"/>
               </a:rPr>
-              <a:t>–show-url</a:t>
-            </a:r>
+              <a:t>TERMINAL</a:t>
+            </a:r>
+            <a:endParaRPr lang="en-US" sz="1200">
+              <a:solidFill>
+                <a:srgbClr val="FFFFFF"/>
+              </a:solidFill>
+              <a:latin typeface="Roboto" panose="02000000000000000000"/>
+              <a:ea typeface="Roboto" panose="02000000000000000000"/>
+              <a:cs typeface="Roboto" panose="02000000000000000000"/>
+              <a:sym typeface="Roboto" panose="02000000000000000000"/>
+            </a:endParaRPr>
           </a:p>
         </p:txBody>
       </p:sp>
       <p:sp>
         <p:nvSpPr>
-          <p:cNvPr id="24" name="TextBox 24"/>
+          <p:cNvPr id="27" name="TextBox 27"/>
           <p:cNvSpPr txBox="1"/>
           <p:nvPr/>
         </p:nvSpPr>
         <p:spPr>
           <a:xfrm>
-            <a:off x="2678449" y="6273289"/>
-            <a:ext cx="7150608" cy="300533"/>
+            <a:off x="9696269" y="5480466"/>
+            <a:ext cx="750951" cy="210388"/>
           </a:xfrm>
           <a:prstGeom prst="rect">
             <a:avLst/>
@@ -5789,34 +5997,43 @@
           <a:p>
             <a:pPr algn="l">
               <a:lnSpc>
-                <a:spcPts val="2399"/>
+                <a:spcPts val="1680"/>
               </a:lnSpc>
             </a:pPr>
             <a:r>
-              <a:rPr lang="en-US" sz="1999">
+              <a:rPr lang="en-US" sz="1200">
                 <a:solidFill>
-                  <a:srgbClr val="3F3F3F"/>
+                  <a:srgbClr val="FFFFFF"/>
                 </a:solidFill>
-                <a:latin typeface="Courier New OS"/>
-                <a:ea typeface="Courier New OS"/>
-                <a:cs typeface="Courier New OS"/>
-                <a:sym typeface="Courier New OS"/>
+                <a:latin typeface="Roboto" panose="02000000000000000000"/>
+                <a:ea typeface="Roboto" panose="02000000000000000000"/>
+                <a:cs typeface="Roboto" panose="02000000000000000000"/>
+                <a:sym typeface="Roboto" panose="02000000000000000000"/>
               </a:rPr>
-              <a:t>URL for web UI: https://nomad.example.com:4646</a:t>
-            </a:r>
+              <a:t>TERMINAL</a:t>
+            </a:r>
+            <a:endParaRPr lang="en-US" sz="1200">
+              <a:solidFill>
+                <a:srgbClr val="FFFFFF"/>
+              </a:solidFill>
+              <a:latin typeface="Roboto" panose="02000000000000000000"/>
+              <a:ea typeface="Roboto" panose="02000000000000000000"/>
+              <a:cs typeface="Roboto" panose="02000000000000000000"/>
+              <a:sym typeface="Roboto" panose="02000000000000000000"/>
+            </a:endParaRPr>
           </a:p>
         </p:txBody>
       </p:sp>
       <p:sp>
         <p:nvSpPr>
-          <p:cNvPr id="25" name="TextBox 25"/>
+          <p:cNvPr id="28" name="TextBox 28"/>
           <p:cNvSpPr txBox="1"/>
           <p:nvPr/>
         </p:nvSpPr>
         <p:spPr>
-          <a:xfrm>
-            <a:off x="6716306" y="3299308"/>
-            <a:ext cx="1490043" cy="417795"/>
+          <a:xfrm rot="5400000">
+            <a:off x="9470196" y="3080578"/>
+            <a:ext cx="5230187" cy="283210"/>
           </a:xfrm>
           <a:prstGeom prst="rect">
             <a:avLst/>
@@ -5830,133 +6047,9 @@
           <a:p>
             <a:pPr algn="l">
               <a:lnSpc>
-                <a:spcPts val="3359"/>
+                <a:spcPts val="2240"/>
               </a:lnSpc>
             </a:pPr>
-            <a:r>
-              <a:rPr lang="en-US" sz="2400" b="1">
-                <a:solidFill>
-                  <a:srgbClr val="00CA8E"/>
-                </a:solidFill>
-                <a:latin typeface="Courier New OS Bold"/>
-                <a:ea typeface="Courier New OS Bold"/>
-                <a:cs typeface="Courier New OS Bold"/>
-                <a:sym typeface="Courier New OS Bold"/>
-              </a:rPr>
-              <a:t>nomad ui</a:t>
-            </a:r>
-          </a:p>
-        </p:txBody>
-      </p:sp>
-      <p:sp>
-        <p:nvSpPr>
-          <p:cNvPr id="26" name="TextBox 26"/>
-          <p:cNvSpPr txBox="1"/>
-          <p:nvPr/>
-        </p:nvSpPr>
-        <p:spPr>
-          <a:xfrm>
-            <a:off x="5578297" y="3779682"/>
-            <a:ext cx="750951" cy="210388"/>
-          </a:xfrm>
-          <a:prstGeom prst="rect">
-            <a:avLst/>
-          </a:prstGeom>
-        </p:spPr>
-        <p:txBody>
-          <a:bodyPr lIns="0" tIns="0" rIns="0" bIns="0" rtlCol="0" anchor="t">
-            <a:spAutoFit/>
-          </a:bodyPr>
-          <a:lstStyle/>
-          <a:p>
-            <a:pPr algn="l">
-              <a:lnSpc>
-                <a:spcPts val="1679"/>
-              </a:lnSpc>
-            </a:pPr>
-            <a:r>
-              <a:rPr lang="en-US" sz="1200">
-                <a:solidFill>
-                  <a:srgbClr val="FFFFFF"/>
-                </a:solidFill>
-                <a:latin typeface="Roboto"/>
-                <a:ea typeface="Roboto"/>
-                <a:cs typeface="Roboto"/>
-                <a:sym typeface="Roboto"/>
-              </a:rPr>
-              <a:t>TERMINAL</a:t>
-            </a:r>
-          </a:p>
-        </p:txBody>
-      </p:sp>
-      <p:sp>
-        <p:nvSpPr>
-          <p:cNvPr id="27" name="TextBox 27"/>
-          <p:cNvSpPr txBox="1"/>
-          <p:nvPr/>
-        </p:nvSpPr>
-        <p:spPr>
-          <a:xfrm>
-            <a:off x="9696269" y="5480466"/>
-            <a:ext cx="750951" cy="210388"/>
-          </a:xfrm>
-          <a:prstGeom prst="rect">
-            <a:avLst/>
-          </a:prstGeom>
-        </p:spPr>
-        <p:txBody>
-          <a:bodyPr lIns="0" tIns="0" rIns="0" bIns="0" rtlCol="0" anchor="t">
-            <a:spAutoFit/>
-          </a:bodyPr>
-          <a:lstStyle/>
-          <a:p>
-            <a:pPr algn="l">
-              <a:lnSpc>
-                <a:spcPts val="1679"/>
-              </a:lnSpc>
-            </a:pPr>
-            <a:r>
-              <a:rPr lang="en-US" sz="1200">
-                <a:solidFill>
-                  <a:srgbClr val="FFFFFF"/>
-                </a:solidFill>
-                <a:latin typeface="Roboto"/>
-                <a:ea typeface="Roboto"/>
-                <a:cs typeface="Roboto"/>
-                <a:sym typeface="Roboto"/>
-              </a:rPr>
-              <a:t>TERMINAL</a:t>
-            </a:r>
-          </a:p>
-        </p:txBody>
-      </p:sp>
-      <p:sp>
-        <p:nvSpPr>
-          <p:cNvPr id="28" name="TextBox 28"/>
-          <p:cNvSpPr txBox="1"/>
-          <p:nvPr/>
-        </p:nvSpPr>
-        <p:spPr>
-          <a:xfrm rot="5400000">
-            <a:off x="9470196" y="3080578"/>
-            <a:ext cx="5230187" cy="283210"/>
-          </a:xfrm>
-          <a:prstGeom prst="rect">
-            <a:avLst/>
-          </a:prstGeom>
-        </p:spPr>
-        <p:txBody>
-          <a:bodyPr lIns="0" tIns="0" rIns="0" bIns="0" rtlCol="0" anchor="t">
-            <a:spAutoFit/>
-          </a:bodyPr>
-          <a:lstStyle/>
-          <a:p>
-            <a:pPr algn="l">
-              <a:lnSpc>
-                <a:spcPts val="2239"/>
-              </a:lnSpc>
-            </a:pPr>
-            <a:endParaRPr/>
           </a:p>
         </p:txBody>
       </p:sp>
@@ -6024,7 +6117,7 @@
             </a:pathLst>
           </a:custGeom>
           <a:blipFill>
-            <a:blip r:embed="rId2"/>
+            <a:blip r:embed="rId1"/>
             <a:stretch>
               <a:fillRect b="-2479"/>
             </a:stretch>
@@ -6070,7 +6163,7 @@
             </a:pathLst>
           </a:custGeom>
           <a:blipFill>
-            <a:blip r:embed="rId3"/>
+            <a:blip r:embed="rId2"/>
             <a:stretch>
               <a:fillRect l="-29154" t="-12440" r="-31171" b="-69738"/>
             </a:stretch>
@@ -6354,7 +6447,7 @@
             </a:pathLst>
           </a:custGeom>
           <a:blipFill>
-            <a:blip r:embed="rId2"/>
+            <a:blip r:embed="rId1"/>
             <a:stretch>
               <a:fillRect b="-2479"/>
             </a:stretch>
@@ -6400,7 +6493,7 @@
             </a:pathLst>
           </a:custGeom>
           <a:blipFill>
-            <a:blip r:embed="rId3"/>
+            <a:blip r:embed="rId2"/>
             <a:stretch>
               <a:fillRect l="-29154" t="-12440" r="-31171" b="-69738"/>
             </a:stretch>
@@ -6446,7 +6539,7 @@
             </a:pathLst>
           </a:custGeom>
           <a:blipFill>
-            <a:blip r:embed="rId4"/>
+            <a:blip r:embed="rId3"/>
             <a:stretch>
               <a:fillRect l="-29103" t="-12862" r="-29998" b="-69323"/>
             </a:stretch>
@@ -6476,7 +6569,7 @@
           <a:p>
             <a:pPr algn="just">
               <a:lnSpc>
-                <a:spcPts val="8019"/>
+                <a:spcPts val="8020"/>
               </a:lnSpc>
             </a:pPr>
             <a:r>
@@ -6491,6 +6584,15 @@
               </a:rPr>
               <a:t>Using the Nomad UI</a:t>
             </a:r>
+            <a:endParaRPr lang="en-US" sz="6600" b="1">
+              <a:solidFill>
+                <a:srgbClr val="3F3F3F"/>
+              </a:solidFill>
+              <a:latin typeface="Raleway Heavy"/>
+              <a:ea typeface="Raleway Heavy"/>
+              <a:cs typeface="Raleway Heavy"/>
+              <a:sym typeface="Raleway Heavy"/>
+            </a:endParaRPr>
           </a:p>
         </p:txBody>
       </p:sp>
@@ -6517,7 +6619,7 @@
           <a:p>
             <a:pPr algn="l">
               <a:lnSpc>
-                <a:spcPts val="13439"/>
+                <a:spcPts val="13440"/>
               </a:lnSpc>
             </a:pPr>
             <a:r>
@@ -6532,6 +6634,15 @@
               </a:rPr>
               <a:t>DEMO</a:t>
             </a:r>
+            <a:endParaRPr lang="en-US" sz="9600" b="1">
+              <a:solidFill>
+                <a:srgbClr val="00CA8E"/>
+              </a:solidFill>
+              <a:latin typeface="Raleway Heavy"/>
+              <a:ea typeface="Raleway Heavy"/>
+              <a:cs typeface="Raleway Heavy"/>
+              <a:sym typeface="Raleway Heavy"/>
+            </a:endParaRPr>
           </a:p>
         </p:txBody>
       </p:sp>
@@ -6558,10 +6669,9 @@
           <a:p>
             <a:pPr algn="l">
               <a:lnSpc>
-                <a:spcPts val="2239"/>
+                <a:spcPts val="2240"/>
               </a:lnSpc>
             </a:pPr>
-            <a:endParaRPr/>
           </a:p>
         </p:txBody>
       </p:sp>
@@ -6629,7 +6739,7 @@
             </a:pathLst>
           </a:custGeom>
           <a:blipFill>
-            <a:blip r:embed="rId2"/>
+            <a:blip r:embed="rId1"/>
             <a:stretch>
               <a:fillRect b="-2479"/>
             </a:stretch>
@@ -6675,7 +6785,7 @@
             </a:pathLst>
           </a:custGeom>
           <a:blipFill>
-            <a:blip r:embed="rId3"/>
+            <a:blip r:embed="rId2"/>
             <a:stretch>
               <a:fillRect l="-29154" t="-12440" r="-31171" b="-69738"/>
             </a:stretch>
@@ -6959,7 +7069,7 @@
             </a:pathLst>
           </a:custGeom>
           <a:blipFill>
-            <a:blip r:embed="rId2"/>
+            <a:blip r:embed="rId1"/>
             <a:stretch>
               <a:fillRect b="-2479"/>
             </a:stretch>
@@ -7005,7 +7115,7 @@
             </a:pathLst>
           </a:custGeom>
           <a:blipFill>
-            <a:blip r:embed="rId3"/>
+            <a:blip r:embed="rId2"/>
             <a:stretch>
               <a:fillRect l="-29154" t="-12440" r="-31171" b="-69738"/>
             </a:stretch>
@@ -7107,6 +7217,15 @@
               </a:rPr>
               <a:t>Nomad API</a:t>
             </a:r>
+            <a:endParaRPr lang="en-US" sz="3600" b="1">
+              <a:solidFill>
+                <a:srgbClr val="00CA8E"/>
+              </a:solidFill>
+              <a:latin typeface="Raleway Heavy"/>
+              <a:ea typeface="Raleway Heavy"/>
+              <a:cs typeface="Raleway Heavy"/>
+              <a:sym typeface="Raleway Heavy"/>
+            </a:endParaRPr>
           </a:p>
         </p:txBody>
       </p:sp>
@@ -7133,7 +7252,7 @@
           <a:p>
             <a:pPr algn="l">
               <a:lnSpc>
-                <a:spcPts val="2783"/>
+                <a:spcPts val="2785"/>
               </a:lnSpc>
             </a:pPr>
             <a:r>
@@ -7141,13 +7260,22 @@
                 <a:solidFill>
                   <a:srgbClr val="3F3F3F"/>
                 </a:solidFill>
-                <a:latin typeface="Roboto"/>
-                <a:ea typeface="Roboto"/>
-                <a:cs typeface="Roboto"/>
-                <a:sym typeface="Roboto"/>
+                <a:latin typeface="Roboto" panose="02000000000000000000"/>
+                <a:ea typeface="Roboto" panose="02000000000000000000"/>
+                <a:cs typeface="Roboto" panose="02000000000000000000"/>
+                <a:sym typeface="Roboto" panose="02000000000000000000"/>
               </a:rPr>
               <a:t>The API address is determined by the http address and port in the agent configuration file</a:t>
             </a:r>
+            <a:endParaRPr lang="en-US" sz="2400">
+              <a:solidFill>
+                <a:srgbClr val="3F3F3F"/>
+              </a:solidFill>
+              <a:latin typeface="Roboto" panose="02000000000000000000"/>
+              <a:ea typeface="Roboto" panose="02000000000000000000"/>
+              <a:cs typeface="Roboto" panose="02000000000000000000"/>
+              <a:sym typeface="Roboto" panose="02000000000000000000"/>
+            </a:endParaRPr>
           </a:p>
         </p:txBody>
       </p:sp>
@@ -7174,7 +7302,7 @@
           <a:p>
             <a:pPr algn="l">
               <a:lnSpc>
-                <a:spcPts val="2904"/>
+                <a:spcPts val="2905"/>
               </a:lnSpc>
             </a:pPr>
             <a:r>
@@ -7182,13 +7310,22 @@
                 <a:solidFill>
                   <a:srgbClr val="3F3F3F"/>
                 </a:solidFill>
-                <a:latin typeface="Roboto"/>
-                <a:ea typeface="Roboto"/>
-                <a:cs typeface="Roboto"/>
-                <a:sym typeface="Roboto"/>
+                <a:latin typeface="Roboto" panose="02000000000000000000"/>
+                <a:ea typeface="Roboto" panose="02000000000000000000"/>
+                <a:cs typeface="Roboto" panose="02000000000000000000"/>
+                <a:sym typeface="Roboto" panose="02000000000000000000"/>
               </a:rPr>
               <a:t>Nomad offers a fully-featured API to configure and work with your Nomad infrastructure</a:t>
             </a:r>
+            <a:endParaRPr lang="en-US" sz="2400" spc="2">
+              <a:solidFill>
+                <a:srgbClr val="3F3F3F"/>
+              </a:solidFill>
+              <a:latin typeface="Roboto" panose="02000000000000000000"/>
+              <a:ea typeface="Roboto" panose="02000000000000000000"/>
+              <a:cs typeface="Roboto" panose="02000000000000000000"/>
+              <a:sym typeface="Roboto" panose="02000000000000000000"/>
+            </a:endParaRPr>
           </a:p>
         </p:txBody>
       </p:sp>
@@ -7215,21 +7352,30 @@
           <a:p>
             <a:pPr algn="l">
               <a:lnSpc>
-                <a:spcPts val="3079"/>
+                <a:spcPts val="3080"/>
               </a:lnSpc>
             </a:pPr>
             <a:r>
-              <a:rPr lang="en-US" sz="2199" spc="-17">
+              <a:rPr lang="en-US" sz="2200" spc="-17">
                 <a:solidFill>
                   <a:srgbClr val="3F3F3F"/>
                 </a:solidFill>
-                <a:latin typeface="IBM Plex Sans Condensed"/>
-                <a:ea typeface="IBM Plex Sans Condensed"/>
-                <a:cs typeface="IBM Plex Sans Condensed"/>
-                <a:sym typeface="IBM Plex Sans Condensed"/>
+                <a:latin typeface="IBM Plex Sans Condensed" panose="020B0506050203000203"/>
+                <a:ea typeface="IBM Plex Sans Condensed" panose="020B0506050203000203"/>
+                <a:cs typeface="IBM Plex Sans Condensed" panose="020B0506050203000203"/>
+                <a:sym typeface="IBM Plex Sans Condensed" panose="020B0506050203000203"/>
               </a:rPr>
               <a:t>•</a:t>
             </a:r>
+            <a:endParaRPr lang="en-US" sz="2200" spc="-17">
+              <a:solidFill>
+                <a:srgbClr val="3F3F3F"/>
+              </a:solidFill>
+              <a:latin typeface="IBM Plex Sans Condensed" panose="020B0506050203000203"/>
+              <a:ea typeface="IBM Plex Sans Condensed" panose="020B0506050203000203"/>
+              <a:cs typeface="IBM Plex Sans Condensed" panose="020B0506050203000203"/>
+              <a:sym typeface="IBM Plex Sans Condensed" panose="020B0506050203000203"/>
+            </a:endParaRPr>
           </a:p>
         </p:txBody>
       </p:sp>
@@ -7256,21 +7402,30 @@
           <a:p>
             <a:pPr algn="l">
               <a:lnSpc>
-                <a:spcPts val="3079"/>
+                <a:spcPts val="3080"/>
               </a:lnSpc>
             </a:pPr>
             <a:r>
-              <a:rPr lang="en-US" sz="2199" spc="-17">
+              <a:rPr lang="en-US" sz="2200" spc="-17">
                 <a:solidFill>
                   <a:srgbClr val="3F3F3F"/>
                 </a:solidFill>
-                <a:latin typeface="IBM Plex Sans Condensed"/>
-                <a:ea typeface="IBM Plex Sans Condensed"/>
-                <a:cs typeface="IBM Plex Sans Condensed"/>
-                <a:sym typeface="IBM Plex Sans Condensed"/>
+                <a:latin typeface="IBM Plex Sans Condensed" panose="020B0506050203000203"/>
+                <a:ea typeface="IBM Plex Sans Condensed" panose="020B0506050203000203"/>
+                <a:cs typeface="IBM Plex Sans Condensed" panose="020B0506050203000203"/>
+                <a:sym typeface="IBM Plex Sans Condensed" panose="020B0506050203000203"/>
               </a:rPr>
               <a:t>•</a:t>
             </a:r>
+            <a:endParaRPr lang="en-US" sz="2200" spc="-17">
+              <a:solidFill>
+                <a:srgbClr val="3F3F3F"/>
+              </a:solidFill>
+              <a:latin typeface="IBM Plex Sans Condensed" panose="020B0506050203000203"/>
+              <a:ea typeface="IBM Plex Sans Condensed" panose="020B0506050203000203"/>
+              <a:cs typeface="IBM Plex Sans Condensed" panose="020B0506050203000203"/>
+              <a:sym typeface="IBM Plex Sans Condensed" panose="020B0506050203000203"/>
+            </a:endParaRPr>
           </a:p>
         </p:txBody>
       </p:sp>
@@ -7282,8 +7437,82 @@
         </p:nvSpPr>
         <p:spPr>
           <a:xfrm>
-            <a:off x="2828277" y="5235940"/>
-            <a:ext cx="3642427" cy="380943"/>
+            <a:off x="2828290" y="5236210"/>
+            <a:ext cx="5103495" cy="394970"/>
+          </a:xfrm>
+          <a:prstGeom prst="rect">
+            <a:avLst/>
+          </a:prstGeom>
+        </p:spPr>
+        <p:txBody>
+          <a:bodyPr wrap="square" lIns="0" tIns="0" rIns="0" bIns="0" rtlCol="0" anchor="t">
+            <a:spAutoFit/>
+          </a:bodyPr>
+          <a:lstStyle/>
+          <a:p>
+            <a:pPr algn="l">
+              <a:lnSpc>
+                <a:spcPts val="3080"/>
+              </a:lnSpc>
+            </a:pPr>
+            <a:r>
+              <a:rPr lang="en-US" sz="2200" spc="2">
+                <a:solidFill>
+                  <a:srgbClr val="3F3F3F"/>
+                </a:solidFill>
+                <a:latin typeface="Roboto" panose="02000000000000000000"/>
+                <a:ea typeface="Roboto" panose="02000000000000000000"/>
+                <a:cs typeface="Roboto" panose="02000000000000000000"/>
+                <a:sym typeface="Roboto" panose="02000000000000000000"/>
+              </a:rPr>
+              <a:t>By default, the API uses port </a:t>
+            </a:r>
+            <a:r>
+              <a:rPr lang="en-US" sz="2200" b="1" spc="4">
+                <a:solidFill>
+                  <a:srgbClr val="00CA8E"/>
+                </a:solidFill>
+                <a:latin typeface="Courier New OS Bold" panose="02070609020205020404"/>
+                <a:ea typeface="Courier New OS Bold" panose="02070609020205020404"/>
+                <a:cs typeface="Courier New OS Bold" panose="02070609020205020404"/>
+                <a:sym typeface="Courier New OS Bold" panose="02070609020205020404"/>
+              </a:rPr>
+              <a:t>4646</a:t>
+            </a:r>
+            <a:r>
+              <a:rPr lang="en-US" sz="2200" spc="2">
+                <a:solidFill>
+                  <a:srgbClr val="3F3F3F"/>
+                </a:solidFill>
+                <a:latin typeface="Roboto" panose="02000000000000000000"/>
+                <a:ea typeface="Roboto" panose="02000000000000000000"/>
+                <a:cs typeface="Roboto" panose="02000000000000000000"/>
+                <a:sym typeface="Roboto" panose="02000000000000000000"/>
+              </a:rPr>
+              <a:t> </a:t>
+            </a:r>
+            <a:endParaRPr lang="en-US" sz="2200" spc="2">
+              <a:solidFill>
+                <a:srgbClr val="3F3F3F"/>
+              </a:solidFill>
+              <a:latin typeface="Roboto" panose="02000000000000000000"/>
+              <a:ea typeface="Roboto" panose="02000000000000000000"/>
+              <a:cs typeface="Roboto" panose="02000000000000000000"/>
+              <a:sym typeface="Roboto" panose="02000000000000000000"/>
+            </a:endParaRPr>
+          </a:p>
+        </p:txBody>
+      </p:sp>
+      <p:sp>
+        <p:nvSpPr>
+          <p:cNvPr id="21" name="TextBox 21"/>
+          <p:cNvSpPr txBox="1"/>
+          <p:nvPr/>
+        </p:nvSpPr>
+        <p:spPr>
+          <a:xfrm>
+            <a:off x="2828277" y="2748772"/>
+            <a:ext cx="7858744" cy="380943"/>
           </a:xfrm>
           <a:prstGeom prst="rect">
             <a:avLst/>
@@ -7297,34 +7526,43 @@
           <a:p>
             <a:pPr algn="l">
               <a:lnSpc>
-                <a:spcPts val="3079"/>
+                <a:spcPts val="3080"/>
               </a:lnSpc>
             </a:pPr>
             <a:r>
-              <a:rPr lang="en-US" sz="2199" spc="2">
+              <a:rPr lang="en-US" sz="2200">
                 <a:solidFill>
                   <a:srgbClr val="3F3F3F"/>
                 </a:solidFill>
-                <a:latin typeface="Roboto"/>
-                <a:ea typeface="Roboto"/>
-                <a:cs typeface="Roboto"/>
-                <a:sym typeface="Roboto"/>
+                <a:latin typeface="Roboto" panose="02000000000000000000"/>
+                <a:ea typeface="Roboto" panose="02000000000000000000"/>
+                <a:cs typeface="Roboto" panose="02000000000000000000"/>
+                <a:sym typeface="Roboto" panose="02000000000000000000"/>
               </a:rPr>
-              <a:t>By default, the API uses port </a:t>
-            </a:r>
+              <a:t>In fact, the CLI and UI invokes the proper API when using them</a:t>
+            </a:r>
+            <a:endParaRPr lang="en-US" sz="2200">
+              <a:solidFill>
+                <a:srgbClr val="3F3F3F"/>
+              </a:solidFill>
+              <a:latin typeface="Roboto" panose="02000000000000000000"/>
+              <a:ea typeface="Roboto" panose="02000000000000000000"/>
+              <a:cs typeface="Roboto" panose="02000000000000000000"/>
+              <a:sym typeface="Roboto" panose="02000000000000000000"/>
+            </a:endParaRPr>
           </a:p>
         </p:txBody>
       </p:sp>
       <p:sp>
         <p:nvSpPr>
-          <p:cNvPr id="21" name="TextBox 21"/>
+          <p:cNvPr id="23" name="TextBox 23"/>
           <p:cNvSpPr txBox="1"/>
           <p:nvPr/>
         </p:nvSpPr>
         <p:spPr>
-          <a:xfrm>
-            <a:off x="2828277" y="2748772"/>
-            <a:ext cx="7858744" cy="380943"/>
+          <a:xfrm rot="5400000">
+            <a:off x="9470196" y="3080578"/>
+            <a:ext cx="5230187" cy="283210"/>
           </a:xfrm>
           <a:prstGeom prst="rect">
             <a:avLst/>
@@ -7338,104 +7576,15 @@
           <a:p>
             <a:pPr algn="l">
               <a:lnSpc>
-                <a:spcPts val="3079"/>
+                <a:spcPts val="2240"/>
               </a:lnSpc>
             </a:pPr>
-            <a:r>
-              <a:rPr lang="en-US" sz="2199">
-                <a:solidFill>
-                  <a:srgbClr val="3F3F3F"/>
-                </a:solidFill>
-                <a:latin typeface="Roboto"/>
-                <a:ea typeface="Roboto"/>
-                <a:cs typeface="Roboto"/>
-                <a:sym typeface="Roboto"/>
-              </a:rPr>
-              <a:t>In fact, the CLI and UI invokes the proper API when using them</a:t>
-            </a:r>
           </a:p>
         </p:txBody>
       </p:sp>
       <p:sp>
         <p:nvSpPr>
-          <p:cNvPr id="22" name="TextBox 22"/>
-          <p:cNvSpPr txBox="1"/>
-          <p:nvPr/>
-        </p:nvSpPr>
-        <p:spPr>
-          <a:xfrm>
-            <a:off x="6400152" y="5365413"/>
-            <a:ext cx="685933" cy="378209"/>
-          </a:xfrm>
-          <a:prstGeom prst="rect">
-            <a:avLst/>
-          </a:prstGeom>
-        </p:spPr>
-        <p:txBody>
-          <a:bodyPr lIns="0" tIns="0" rIns="0" bIns="0" rtlCol="0" anchor="t">
-            <a:spAutoFit/>
-          </a:bodyPr>
-          <a:lstStyle/>
-          <a:p>
-            <a:pPr algn="l">
-              <a:lnSpc>
-                <a:spcPts val="3079"/>
-              </a:lnSpc>
-            </a:pPr>
-            <a:r>
-              <a:rPr lang="en-US" sz="2199" b="1" spc="4">
-                <a:solidFill>
-                  <a:srgbClr val="00CA8E"/>
-                </a:solidFill>
-                <a:latin typeface="Courier New OS Bold"/>
-                <a:ea typeface="Courier New OS Bold"/>
-                <a:cs typeface="Courier New OS Bold"/>
-                <a:sym typeface="Courier New OS Bold"/>
-              </a:rPr>
-              <a:t>4646</a:t>
-            </a:r>
-          </a:p>
-        </p:txBody>
-      </p:sp>
-      <p:sp>
-        <p:nvSpPr>
-          <p:cNvPr id="23" name="TextBox 23"/>
-          <p:cNvSpPr txBox="1"/>
-          <p:nvPr/>
-        </p:nvSpPr>
-        <p:spPr>
-          <a:xfrm rot="5400000">
-            <a:off x="9470196" y="3080578"/>
-            <a:ext cx="5230187" cy="283210"/>
-          </a:xfrm>
-          <a:prstGeom prst="rect">
-            <a:avLst/>
-          </a:prstGeom>
-        </p:spPr>
-        <p:txBody>
-          <a:bodyPr lIns="0" tIns="0" rIns="0" bIns="0" rtlCol="0" anchor="t">
-            <a:spAutoFit/>
-          </a:bodyPr>
-          <a:lstStyle/>
-          <a:p>
-            <a:pPr algn="l">
-              <a:lnSpc>
-                <a:spcPts val="2239"/>
-              </a:lnSpc>
-            </a:pPr>
-            <a:endParaRPr/>
-          </a:p>
-        </p:txBody>
-      </p:sp>
-      <p:sp>
-        <p:nvSpPr>
-          <p:cNvPr id="25" name="TextBox 24">
-            <a:extLst>
-              <a:ext uri="{FF2B5EF4-FFF2-40B4-BE49-F238E27FC236}">
-                <a16:creationId xmlns:a16="http://schemas.microsoft.com/office/drawing/2014/main" id="{2D588885-A470-C3E1-B62D-E439832CE9B5}"/>
-              </a:ext>
-            </a:extLst>
-          </p:cNvPr>
+          <p:cNvPr id="25" name="TextBox 24"/>
           <p:cNvSpPr txBox="1"/>
           <p:nvPr/>
         </p:nvSpPr>
@@ -7459,6 +7608,7 @@
               <a:rPr lang="en-IN" dirty="0"/>
               <a:t>https://developer.hashicorp.com/nomad/api-docs#http-api</a:t>
             </a:r>
+            <a:endParaRPr lang="en-IN" dirty="0"/>
           </a:p>
         </p:txBody>
       </p:sp>
@@ -7526,7 +7676,7 @@
             </a:pathLst>
           </a:custGeom>
           <a:blipFill>
-            <a:blip r:embed="rId2"/>
+            <a:blip r:embed="rId1"/>
             <a:stretch>
               <a:fillRect b="-2479"/>
             </a:stretch>
@@ -7572,7 +7722,7 @@
             </a:pathLst>
           </a:custGeom>
           <a:blipFill>
-            <a:blip r:embed="rId3"/>
+            <a:blip r:embed="rId2"/>
             <a:stretch>
               <a:fillRect l="-29154" t="-12440" r="-31171" b="-69738"/>
             </a:stretch>
@@ -7856,7 +8006,7 @@
             </a:pathLst>
           </a:custGeom>
           <a:blipFill>
-            <a:blip r:embed="rId2"/>
+            <a:blip r:embed="rId1"/>
             <a:stretch>
               <a:fillRect b="-2479"/>
             </a:stretch>
@@ -7902,7 +8052,7 @@
             </a:pathLst>
           </a:custGeom>
           <a:blipFill>
-            <a:blip r:embed="rId3"/>
+            <a:blip r:embed="rId2"/>
             <a:stretch>
               <a:fillRect l="-29154" t="-12440" r="-31171" b="-69738"/>
             </a:stretch>
@@ -7948,7 +8098,7 @@
             </a:pathLst>
           </a:custGeom>
           <a:blipFill>
-            <a:blip r:embed="rId4"/>
+            <a:blip r:embed="rId3"/>
             <a:stretch>
               <a:fillRect l="-29103" t="-12862" r="-29998" b="-69323"/>
             </a:stretch>
@@ -8643,11 +8793,11 @@
           <a:p>
             <a:pPr algn="l">
               <a:lnSpc>
-                <a:spcPts val="4479"/>
+                <a:spcPts val="4480"/>
               </a:lnSpc>
             </a:pPr>
             <a:r>
-              <a:rPr lang="en-US" sz="3199" b="1">
+              <a:rPr lang="en-US" sz="3200" b="1">
                 <a:solidFill>
                   <a:srgbClr val="00CA8E"/>
                 </a:solidFill>
@@ -8658,6 +8808,15 @@
               </a:rPr>
               <a:t>Nomad API</a:t>
             </a:r>
+            <a:endParaRPr lang="en-US" sz="3200" b="1">
+              <a:solidFill>
+                <a:srgbClr val="00CA8E"/>
+              </a:solidFill>
+              <a:latin typeface="Raleway Heavy"/>
+              <a:ea typeface="Raleway Heavy"/>
+              <a:cs typeface="Raleway Heavy"/>
+              <a:sym typeface="Raleway Heavy"/>
+            </a:endParaRPr>
           </a:p>
         </p:txBody>
       </p:sp>
@@ -8684,7 +8843,7 @@
           <a:p>
             <a:pPr algn="just">
               <a:lnSpc>
-                <a:spcPts val="3479"/>
+                <a:spcPts val="3480"/>
               </a:lnSpc>
             </a:pPr>
             <a:r>
@@ -8692,13 +8851,22 @@
                 <a:solidFill>
                   <a:srgbClr val="3F3F3F"/>
                 </a:solidFill>
-                <a:latin typeface="IBM Plex Sans Condensed"/>
-                <a:ea typeface="IBM Plex Sans Condensed"/>
-                <a:cs typeface="IBM Plex Sans Condensed"/>
-                <a:sym typeface="IBM Plex Sans Condensed"/>
+                <a:latin typeface="IBM Plex Sans Condensed" panose="020B0506050203000203"/>
+                <a:ea typeface="IBM Plex Sans Condensed" panose="020B0506050203000203"/>
+                <a:cs typeface="IBM Plex Sans Condensed" panose="020B0506050203000203"/>
+                <a:sym typeface="IBM Plex Sans Condensed" panose="020B0506050203000203"/>
               </a:rPr>
               <a:t>• •</a:t>
             </a:r>
+            <a:endParaRPr lang="en-US" sz="1800" spc="-14">
+              <a:solidFill>
+                <a:srgbClr val="3F3F3F"/>
+              </a:solidFill>
+              <a:latin typeface="IBM Plex Sans Condensed" panose="020B0506050203000203"/>
+              <a:ea typeface="IBM Plex Sans Condensed" panose="020B0506050203000203"/>
+              <a:cs typeface="IBM Plex Sans Condensed" panose="020B0506050203000203"/>
+              <a:sym typeface="IBM Plex Sans Condensed" panose="020B0506050203000203"/>
+            </a:endParaRPr>
           </a:p>
         </p:txBody>
       </p:sp>
@@ -8733,13 +8901,22 @@
                 <a:solidFill>
                   <a:srgbClr val="3F3F3F"/>
                 </a:solidFill>
-                <a:latin typeface="Roboto"/>
-                <a:ea typeface="Roboto"/>
-                <a:cs typeface="Roboto"/>
-                <a:sym typeface="Roboto"/>
+                <a:latin typeface="Roboto" panose="02000000000000000000"/>
+                <a:ea typeface="Roboto" panose="02000000000000000000"/>
+                <a:cs typeface="Roboto" panose="02000000000000000000"/>
+                <a:sym typeface="Roboto" panose="02000000000000000000"/>
               </a:rPr>
               <a:t>URL of Your Nomad Cluster</a:t>
             </a:r>
+            <a:endParaRPr lang="en-US" sz="1800">
+              <a:solidFill>
+                <a:srgbClr val="3F3F3F"/>
+              </a:solidFill>
+              <a:latin typeface="Roboto" panose="02000000000000000000"/>
+              <a:ea typeface="Roboto" panose="02000000000000000000"/>
+              <a:cs typeface="Roboto" panose="02000000000000000000"/>
+              <a:sym typeface="Roboto" panose="02000000000000000000"/>
+            </a:endParaRPr>
           </a:p>
         </p:txBody>
       </p:sp>
@@ -8751,8 +8928,86 @@
         </p:nvSpPr>
         <p:spPr>
           <a:xfrm>
-            <a:off x="671198" y="1606353"/>
-            <a:ext cx="3241462" cy="167935"/>
+            <a:off x="671195" y="1606550"/>
+            <a:ext cx="4358005" cy="230505"/>
+          </a:xfrm>
+          <a:prstGeom prst="rect">
+            <a:avLst/>
+          </a:prstGeom>
+        </p:spPr>
+        <p:txBody>
+          <a:bodyPr wrap="square" lIns="0" tIns="0" rIns="0" bIns="0" rtlCol="0" anchor="t">
+            <a:spAutoFit/>
+          </a:bodyPr>
+          <a:lstStyle/>
+          <a:p>
+            <a:pPr algn="l">
+              <a:lnSpc>
+                <a:spcPts val="900"/>
+              </a:lnSpc>
+            </a:pPr>
+            <a:r>
+              <a:rPr lang="en-US" sz="1800">
+                <a:solidFill>
+                  <a:srgbClr val="3F3F3F"/>
+                </a:solidFill>
+                <a:latin typeface="Roboto" panose="02000000000000000000"/>
+                <a:ea typeface="Roboto" panose="02000000000000000000"/>
+                <a:cs typeface="Roboto" panose="02000000000000000000"/>
+                <a:sym typeface="Roboto" panose="02000000000000000000"/>
+              </a:rPr>
+              <a:t>All API routes are prefixed with </a:t>
+            </a:r>
+            <a:r>
+              <a:rPr lang="en-US" b="1">
+                <a:solidFill>
+                  <a:srgbClr val="00CA8E"/>
+                </a:solidFill>
+                <a:latin typeface="Courier New OS Bold" panose="02070609020205020404"/>
+                <a:ea typeface="Courier New OS Bold" panose="02070609020205020404"/>
+                <a:cs typeface="Courier New OS Bold" panose="02070609020205020404"/>
+                <a:sym typeface="Courier New OS Bold" panose="02070609020205020404"/>
+              </a:rPr>
+              <a:t>v1/</a:t>
+            </a:r>
+            <a:endParaRPr lang="en-US" b="1">
+              <a:solidFill>
+                <a:srgbClr val="00CA8E"/>
+              </a:solidFill>
+              <a:latin typeface="Courier New OS Bold" panose="02070609020205020404"/>
+              <a:ea typeface="Courier New OS Bold" panose="02070609020205020404"/>
+              <a:cs typeface="Courier New OS Bold" panose="02070609020205020404"/>
+              <a:sym typeface="Courier New OS Bold" panose="02070609020205020404"/>
+            </a:endParaRPr>
+          </a:p>
+          <a:p>
+            <a:pPr algn="l">
+              <a:lnSpc>
+                <a:spcPts val="900"/>
+              </a:lnSpc>
+            </a:pPr>
+            <a:endParaRPr lang="en-US" sz="1800">
+              <a:solidFill>
+                <a:srgbClr val="3F3F3F"/>
+              </a:solidFill>
+              <a:latin typeface="Roboto" panose="02000000000000000000"/>
+              <a:ea typeface="Roboto" panose="02000000000000000000"/>
+              <a:cs typeface="Roboto" panose="02000000000000000000"/>
+              <a:sym typeface="Roboto" panose="02000000000000000000"/>
+            </a:endParaRPr>
+          </a:p>
+        </p:txBody>
+      </p:sp>
+      <p:sp>
+        <p:nvSpPr>
+          <p:cNvPr id="27" name="TextBox 27"/>
+          <p:cNvSpPr txBox="1"/>
+          <p:nvPr/>
+        </p:nvSpPr>
+        <p:spPr>
+          <a:xfrm>
+            <a:off x="671198" y="1705413"/>
+            <a:ext cx="6181106" cy="510835"/>
           </a:xfrm>
           <a:prstGeom prst="rect">
             <a:avLst/>
@@ -8766,7 +9021,7 @@
           <a:p>
             <a:pPr algn="l">
               <a:lnSpc>
-                <a:spcPts val="900"/>
+                <a:spcPts val="4500"/>
               </a:lnSpc>
             </a:pPr>
             <a:r>
@@ -8774,26 +9029,35 @@
                 <a:solidFill>
                   <a:srgbClr val="3F3F3F"/>
                 </a:solidFill>
-                <a:latin typeface="Roboto"/>
-                <a:ea typeface="Roboto"/>
-                <a:cs typeface="Roboto"/>
-                <a:sym typeface="Roboto"/>
+                <a:latin typeface="Roboto" panose="02000000000000000000"/>
+                <a:ea typeface="Roboto" panose="02000000000000000000"/>
+                <a:cs typeface="Roboto" panose="02000000000000000000"/>
+                <a:sym typeface="Roboto" panose="02000000000000000000"/>
               </a:rPr>
-              <a:t>All API routes are prefixed with </a:t>
-            </a:r>
+              <a:t>Additional information may be passed as a query parameter</a:t>
+            </a:r>
+            <a:endParaRPr lang="en-US" sz="1800">
+              <a:solidFill>
+                <a:srgbClr val="3F3F3F"/>
+              </a:solidFill>
+              <a:latin typeface="Roboto" panose="02000000000000000000"/>
+              <a:ea typeface="Roboto" panose="02000000000000000000"/>
+              <a:cs typeface="Roboto" panose="02000000000000000000"/>
+              <a:sym typeface="Roboto" panose="02000000000000000000"/>
+            </a:endParaRPr>
           </a:p>
         </p:txBody>
       </p:sp>
       <p:sp>
         <p:nvSpPr>
-          <p:cNvPr id="26" name="TextBox 26"/>
+          <p:cNvPr id="28" name="TextBox 28"/>
           <p:cNvSpPr txBox="1"/>
           <p:nvPr/>
         </p:nvSpPr>
         <p:spPr>
           <a:xfrm>
-            <a:off x="3849376" y="1712290"/>
-            <a:ext cx="418405" cy="165706"/>
+            <a:off x="7027326" y="2942901"/>
+            <a:ext cx="602866" cy="559603"/>
           </a:xfrm>
           <a:prstGeom prst="rect">
             <a:avLst/>
@@ -8805,36 +9069,45 @@
           </a:bodyPr>
           <a:lstStyle/>
           <a:p>
-            <a:pPr algn="l">
+            <a:pPr algn="ctr">
               <a:lnSpc>
-                <a:spcPts val="900"/>
+                <a:spcPts val="2185"/>
               </a:lnSpc>
             </a:pPr>
             <a:r>
-              <a:rPr lang="en-US" sz="1800" b="1">
+              <a:rPr lang="en-US" sz="1800" spc="1">
                 <a:solidFill>
-                  <a:srgbClr val="00CA8E"/>
+                  <a:srgbClr val="3F3F3F"/>
                 </a:solidFill>
-                <a:latin typeface="Courier New OS Bold"/>
-                <a:ea typeface="Courier New OS Bold"/>
-                <a:cs typeface="Courier New OS Bold"/>
-                <a:sym typeface="Courier New OS Bold"/>
+                <a:latin typeface="Roboto" panose="02000000000000000000"/>
+                <a:ea typeface="Roboto" panose="02000000000000000000"/>
+                <a:cs typeface="Roboto" panose="02000000000000000000"/>
+                <a:sym typeface="Roboto" panose="02000000000000000000"/>
               </a:rPr>
-              <a:t>v1/</a:t>
-            </a:r>
+              <a:t>API Prefix</a:t>
+            </a:r>
+            <a:endParaRPr lang="en-US" sz="1800" spc="1">
+              <a:solidFill>
+                <a:srgbClr val="3F3F3F"/>
+              </a:solidFill>
+              <a:latin typeface="Roboto" panose="02000000000000000000"/>
+              <a:ea typeface="Roboto" panose="02000000000000000000"/>
+              <a:cs typeface="Roboto" panose="02000000000000000000"/>
+              <a:sym typeface="Roboto" panose="02000000000000000000"/>
+            </a:endParaRPr>
           </a:p>
         </p:txBody>
       </p:sp>
       <p:sp>
         <p:nvSpPr>
-          <p:cNvPr id="27" name="TextBox 27"/>
+          <p:cNvPr id="29" name="TextBox 29"/>
           <p:cNvSpPr txBox="1"/>
           <p:nvPr/>
         </p:nvSpPr>
         <p:spPr>
           <a:xfrm>
-            <a:off x="671198" y="1705413"/>
-            <a:ext cx="6181106" cy="510835"/>
+            <a:off x="7509015" y="5118792"/>
+            <a:ext cx="1435827" cy="291760"/>
           </a:xfrm>
           <a:prstGeom prst="rect">
             <a:avLst/>
@@ -8848,7 +9121,7 @@
           <a:p>
             <a:pPr algn="l">
               <a:lnSpc>
-                <a:spcPts val="4500"/>
+                <a:spcPts val="2210"/>
               </a:lnSpc>
             </a:pPr>
             <a:r>
@@ -8856,26 +9129,35 @@
                 <a:solidFill>
                   <a:srgbClr val="3F3F3F"/>
                 </a:solidFill>
-                <a:latin typeface="Roboto"/>
-                <a:ea typeface="Roboto"/>
-                <a:cs typeface="Roboto"/>
-                <a:sym typeface="Roboto"/>
+                <a:latin typeface="Roboto" panose="02000000000000000000"/>
+                <a:ea typeface="Roboto" panose="02000000000000000000"/>
+                <a:cs typeface="Roboto" panose="02000000000000000000"/>
+                <a:sym typeface="Roboto" panose="02000000000000000000"/>
               </a:rPr>
-              <a:t>Additional information may be passed as a query parameter</a:t>
-            </a:r>
+              <a:t>Endpoint You </a:t>
+            </a:r>
+            <a:endParaRPr lang="en-US" sz="1800">
+              <a:solidFill>
+                <a:srgbClr val="3F3F3F"/>
+              </a:solidFill>
+              <a:latin typeface="Roboto" panose="02000000000000000000"/>
+              <a:ea typeface="Roboto" panose="02000000000000000000"/>
+              <a:cs typeface="Roboto" panose="02000000000000000000"/>
+              <a:sym typeface="Roboto" panose="02000000000000000000"/>
+            </a:endParaRPr>
           </a:p>
         </p:txBody>
       </p:sp>
       <p:sp>
         <p:nvSpPr>
-          <p:cNvPr id="28" name="TextBox 28"/>
+          <p:cNvPr id="30" name="TextBox 30"/>
           <p:cNvSpPr txBox="1"/>
           <p:nvPr/>
         </p:nvSpPr>
         <p:spPr>
           <a:xfrm>
-            <a:off x="7027326" y="2942901"/>
-            <a:ext cx="602866" cy="559603"/>
+            <a:off x="7565346" y="5399208"/>
+            <a:ext cx="1263329" cy="291760"/>
           </a:xfrm>
           <a:prstGeom prst="rect">
             <a:avLst/>
@@ -8887,36 +9169,45 @@
           </a:bodyPr>
           <a:lstStyle/>
           <a:p>
-            <a:pPr algn="ctr">
+            <a:pPr algn="l">
               <a:lnSpc>
-                <a:spcPts val="2183"/>
+                <a:spcPts val="2210"/>
               </a:lnSpc>
             </a:pPr>
             <a:r>
-              <a:rPr lang="en-US" sz="1800" spc="1">
+              <a:rPr lang="en-US" sz="1800">
                 <a:solidFill>
                   <a:srgbClr val="3F3F3F"/>
                 </a:solidFill>
-                <a:latin typeface="Roboto"/>
-                <a:ea typeface="Roboto"/>
-                <a:cs typeface="Roboto"/>
-                <a:sym typeface="Roboto"/>
+                <a:latin typeface="Roboto" panose="02000000000000000000"/>
+                <a:ea typeface="Roboto" panose="02000000000000000000"/>
+                <a:cs typeface="Roboto" panose="02000000000000000000"/>
+                <a:sym typeface="Roboto" panose="02000000000000000000"/>
               </a:rPr>
-              <a:t>API Prefix</a:t>
-            </a:r>
+              <a:t>Need to Use</a:t>
+            </a:r>
+            <a:endParaRPr lang="en-US" sz="1800">
+              <a:solidFill>
+                <a:srgbClr val="3F3F3F"/>
+              </a:solidFill>
+              <a:latin typeface="Roboto" panose="02000000000000000000"/>
+              <a:ea typeface="Roboto" panose="02000000000000000000"/>
+              <a:cs typeface="Roboto" panose="02000000000000000000"/>
+              <a:sym typeface="Roboto" panose="02000000000000000000"/>
+            </a:endParaRPr>
           </a:p>
         </p:txBody>
       </p:sp>
       <p:sp>
         <p:nvSpPr>
-          <p:cNvPr id="29" name="TextBox 29"/>
+          <p:cNvPr id="31" name="TextBox 31"/>
           <p:cNvSpPr txBox="1"/>
           <p:nvPr/>
         </p:nvSpPr>
         <p:spPr>
           <a:xfrm>
-            <a:off x="7509015" y="5118792"/>
-            <a:ext cx="1435827" cy="291760"/>
+            <a:off x="9210589" y="3075489"/>
+            <a:ext cx="2230145" cy="320335"/>
           </a:xfrm>
           <a:prstGeom prst="rect">
             <a:avLst/>
@@ -8930,7 +9221,7 @@
           <a:p>
             <a:pPr algn="l">
               <a:lnSpc>
-                <a:spcPts val="2208"/>
+                <a:spcPts val="2520"/>
               </a:lnSpc>
             </a:pPr>
             <a:r>
@@ -8938,26 +9229,35 @@
                 <a:solidFill>
                   <a:srgbClr val="3F3F3F"/>
                 </a:solidFill>
-                <a:latin typeface="Roboto"/>
-                <a:ea typeface="Roboto"/>
-                <a:cs typeface="Roboto"/>
-                <a:sym typeface="Roboto"/>
+                <a:latin typeface="Roboto" panose="02000000000000000000"/>
+                <a:ea typeface="Roboto" panose="02000000000000000000"/>
+                <a:cs typeface="Roboto" panose="02000000000000000000"/>
+                <a:sym typeface="Roboto" panose="02000000000000000000"/>
               </a:rPr>
-              <a:t>Endpoint You </a:t>
-            </a:r>
+              <a:t>Targeted Namespace</a:t>
+            </a:r>
+            <a:endParaRPr lang="en-US" sz="1800">
+              <a:solidFill>
+                <a:srgbClr val="3F3F3F"/>
+              </a:solidFill>
+              <a:latin typeface="Roboto" panose="02000000000000000000"/>
+              <a:ea typeface="Roboto" panose="02000000000000000000"/>
+              <a:cs typeface="Roboto" panose="02000000000000000000"/>
+              <a:sym typeface="Roboto" panose="02000000000000000000"/>
+            </a:endParaRPr>
           </a:p>
         </p:txBody>
       </p:sp>
       <p:sp>
         <p:nvSpPr>
-          <p:cNvPr id="30" name="TextBox 30"/>
+          <p:cNvPr id="32" name="TextBox 32"/>
           <p:cNvSpPr txBox="1"/>
           <p:nvPr/>
         </p:nvSpPr>
         <p:spPr>
           <a:xfrm>
-            <a:off x="7565346" y="5399208"/>
-            <a:ext cx="1263329" cy="291760"/>
+            <a:off x="239106" y="4133059"/>
+            <a:ext cx="11929281" cy="502453"/>
           </a:xfrm>
           <a:prstGeom prst="rect">
             <a:avLst/>
@@ -8971,34 +9271,43 @@
           <a:p>
             <a:pPr algn="l">
               <a:lnSpc>
-                <a:spcPts val="2208"/>
+                <a:spcPts val="4060"/>
               </a:lnSpc>
             </a:pPr>
             <a:r>
-              <a:rPr lang="en-US" sz="1800">
+              <a:rPr lang="en-US" sz="2900" b="1">
                 <a:solidFill>
                   <a:srgbClr val="3F3F3F"/>
                 </a:solidFill>
-                <a:latin typeface="Roboto"/>
-                <a:ea typeface="Roboto"/>
-                <a:cs typeface="Roboto"/>
-                <a:sym typeface="Roboto"/>
+                <a:latin typeface="Courier New OS Bold" panose="02070609020205020404"/>
+                <a:ea typeface="Courier New OS Bold" panose="02070609020205020404"/>
+                <a:cs typeface="Courier New OS Bold" panose="02070609020205020404"/>
+                <a:sym typeface="Courier New OS Bold" panose="02070609020205020404"/>
               </a:rPr>
-              <a:t>Need to Use</a:t>
-            </a:r>
+              <a:t>https://nomad.example.com:4646/v1/jobs?namespace=prod</a:t>
+            </a:r>
+            <a:endParaRPr lang="en-US" sz="2900" b="1">
+              <a:solidFill>
+                <a:srgbClr val="3F3F3F"/>
+              </a:solidFill>
+              <a:latin typeface="Courier New OS Bold" panose="02070609020205020404"/>
+              <a:ea typeface="Courier New OS Bold" panose="02070609020205020404"/>
+              <a:cs typeface="Courier New OS Bold" panose="02070609020205020404"/>
+              <a:sym typeface="Courier New OS Bold" panose="02070609020205020404"/>
+            </a:endParaRPr>
           </a:p>
         </p:txBody>
       </p:sp>
       <p:sp>
         <p:nvSpPr>
-          <p:cNvPr id="31" name="TextBox 31"/>
+          <p:cNvPr id="33" name="TextBox 33"/>
           <p:cNvSpPr txBox="1"/>
           <p:nvPr/>
         </p:nvSpPr>
         <p:spPr>
           <a:xfrm>
-            <a:off x="9210589" y="3075489"/>
-            <a:ext cx="2230145" cy="320335"/>
+            <a:off x="3836660" y="6332563"/>
+            <a:ext cx="5230701" cy="283210"/>
           </a:xfrm>
           <a:prstGeom prst="rect">
             <a:avLst/>
@@ -9012,92 +9321,9 @@
           <a:p>
             <a:pPr algn="l">
               <a:lnSpc>
-                <a:spcPts val="2520"/>
+                <a:spcPts val="2240"/>
               </a:lnSpc>
             </a:pPr>
-            <a:r>
-              <a:rPr lang="en-US" sz="1800">
-                <a:solidFill>
-                  <a:srgbClr val="3F3F3F"/>
-                </a:solidFill>
-                <a:latin typeface="Roboto"/>
-                <a:ea typeface="Roboto"/>
-                <a:cs typeface="Roboto"/>
-                <a:sym typeface="Roboto"/>
-              </a:rPr>
-              <a:t>Targeted Namespace</a:t>
-            </a:r>
-          </a:p>
-        </p:txBody>
-      </p:sp>
-      <p:sp>
-        <p:nvSpPr>
-          <p:cNvPr id="32" name="TextBox 32"/>
-          <p:cNvSpPr txBox="1"/>
-          <p:nvPr/>
-        </p:nvSpPr>
-        <p:spPr>
-          <a:xfrm>
-            <a:off x="239106" y="4133059"/>
-            <a:ext cx="11929281" cy="502453"/>
-          </a:xfrm>
-          <a:prstGeom prst="rect">
-            <a:avLst/>
-          </a:prstGeom>
-        </p:spPr>
-        <p:txBody>
-          <a:bodyPr lIns="0" tIns="0" rIns="0" bIns="0" rtlCol="0" anchor="t">
-            <a:spAutoFit/>
-          </a:bodyPr>
-          <a:lstStyle/>
-          <a:p>
-            <a:pPr algn="l">
-              <a:lnSpc>
-                <a:spcPts val="4059"/>
-              </a:lnSpc>
-            </a:pPr>
-            <a:r>
-              <a:rPr lang="en-US" sz="2899" b="1">
-                <a:solidFill>
-                  <a:srgbClr val="3F3F3F"/>
-                </a:solidFill>
-                <a:latin typeface="Courier New OS Bold"/>
-                <a:ea typeface="Courier New OS Bold"/>
-                <a:cs typeface="Courier New OS Bold"/>
-                <a:sym typeface="Courier New OS Bold"/>
-              </a:rPr>
-              <a:t>https://nomad.example.com:4646/v1/jobs?namespace=prod</a:t>
-            </a:r>
-          </a:p>
-        </p:txBody>
-      </p:sp>
-      <p:sp>
-        <p:nvSpPr>
-          <p:cNvPr id="33" name="TextBox 33"/>
-          <p:cNvSpPr txBox="1"/>
-          <p:nvPr/>
-        </p:nvSpPr>
-        <p:spPr>
-          <a:xfrm>
-            <a:off x="3836660" y="6332563"/>
-            <a:ext cx="5230701" cy="283210"/>
-          </a:xfrm>
-          <a:prstGeom prst="rect">
-            <a:avLst/>
-          </a:prstGeom>
-        </p:spPr>
-        <p:txBody>
-          <a:bodyPr lIns="0" tIns="0" rIns="0" bIns="0" rtlCol="0" anchor="t">
-            <a:spAutoFit/>
-          </a:bodyPr>
-          <a:lstStyle/>
-          <a:p>
-            <a:pPr algn="l">
-              <a:lnSpc>
-                <a:spcPts val="2239"/>
-              </a:lnSpc>
-            </a:pPr>
-            <a:endParaRPr/>
           </a:p>
         </p:txBody>
       </p:sp>
@@ -9165,7 +9391,7 @@
             </a:pathLst>
           </a:custGeom>
           <a:blipFill>
-            <a:blip r:embed="rId2"/>
+            <a:blip r:embed="rId1"/>
             <a:stretch>
               <a:fillRect b="-2479"/>
             </a:stretch>
@@ -9211,7 +9437,7 @@
             </a:pathLst>
           </a:custGeom>
           <a:blipFill>
-            <a:blip r:embed="rId3"/>
+            <a:blip r:embed="rId2"/>
             <a:stretch>
               <a:fillRect l="-29154" t="-12440" r="-31171" b="-69738"/>
             </a:stretch>
@@ -9495,7 +9721,7 @@
             </a:pathLst>
           </a:custGeom>
           <a:blipFill>
-            <a:blip r:embed="rId2"/>
+            <a:blip r:embed="rId1"/>
             <a:stretch>
               <a:fillRect b="-2479"/>
             </a:stretch>
@@ -9541,7 +9767,7 @@
             </a:pathLst>
           </a:custGeom>
           <a:blipFill>
-            <a:blip r:embed="rId3"/>
+            <a:blip r:embed="rId2"/>
             <a:stretch>
               <a:fillRect l="-29154" t="-12440" r="-31171" b="-69738"/>
             </a:stretch>
@@ -9587,10 +9813,10 @@
             </a:pathLst>
           </a:custGeom>
           <a:blipFill>
-            <a:blip r:embed="rId4">
+            <a:blip r:embed="rId3">
               <a:extLst>
                 <a:ext uri="{96DAC541-7B7A-43D3-8B79-37D633B846F1}">
-                  <asvg:svgBlip xmlns:asvg="http://schemas.microsoft.com/office/drawing/2016/SVG/main" r:embed="rId5"/>
+                  <asvg:svgBlip xmlns:asvg="http://schemas.microsoft.com/office/drawing/2016/SVG/main" r:embed="rId4"/>
                 </a:ext>
               </a:extLst>
             </a:blip>
@@ -9638,19 +9864,180 @@
               </a:rPr>
               <a:t>Nomad API</a:t>
             </a:r>
+            <a:endParaRPr lang="en-US" sz="3600" b="1">
+              <a:solidFill>
+                <a:srgbClr val="00CA8E"/>
+              </a:solidFill>
+              <a:latin typeface="Raleway Heavy"/>
+              <a:ea typeface="Raleway Heavy"/>
+              <a:cs typeface="Raleway Heavy"/>
+              <a:sym typeface="Raleway Heavy"/>
+            </a:endParaRPr>
           </a:p>
         </p:txBody>
       </p:sp>
       <p:sp>
         <p:nvSpPr>
-          <p:cNvPr id="15" name="TextBox 15"/>
+          <p:cNvPr id="16" name="TextBox 16"/>
           <p:cNvSpPr txBox="1"/>
           <p:nvPr/>
         </p:nvSpPr>
         <p:spPr>
           <a:xfrm>
-            <a:off x="369065" y="1644463"/>
-            <a:ext cx="90678" cy="1116025"/>
+            <a:off x="654685" y="1659255"/>
+            <a:ext cx="9712960" cy="603250"/>
+          </a:xfrm>
+          <a:prstGeom prst="rect">
+            <a:avLst/>
+          </a:prstGeom>
+        </p:spPr>
+        <p:txBody>
+          <a:bodyPr wrap="square" lIns="0" tIns="0" rIns="0" bIns="0" rtlCol="0" anchor="t">
+            <a:spAutoFit/>
+          </a:bodyPr>
+          <a:lstStyle/>
+          <a:p>
+            <a:pPr marL="342900" indent="-342900" algn="l">
+              <a:lnSpc>
+                <a:spcPts val="4705"/>
+              </a:lnSpc>
+              <a:buFont typeface="Arial" panose="020B0604020202020204" pitchFamily="34" charset="0"/>
+              <a:buChar char="•"/>
+            </a:pPr>
+            <a:r>
+              <a:rPr lang="en-US" sz="2000">
+                <a:solidFill>
+                  <a:srgbClr val="3F3F3F"/>
+                </a:solidFill>
+                <a:latin typeface="Roboto" panose="02000000000000000000"/>
+                <a:ea typeface="Roboto" panose="02000000000000000000"/>
+                <a:cs typeface="Roboto" panose="02000000000000000000"/>
+                <a:sym typeface="Roboto" panose="02000000000000000000"/>
+              </a:rPr>
+              <a:t>If ACLs are enabled, a Nomad token must be provided when invoking an API</a:t>
+            </a:r>
+            <a:endParaRPr lang="en-US" sz="2000">
+              <a:solidFill>
+                <a:srgbClr val="3F3F3F"/>
+              </a:solidFill>
+              <a:latin typeface="Roboto" panose="02000000000000000000"/>
+              <a:ea typeface="Roboto" panose="02000000000000000000"/>
+              <a:cs typeface="Roboto" panose="02000000000000000000"/>
+              <a:sym typeface="Roboto" panose="02000000000000000000"/>
+            </a:endParaRPr>
+          </a:p>
+        </p:txBody>
+      </p:sp>
+      <p:sp>
+        <p:nvSpPr>
+          <p:cNvPr id="17" name="TextBox 17"/>
+          <p:cNvSpPr txBox="1"/>
+          <p:nvPr/>
+        </p:nvSpPr>
+        <p:spPr>
+          <a:xfrm>
+            <a:off x="654685" y="2200275"/>
+            <a:ext cx="9712325" cy="923290"/>
+          </a:xfrm>
+          <a:prstGeom prst="rect">
+            <a:avLst/>
+          </a:prstGeom>
+        </p:spPr>
+        <p:txBody>
+          <a:bodyPr wrap="square" lIns="0" tIns="0" rIns="0" bIns="0" rtlCol="0" anchor="t">
+            <a:spAutoFit/>
+          </a:bodyPr>
+          <a:lstStyle/>
+          <a:p>
+            <a:pPr marL="342900" indent="-342900" algn="l">
+              <a:lnSpc>
+                <a:spcPct val="150000"/>
+              </a:lnSpc>
+              <a:buFont typeface="Arial" panose="020B0604020202020204" pitchFamily="34" charset="0"/>
+              <a:buChar char="•"/>
+            </a:pPr>
+            <a:r>
+              <a:rPr lang="en-US" sz="2000">
+                <a:solidFill>
+                  <a:srgbClr val="3F3F3F"/>
+                </a:solidFill>
+                <a:latin typeface="Roboto" panose="02000000000000000000"/>
+                <a:ea typeface="Roboto" panose="02000000000000000000"/>
+                <a:cs typeface="Roboto" panose="02000000000000000000"/>
+                <a:sym typeface="Roboto" panose="02000000000000000000"/>
+              </a:rPr>
+              <a:t>Authentication is done using the </a:t>
+            </a:r>
+            <a:r>
+              <a:rPr lang="en-US" sz="2000" b="1">
+                <a:solidFill>
+                  <a:srgbClr val="00CA8E"/>
+                </a:solidFill>
+                <a:latin typeface="Courier New OS Bold" panose="02070609020205020404"/>
+                <a:ea typeface="Courier New OS Bold" panose="02070609020205020404"/>
+                <a:cs typeface="Courier New OS Bold" panose="02070609020205020404"/>
+                <a:sym typeface="Courier New OS Bold" panose="02070609020205020404"/>
+              </a:rPr>
+              <a:t>X-Nomad-Token </a:t>
+            </a:r>
+            <a:r>
+              <a:rPr lang="en-US" sz="2000">
+                <a:solidFill>
+                  <a:srgbClr val="3F3F3F"/>
+                </a:solidFill>
+                <a:latin typeface="Roboto" panose="02000000000000000000"/>
+                <a:ea typeface="Roboto" panose="02000000000000000000"/>
+                <a:cs typeface="Roboto" panose="02000000000000000000"/>
+                <a:sym typeface="Courier New OS" panose="02070309020205020404"/>
+              </a:rPr>
+              <a:t>or </a:t>
+            </a:r>
+            <a:r>
+              <a:rPr lang="en-US" sz="2000" b="1">
+                <a:solidFill>
+                  <a:srgbClr val="00CA8E"/>
+                </a:solidFill>
+                <a:latin typeface="Courier New OS Bold" panose="02070609020205020404"/>
+                <a:ea typeface="Courier New OS Bold" panose="02070609020205020404"/>
+                <a:cs typeface="Courier New OS Bold" panose="02070609020205020404"/>
+                <a:sym typeface="Courier New OS Bold" panose="02070609020205020404"/>
+              </a:rPr>
+              <a:t>Authorization: Bearer </a:t>
+            </a:r>
+            <a:r>
+              <a:rPr lang="en-US" sz="2000">
+                <a:solidFill>
+                  <a:srgbClr val="3F3F3F"/>
+                </a:solidFill>
+                <a:latin typeface="Roboto" panose="02000000000000000000"/>
+                <a:ea typeface="Roboto" panose="02000000000000000000"/>
+                <a:cs typeface="Roboto" panose="02000000000000000000"/>
+                <a:sym typeface="Roboto" panose="02000000000000000000"/>
+              </a:rPr>
+              <a:t>header</a:t>
+            </a:r>
+            <a:endParaRPr lang="en-US" sz="2000">
+              <a:solidFill>
+                <a:srgbClr val="3F3F3F"/>
+              </a:solidFill>
+              <a:latin typeface="Roboto" panose="02000000000000000000"/>
+              <a:ea typeface="Roboto" panose="02000000000000000000"/>
+              <a:cs typeface="Roboto" panose="02000000000000000000"/>
+              <a:sym typeface="Roboto" panose="02000000000000000000"/>
+            </a:endParaRPr>
+          </a:p>
+        </p:txBody>
+      </p:sp>
+      <p:sp>
+        <p:nvSpPr>
+          <p:cNvPr id="20" name="TextBox 20"/>
+          <p:cNvSpPr txBox="1"/>
+          <p:nvPr/>
+        </p:nvSpPr>
+        <p:spPr>
+          <a:xfrm>
+            <a:off x="572414" y="4206316"/>
+            <a:ext cx="1114692" cy="280006"/>
           </a:xfrm>
           <a:prstGeom prst="rect">
             <a:avLst/>
@@ -9662,36 +10049,45 @@
           </a:bodyPr>
           <a:lstStyle/>
           <a:p>
-            <a:pPr algn="just">
+            <a:pPr algn="l">
               <a:lnSpc>
-                <a:spcPts val="4703"/>
+                <a:spcPts val="2135"/>
               </a:lnSpc>
             </a:pPr>
             <a:r>
-              <a:rPr lang="en-US" sz="1999" spc="-15">
+              <a:rPr lang="en-US" sz="1800">
                 <a:solidFill>
                   <a:srgbClr val="3F3F3F"/>
                 </a:solidFill>
-                <a:latin typeface="IBM Plex Sans Condensed"/>
-                <a:ea typeface="IBM Plex Sans Condensed"/>
-                <a:cs typeface="IBM Plex Sans Condensed"/>
-                <a:sym typeface="IBM Plex Sans Condensed"/>
+                <a:latin typeface="Courier New OS" panose="02070309020205020404"/>
+                <a:ea typeface="Courier New OS" panose="02070309020205020404"/>
+                <a:cs typeface="Courier New OS" panose="02070309020205020404"/>
+                <a:sym typeface="Courier New OS" panose="02070309020205020404"/>
               </a:rPr>
-              <a:t>• •</a:t>
-            </a:r>
+              <a:t>$ curl \</a:t>
+            </a:r>
+            <a:endParaRPr lang="en-US" sz="1800">
+              <a:solidFill>
+                <a:srgbClr val="3F3F3F"/>
+              </a:solidFill>
+              <a:latin typeface="Courier New OS" panose="02070309020205020404"/>
+              <a:ea typeface="Courier New OS" panose="02070309020205020404"/>
+              <a:cs typeface="Courier New OS" panose="02070309020205020404"/>
+              <a:sym typeface="Courier New OS" panose="02070309020205020404"/>
+            </a:endParaRPr>
           </a:p>
         </p:txBody>
       </p:sp>
       <p:sp>
         <p:nvSpPr>
-          <p:cNvPr id="16" name="TextBox 16"/>
+          <p:cNvPr id="21" name="TextBox 21"/>
           <p:cNvSpPr txBox="1"/>
           <p:nvPr/>
         </p:nvSpPr>
         <p:spPr>
           <a:xfrm>
-            <a:off x="654815" y="1603010"/>
-            <a:ext cx="8706641" cy="541134"/>
+            <a:off x="981989" y="4471492"/>
+            <a:ext cx="8913000" cy="1106014"/>
           </a:xfrm>
           <a:prstGeom prst="rect">
             <a:avLst/>
@@ -9705,34 +10101,43 @@
           <a:p>
             <a:pPr algn="l">
               <a:lnSpc>
-                <a:spcPts val="4703"/>
+                <a:spcPts val="2135"/>
               </a:lnSpc>
             </a:pPr>
             <a:r>
-              <a:rPr lang="en-US" sz="1999">
+              <a:rPr lang="en-US" sz="1800">
                 <a:solidFill>
                   <a:srgbClr val="3F3F3F"/>
                 </a:solidFill>
-                <a:latin typeface="Roboto"/>
-                <a:ea typeface="Roboto"/>
-                <a:cs typeface="Roboto"/>
-                <a:sym typeface="Roboto"/>
+                <a:latin typeface="Courier New OS" panose="02070309020205020404"/>
+                <a:ea typeface="Courier New OS" panose="02070309020205020404"/>
+                <a:cs typeface="Courier New OS" panose="02070309020205020404"/>
+                <a:sym typeface="Courier New OS" panose="02070309020205020404"/>
               </a:rPr>
-              <a:t>If ACLs are enabled, a Nomad token must be provided when invoking an API</a:t>
-            </a:r>
+              <a:t>--header "X-Nomad-Token: 4a8be0a9-459c-6598-ac8b-d80f26a6e8f0" \ --request POST --data @myapp.json https://nomad.example.com:4646/v1/jobs</a:t>
+            </a:r>
+            <a:endParaRPr lang="en-US" sz="1800">
+              <a:solidFill>
+                <a:srgbClr val="3F3F3F"/>
+              </a:solidFill>
+              <a:latin typeface="Courier New OS" panose="02070309020205020404"/>
+              <a:ea typeface="Courier New OS" panose="02070309020205020404"/>
+              <a:cs typeface="Courier New OS" panose="02070309020205020404"/>
+              <a:sym typeface="Courier New OS" panose="02070309020205020404"/>
+            </a:endParaRPr>
           </a:p>
         </p:txBody>
       </p:sp>
       <p:sp>
         <p:nvSpPr>
-          <p:cNvPr id="17" name="TextBox 17"/>
+          <p:cNvPr id="22" name="TextBox 22"/>
           <p:cNvSpPr txBox="1"/>
           <p:nvPr/>
         </p:nvSpPr>
         <p:spPr>
           <a:xfrm>
-            <a:off x="654815" y="2200418"/>
-            <a:ext cx="3766509" cy="858136"/>
+            <a:off x="9026757" y="3589363"/>
+            <a:ext cx="1002249" cy="290036"/>
           </a:xfrm>
           <a:prstGeom prst="rect">
             <a:avLst/>
@@ -9746,53 +10151,43 @@
           <a:p>
             <a:pPr algn="l">
               <a:lnSpc>
-                <a:spcPts val="4703"/>
+                <a:spcPts val="2240"/>
               </a:lnSpc>
             </a:pPr>
             <a:r>
-              <a:rPr lang="en-US" sz="1999">
+              <a:rPr lang="en-US" sz="1600" spc="1">
                 <a:solidFill>
-                  <a:srgbClr val="3F3F3F"/>
+                  <a:srgbClr val="FFFFFF"/>
                 </a:solidFill>
-                <a:latin typeface="Roboto"/>
-                <a:ea typeface="Roboto"/>
-                <a:cs typeface="Roboto"/>
-                <a:sym typeface="Roboto"/>
+                <a:latin typeface="Roboto" panose="02000000000000000000"/>
+                <a:ea typeface="Roboto" panose="02000000000000000000"/>
+                <a:cs typeface="Roboto" panose="02000000000000000000"/>
+                <a:sym typeface="Roboto" panose="02000000000000000000"/>
               </a:rPr>
-              <a:t>Authentication is done using the </a:t>
-            </a:r>
-          </a:p>
-          <a:p>
-            <a:pPr algn="l">
-              <a:lnSpc>
-                <a:spcPts val="3991"/>
-              </a:lnSpc>
-            </a:pPr>
-            <a:r>
-              <a:rPr lang="en-US" sz="1999">
-                <a:solidFill>
-                  <a:srgbClr val="3F3F3F"/>
-                </a:solidFill>
-                <a:latin typeface="Roboto"/>
-                <a:ea typeface="Roboto"/>
-                <a:cs typeface="Roboto"/>
-                <a:sym typeface="Roboto"/>
-              </a:rPr>
-              <a:t>header</a:t>
-            </a:r>
+              <a:t>TERMINAL</a:t>
+            </a:r>
+            <a:endParaRPr lang="en-US" sz="1600" spc="1">
+              <a:solidFill>
+                <a:srgbClr val="FFFFFF"/>
+              </a:solidFill>
+              <a:latin typeface="Roboto" panose="02000000000000000000"/>
+              <a:ea typeface="Roboto" panose="02000000000000000000"/>
+              <a:cs typeface="Roboto" panose="02000000000000000000"/>
+              <a:sym typeface="Roboto" panose="02000000000000000000"/>
+            </a:endParaRPr>
           </a:p>
         </p:txBody>
       </p:sp>
       <p:sp>
         <p:nvSpPr>
-          <p:cNvPr id="18" name="TextBox 18"/>
+          <p:cNvPr id="23" name="TextBox 23"/>
           <p:cNvSpPr txBox="1"/>
           <p:nvPr/>
         </p:nvSpPr>
         <p:spPr>
-          <a:xfrm>
-            <a:off x="4347334" y="2568178"/>
-            <a:ext cx="2384727" cy="288607"/>
+          <a:xfrm rot="5400000">
+            <a:off x="9470196" y="3080578"/>
+            <a:ext cx="5230187" cy="283210"/>
           </a:xfrm>
           <a:prstGeom prst="rect">
             <a:avLst/>
@@ -9806,239 +10201,15 @@
           <a:p>
             <a:pPr algn="l">
               <a:lnSpc>
-                <a:spcPts val="999"/>
+                <a:spcPts val="2240"/>
               </a:lnSpc>
             </a:pPr>
-            <a:r>
-              <a:rPr lang="en-US" sz="1999" b="1">
-                <a:solidFill>
-                  <a:srgbClr val="00CA8E"/>
-                </a:solidFill>
-                <a:latin typeface="Courier New OS Bold"/>
-                <a:ea typeface="Courier New OS Bold"/>
-                <a:cs typeface="Courier New OS Bold"/>
-                <a:sym typeface="Courier New OS Bold"/>
-              </a:rPr>
-              <a:t>X-Nomad-Token</a:t>
-            </a:r>
-            <a:r>
-              <a:rPr lang="en-US" sz="1999">
-                <a:solidFill>
-                  <a:srgbClr val="3F3F3F"/>
-                </a:solidFill>
-                <a:latin typeface="Courier New OS"/>
-                <a:ea typeface="Courier New OS"/>
-                <a:cs typeface="Courier New OS"/>
-                <a:sym typeface="Courier New OS"/>
-              </a:rPr>
-              <a:t>or </a:t>
-            </a:r>
           </a:p>
         </p:txBody>
       </p:sp>
       <p:sp>
         <p:nvSpPr>
-          <p:cNvPr id="19" name="TextBox 19"/>
-          <p:cNvSpPr txBox="1"/>
-          <p:nvPr/>
-        </p:nvSpPr>
-        <p:spPr>
-          <a:xfrm>
-            <a:off x="6685721" y="2518153"/>
-            <a:ext cx="3264408" cy="338633"/>
-          </a:xfrm>
-          <a:prstGeom prst="rect">
-            <a:avLst/>
-          </a:prstGeom>
-        </p:spPr>
-        <p:txBody>
-          <a:bodyPr lIns="0" tIns="0" rIns="0" bIns="0" rtlCol="0" anchor="t">
-            <a:spAutoFit/>
-          </a:bodyPr>
-          <a:lstStyle/>
-          <a:p>
-            <a:pPr algn="l">
-              <a:lnSpc>
-                <a:spcPts val="2799"/>
-              </a:lnSpc>
-            </a:pPr>
-            <a:r>
-              <a:rPr lang="en-US" sz="1999" b="1">
-                <a:solidFill>
-                  <a:srgbClr val="00CA8E"/>
-                </a:solidFill>
-                <a:latin typeface="Courier New OS Bold"/>
-                <a:ea typeface="Courier New OS Bold"/>
-                <a:cs typeface="Courier New OS Bold"/>
-                <a:sym typeface="Courier New OS Bold"/>
-              </a:rPr>
-              <a:t>Authorization: Bearer</a:t>
-            </a:r>
-          </a:p>
-        </p:txBody>
-      </p:sp>
-      <p:sp>
-        <p:nvSpPr>
-          <p:cNvPr id="20" name="TextBox 20"/>
-          <p:cNvSpPr txBox="1"/>
-          <p:nvPr/>
-        </p:nvSpPr>
-        <p:spPr>
-          <a:xfrm>
-            <a:off x="572414" y="4206316"/>
-            <a:ext cx="1114692" cy="280006"/>
-          </a:xfrm>
-          <a:prstGeom prst="rect">
-            <a:avLst/>
-          </a:prstGeom>
-        </p:spPr>
-        <p:txBody>
-          <a:bodyPr lIns="0" tIns="0" rIns="0" bIns="0" rtlCol="0" anchor="t">
-            <a:spAutoFit/>
-          </a:bodyPr>
-          <a:lstStyle/>
-          <a:p>
-            <a:pPr algn="l">
-              <a:lnSpc>
-                <a:spcPts val="2136"/>
-              </a:lnSpc>
-            </a:pPr>
-            <a:r>
-              <a:rPr lang="en-US" sz="1800">
-                <a:solidFill>
-                  <a:srgbClr val="3F3F3F"/>
-                </a:solidFill>
-                <a:latin typeface="Courier New OS"/>
-                <a:ea typeface="Courier New OS"/>
-                <a:cs typeface="Courier New OS"/>
-                <a:sym typeface="Courier New OS"/>
-              </a:rPr>
-              <a:t>$ curl \</a:t>
-            </a:r>
-          </a:p>
-        </p:txBody>
-      </p:sp>
-      <p:sp>
-        <p:nvSpPr>
-          <p:cNvPr id="21" name="TextBox 21"/>
-          <p:cNvSpPr txBox="1"/>
-          <p:nvPr/>
-        </p:nvSpPr>
-        <p:spPr>
-          <a:xfrm>
-            <a:off x="981989" y="4471492"/>
-            <a:ext cx="8913000" cy="1106014"/>
-          </a:xfrm>
-          <a:prstGeom prst="rect">
-            <a:avLst/>
-          </a:prstGeom>
-        </p:spPr>
-        <p:txBody>
-          <a:bodyPr lIns="0" tIns="0" rIns="0" bIns="0" rtlCol="0" anchor="t">
-            <a:spAutoFit/>
-          </a:bodyPr>
-          <a:lstStyle/>
-          <a:p>
-            <a:pPr algn="l">
-              <a:lnSpc>
-                <a:spcPts val="2136"/>
-              </a:lnSpc>
-            </a:pPr>
-            <a:r>
-              <a:rPr lang="en-US" sz="1800">
-                <a:solidFill>
-                  <a:srgbClr val="3F3F3F"/>
-                </a:solidFill>
-                <a:latin typeface="Courier New OS"/>
-                <a:ea typeface="Courier New OS"/>
-                <a:cs typeface="Courier New OS"/>
-                <a:sym typeface="Courier New OS"/>
-              </a:rPr>
-              <a:t>--header "X-Nomad-Token: 4a8be0a9-459c-6598-ac8b-d80f26a6e8f0" \ --request POST --data @myapp.json https://nomad.example.com:4646/v1/jobs</a:t>
-            </a:r>
-          </a:p>
-        </p:txBody>
-      </p:sp>
-      <p:sp>
-        <p:nvSpPr>
-          <p:cNvPr id="22" name="TextBox 22"/>
-          <p:cNvSpPr txBox="1"/>
-          <p:nvPr/>
-        </p:nvSpPr>
-        <p:spPr>
-          <a:xfrm>
-            <a:off x="9026757" y="3589363"/>
-            <a:ext cx="1002249" cy="290036"/>
-          </a:xfrm>
-          <a:prstGeom prst="rect">
-            <a:avLst/>
-          </a:prstGeom>
-        </p:spPr>
-        <p:txBody>
-          <a:bodyPr lIns="0" tIns="0" rIns="0" bIns="0" rtlCol="0" anchor="t">
-            <a:spAutoFit/>
-          </a:bodyPr>
-          <a:lstStyle/>
-          <a:p>
-            <a:pPr algn="l">
-              <a:lnSpc>
-                <a:spcPts val="2239"/>
-              </a:lnSpc>
-            </a:pPr>
-            <a:r>
-              <a:rPr lang="en-US" sz="1599" spc="1">
-                <a:solidFill>
-                  <a:srgbClr val="FFFFFF"/>
-                </a:solidFill>
-                <a:latin typeface="Roboto"/>
-                <a:ea typeface="Roboto"/>
-                <a:cs typeface="Roboto"/>
-                <a:sym typeface="Roboto"/>
-              </a:rPr>
-              <a:t>TERMINAL</a:t>
-            </a:r>
-          </a:p>
-        </p:txBody>
-      </p:sp>
-      <p:sp>
-        <p:nvSpPr>
-          <p:cNvPr id="23" name="TextBox 23"/>
-          <p:cNvSpPr txBox="1"/>
-          <p:nvPr/>
-        </p:nvSpPr>
-        <p:spPr>
-          <a:xfrm rot="5400000">
-            <a:off x="9470196" y="3080578"/>
-            <a:ext cx="5230187" cy="283210"/>
-          </a:xfrm>
-          <a:prstGeom prst="rect">
-            <a:avLst/>
-          </a:prstGeom>
-        </p:spPr>
-        <p:txBody>
-          <a:bodyPr lIns="0" tIns="0" rIns="0" bIns="0" rtlCol="0" anchor="t">
-            <a:spAutoFit/>
-          </a:bodyPr>
-          <a:lstStyle/>
-          <a:p>
-            <a:pPr algn="l">
-              <a:lnSpc>
-                <a:spcPts val="2239"/>
-              </a:lnSpc>
-            </a:pPr>
-            <a:endParaRPr/>
-          </a:p>
-        </p:txBody>
-      </p:sp>
-      <p:sp>
-        <p:nvSpPr>
-          <p:cNvPr id="25" name="TextBox 24">
-            <a:extLst>
-              <a:ext uri="{FF2B5EF4-FFF2-40B4-BE49-F238E27FC236}">
-                <a16:creationId xmlns:a16="http://schemas.microsoft.com/office/drawing/2014/main" id="{CDA105B9-B77D-0F06-2F34-832B4655CE3F}"/>
-              </a:ext>
-            </a:extLst>
-          </p:cNvPr>
+          <p:cNvPr id="25" name="TextBox 24"/>
           <p:cNvSpPr txBox="1"/>
           <p:nvPr/>
         </p:nvSpPr>
@@ -10062,6 +10233,7 @@
               <a:rPr lang="en-IN" dirty="0"/>
               <a:t>https://developer.hashicorp.com/nomad/api-docs#http-api</a:t>
             </a:r>
+            <a:endParaRPr lang="en-IN" dirty="0"/>
           </a:p>
         </p:txBody>
       </p:sp>
@@ -10129,7 +10301,7 @@
             </a:pathLst>
           </a:custGeom>
           <a:blipFill>
-            <a:blip r:embed="rId2"/>
+            <a:blip r:embed="rId1"/>
             <a:stretch>
               <a:fillRect b="-2479"/>
             </a:stretch>
@@ -10175,7 +10347,7 @@
             </a:pathLst>
           </a:custGeom>
           <a:blipFill>
-            <a:blip r:embed="rId3"/>
+            <a:blip r:embed="rId2"/>
             <a:stretch>
               <a:fillRect l="-29154" t="-12440" r="-31171" b="-69738"/>
             </a:stretch>
@@ -10420,7 +10592,7 @@
             </a:pathLst>
           </a:custGeom>
           <a:blipFill>
-            <a:blip r:embed="rId4"/>
+            <a:blip r:embed="rId3"/>
             <a:stretch>
               <a:fillRect l="-29103" t="-12862" r="-29998" b="-69323"/>
             </a:stretch>
@@ -10607,7 +10779,7 @@
             </a:pathLst>
           </a:custGeom>
           <a:blipFill>
-            <a:blip r:embed="rId2"/>
+            <a:blip r:embed="rId1"/>
             <a:stretch>
               <a:fillRect b="-2479"/>
             </a:stretch>
@@ -10653,7 +10825,7 @@
             </a:pathLst>
           </a:custGeom>
           <a:blipFill>
-            <a:blip r:embed="rId3"/>
+            <a:blip r:embed="rId2"/>
             <a:stretch>
               <a:fillRect l="-29154" t="-12440" r="-31171" b="-69738"/>
             </a:stretch>
@@ -10683,11 +10855,11 @@
           <a:p>
             <a:pPr algn="l">
               <a:lnSpc>
-                <a:spcPts val="4479"/>
+                <a:spcPts val="4480"/>
               </a:lnSpc>
             </a:pPr>
             <a:r>
-              <a:rPr lang="en-US" sz="3199" b="1">
+              <a:rPr lang="en-US" sz="3200" b="1">
                 <a:solidFill>
                   <a:srgbClr val="3F3F3F"/>
                 </a:solidFill>
@@ -10698,6 +10870,15 @@
               </a:rPr>
               <a:t>How Do I Managed Nomad?</a:t>
             </a:r>
+            <a:endParaRPr lang="en-US" sz="3200" b="1">
+              <a:solidFill>
+                <a:srgbClr val="3F3F3F"/>
+              </a:solidFill>
+              <a:latin typeface="Raleway Heavy"/>
+              <a:ea typeface="Raleway Heavy"/>
+              <a:cs typeface="Raleway Heavy"/>
+              <a:sym typeface="Raleway Heavy"/>
+            </a:endParaRPr>
           </a:p>
           <a:p>
             <a:pPr algn="l">
@@ -10710,26 +10891,147 @@
                 <a:solidFill>
                   <a:srgbClr val="00CA8E"/>
                 </a:solidFill>
-                <a:latin typeface="Roboto Bold"/>
-                <a:ea typeface="Roboto Bold"/>
-                <a:cs typeface="Roboto Bold"/>
-                <a:sym typeface="Roboto Bold"/>
+                <a:latin typeface="Roboto Bold" panose="02000000000000000000"/>
+                <a:ea typeface="Roboto Bold" panose="02000000000000000000"/>
+                <a:cs typeface="Roboto Bold" panose="02000000000000000000"/>
+                <a:sym typeface="Roboto Bold" panose="02000000000000000000"/>
               </a:rPr>
               <a:t>Nomad includes three different interfaces….</a:t>
             </a:r>
+            <a:endParaRPr lang="en-US" sz="1800" b="1" spc="1">
+              <a:solidFill>
+                <a:srgbClr val="00CA8E"/>
+              </a:solidFill>
+              <a:latin typeface="Roboto Bold" panose="02000000000000000000"/>
+              <a:ea typeface="Roboto Bold" panose="02000000000000000000"/>
+              <a:cs typeface="Roboto Bold" panose="02000000000000000000"/>
+              <a:sym typeface="Roboto Bold" panose="02000000000000000000"/>
+            </a:endParaRPr>
           </a:p>
         </p:txBody>
       </p:sp>
       <p:sp>
         <p:nvSpPr>
-          <p:cNvPr id="17" name="TextBox 17"/>
+          <p:cNvPr id="18" name="TextBox 18"/>
           <p:cNvSpPr txBox="1"/>
           <p:nvPr/>
         </p:nvSpPr>
         <p:spPr>
           <a:xfrm>
-            <a:off x="964016" y="2564759"/>
-            <a:ext cx="126949" cy="1688849"/>
+            <a:off x="1249680" y="2514600"/>
+            <a:ext cx="3456305" cy="1755775"/>
+          </a:xfrm>
+          <a:prstGeom prst="rect">
+            <a:avLst/>
+          </a:prstGeom>
+        </p:spPr>
+        <p:txBody>
+          <a:bodyPr wrap="square" lIns="0" tIns="0" rIns="0" bIns="0" rtlCol="0" anchor="t">
+            <a:spAutoFit/>
+          </a:bodyPr>
+          <a:lstStyle/>
+          <a:p>
+            <a:pPr marL="457200" indent="-457200" algn="l">
+              <a:lnSpc>
+                <a:spcPts val="4565"/>
+              </a:lnSpc>
+              <a:buFont typeface="Arial" panose="020B0604020202020204" pitchFamily="34" charset="0"/>
+              <a:buChar char="•"/>
+            </a:pPr>
+            <a:r>
+              <a:rPr lang="en-US" sz="2800" b="1">
+                <a:solidFill>
+                  <a:srgbClr val="000000"/>
+                </a:solidFill>
+                <a:latin typeface="Roboto Bold" panose="02000000000000000000"/>
+                <a:ea typeface="Roboto Bold" panose="02000000000000000000"/>
+                <a:cs typeface="Roboto Bold" panose="02000000000000000000"/>
+                <a:sym typeface="Roboto Bold" panose="02000000000000000000"/>
+              </a:rPr>
+              <a:t>Nomad CLI </a:t>
+            </a:r>
+            <a:endParaRPr lang="en-US" sz="2800" b="1">
+              <a:solidFill>
+                <a:srgbClr val="000000"/>
+              </a:solidFill>
+              <a:latin typeface="Roboto Bold" panose="02000000000000000000"/>
+              <a:ea typeface="Roboto Bold" panose="02000000000000000000"/>
+              <a:cs typeface="Roboto Bold" panose="02000000000000000000"/>
+              <a:sym typeface="Roboto Bold" panose="02000000000000000000"/>
+            </a:endParaRPr>
+          </a:p>
+          <a:p>
+            <a:pPr marL="457200" indent="-457200" algn="l">
+              <a:lnSpc>
+                <a:spcPts val="4565"/>
+              </a:lnSpc>
+              <a:buFont typeface="Arial" panose="020B0604020202020204" pitchFamily="34" charset="0"/>
+              <a:buChar char="•"/>
+            </a:pPr>
+            <a:r>
+              <a:rPr lang="en-US" sz="2800" b="1">
+                <a:solidFill>
+                  <a:srgbClr val="000000"/>
+                </a:solidFill>
+                <a:latin typeface="Roboto Bold" panose="02000000000000000000"/>
+                <a:ea typeface="Roboto Bold" panose="02000000000000000000"/>
+                <a:cs typeface="Roboto Bold" panose="02000000000000000000"/>
+                <a:sym typeface="Roboto Bold" panose="02000000000000000000"/>
+              </a:rPr>
+              <a:t>API </a:t>
+            </a:r>
+            <a:endParaRPr lang="en-US" sz="2800" b="1">
+              <a:solidFill>
+                <a:srgbClr val="000000"/>
+              </a:solidFill>
+              <a:latin typeface="Roboto Bold" panose="02000000000000000000"/>
+              <a:ea typeface="Roboto Bold" panose="02000000000000000000"/>
+              <a:cs typeface="Roboto Bold" panose="02000000000000000000"/>
+              <a:sym typeface="Roboto Bold" panose="02000000000000000000"/>
+            </a:endParaRPr>
+          </a:p>
+          <a:p>
+            <a:pPr marL="457200" indent="-457200" algn="l">
+              <a:lnSpc>
+                <a:spcPts val="4565"/>
+              </a:lnSpc>
+              <a:buFont typeface="Arial" panose="020B0604020202020204" pitchFamily="34" charset="0"/>
+              <a:buChar char="•"/>
+            </a:pPr>
+            <a:r>
+              <a:rPr lang="en-US" sz="2800" b="1">
+                <a:solidFill>
+                  <a:srgbClr val="000000"/>
+                </a:solidFill>
+                <a:latin typeface="Roboto Bold" panose="02000000000000000000"/>
+                <a:ea typeface="Roboto Bold" panose="02000000000000000000"/>
+                <a:cs typeface="Roboto Bold" panose="02000000000000000000"/>
+                <a:sym typeface="Roboto Bold" panose="02000000000000000000"/>
+              </a:rPr>
+              <a:t>User Interface (UI)</a:t>
+            </a:r>
+            <a:endParaRPr lang="en-US" sz="2800" b="1">
+              <a:solidFill>
+                <a:srgbClr val="000000"/>
+              </a:solidFill>
+              <a:latin typeface="Roboto Bold" panose="02000000000000000000"/>
+              <a:ea typeface="Roboto Bold" panose="02000000000000000000"/>
+              <a:cs typeface="Roboto Bold" panose="02000000000000000000"/>
+              <a:sym typeface="Roboto Bold" panose="02000000000000000000"/>
+            </a:endParaRPr>
+          </a:p>
+        </p:txBody>
+      </p:sp>
+      <p:sp>
+        <p:nvSpPr>
+          <p:cNvPr id="19" name="TextBox 19"/>
+          <p:cNvSpPr txBox="1"/>
+          <p:nvPr/>
+        </p:nvSpPr>
+        <p:spPr>
+          <a:xfrm>
+            <a:off x="743426" y="5146881"/>
+            <a:ext cx="7730833" cy="751475"/>
           </a:xfrm>
           <a:prstGeom prst="rect">
             <a:avLst/>
@@ -10741,36 +11043,45 @@
           </a:bodyPr>
           <a:lstStyle/>
           <a:p>
-            <a:pPr algn="just">
+            <a:pPr algn="l">
               <a:lnSpc>
-                <a:spcPts val="4566"/>
+                <a:spcPts val="2905"/>
               </a:lnSpc>
             </a:pPr>
             <a:r>
-              <a:rPr lang="en-US" sz="2800" spc="-22">
+              <a:rPr lang="en-US" sz="2400" b="1" spc="2">
                 <a:solidFill>
-                  <a:srgbClr val="000000"/>
+                  <a:srgbClr val="00CA8E"/>
                 </a:solidFill>
-                <a:latin typeface="IBM Plex Sans Condensed"/>
-                <a:ea typeface="IBM Plex Sans Condensed"/>
-                <a:cs typeface="IBM Plex Sans Condensed"/>
-                <a:sym typeface="IBM Plex Sans Condensed"/>
+                <a:latin typeface="Roboto Bold" panose="02000000000000000000"/>
+                <a:ea typeface="Roboto Bold" panose="02000000000000000000"/>
+                <a:cs typeface="Roboto Bold" panose="02000000000000000000"/>
+                <a:sym typeface="Roboto Bold" panose="02000000000000000000"/>
               </a:rPr>
-              <a:t>• • •</a:t>
-            </a:r>
+              <a:t>All these interfaces are available to the user as long as Nomad is running</a:t>
+            </a:r>
+            <a:endParaRPr lang="en-US" sz="2400" b="1" spc="2">
+              <a:solidFill>
+                <a:srgbClr val="00CA8E"/>
+              </a:solidFill>
+              <a:latin typeface="Roboto Bold" panose="02000000000000000000"/>
+              <a:ea typeface="Roboto Bold" panose="02000000000000000000"/>
+              <a:cs typeface="Roboto Bold" panose="02000000000000000000"/>
+              <a:sym typeface="Roboto Bold" panose="02000000000000000000"/>
+            </a:endParaRPr>
           </a:p>
         </p:txBody>
       </p:sp>
       <p:sp>
         <p:nvSpPr>
-          <p:cNvPr id="18" name="TextBox 18"/>
+          <p:cNvPr id="20" name="TextBox 20"/>
           <p:cNvSpPr txBox="1"/>
           <p:nvPr/>
         </p:nvSpPr>
         <p:spPr>
-          <a:xfrm>
-            <a:off x="1249766" y="2514352"/>
-            <a:ext cx="3007100" cy="1712766"/>
+          <a:xfrm rot="5400000">
+            <a:off x="9470196" y="3080578"/>
+            <a:ext cx="5230187" cy="283210"/>
           </a:xfrm>
           <a:prstGeom prst="rect">
             <a:avLst/>
@@ -10784,92 +11095,9 @@
           <a:p>
             <a:pPr algn="l">
               <a:lnSpc>
-                <a:spcPts val="4566"/>
+                <a:spcPts val="2240"/>
               </a:lnSpc>
             </a:pPr>
-            <a:r>
-              <a:rPr lang="en-US" sz="2800" b="1">
-                <a:solidFill>
-                  <a:srgbClr val="000000"/>
-                </a:solidFill>
-                <a:latin typeface="Roboto Bold"/>
-                <a:ea typeface="Roboto Bold"/>
-                <a:cs typeface="Roboto Bold"/>
-                <a:sym typeface="Roboto Bold"/>
-              </a:rPr>
-              <a:t>Nomad CLI API User Interface (UI)</a:t>
-            </a:r>
-          </a:p>
-        </p:txBody>
-      </p:sp>
-      <p:sp>
-        <p:nvSpPr>
-          <p:cNvPr id="19" name="TextBox 19"/>
-          <p:cNvSpPr txBox="1"/>
-          <p:nvPr/>
-        </p:nvSpPr>
-        <p:spPr>
-          <a:xfrm>
-            <a:off x="743426" y="5146881"/>
-            <a:ext cx="7730833" cy="751475"/>
-          </a:xfrm>
-          <a:prstGeom prst="rect">
-            <a:avLst/>
-          </a:prstGeom>
-        </p:spPr>
-        <p:txBody>
-          <a:bodyPr lIns="0" tIns="0" rIns="0" bIns="0" rtlCol="0" anchor="t">
-            <a:spAutoFit/>
-          </a:bodyPr>
-          <a:lstStyle/>
-          <a:p>
-            <a:pPr algn="l">
-              <a:lnSpc>
-                <a:spcPts val="2904"/>
-              </a:lnSpc>
-            </a:pPr>
-            <a:r>
-              <a:rPr lang="en-US" sz="2400" b="1" spc="2">
-                <a:solidFill>
-                  <a:srgbClr val="00CA8E"/>
-                </a:solidFill>
-                <a:latin typeface="Roboto Bold"/>
-                <a:ea typeface="Roboto Bold"/>
-                <a:cs typeface="Roboto Bold"/>
-                <a:sym typeface="Roboto Bold"/>
-              </a:rPr>
-              <a:t>All these interfaces are available to the user as long as Nomad is running</a:t>
-            </a:r>
-          </a:p>
-        </p:txBody>
-      </p:sp>
-      <p:sp>
-        <p:nvSpPr>
-          <p:cNvPr id="20" name="TextBox 20"/>
-          <p:cNvSpPr txBox="1"/>
-          <p:nvPr/>
-        </p:nvSpPr>
-        <p:spPr>
-          <a:xfrm rot="5400000">
-            <a:off x="9470196" y="3080578"/>
-            <a:ext cx="5230187" cy="283210"/>
-          </a:xfrm>
-          <a:prstGeom prst="rect">
-            <a:avLst/>
-          </a:prstGeom>
-        </p:spPr>
-        <p:txBody>
-          <a:bodyPr lIns="0" tIns="0" rIns="0" bIns="0" rtlCol="0" anchor="t">
-            <a:spAutoFit/>
-          </a:bodyPr>
-          <a:lstStyle/>
-          <a:p>
-            <a:pPr algn="l">
-              <a:lnSpc>
-                <a:spcPts val="2239"/>
-              </a:lnSpc>
-            </a:pPr>
-            <a:endParaRPr/>
           </a:p>
         </p:txBody>
       </p:sp>
@@ -10937,7 +11165,7 @@
             </a:pathLst>
           </a:custGeom>
           <a:blipFill>
-            <a:blip r:embed="rId3"/>
+            <a:blip r:embed="rId1"/>
             <a:stretch>
               <a:fillRect b="-2479"/>
             </a:stretch>
@@ -10983,7 +11211,7 @@
             </a:pathLst>
           </a:custGeom>
           <a:blipFill>
-            <a:blip r:embed="rId4"/>
+            <a:blip r:embed="rId2"/>
             <a:stretch>
               <a:fillRect l="-29154" t="-12440" r="-31171" b="-69738"/>
             </a:stretch>
@@ -11352,10 +11580,10 @@
             </a:pathLst>
           </a:custGeom>
           <a:blipFill>
-            <a:blip r:embed="rId5">
+            <a:blip r:embed="rId3">
               <a:extLst>
                 <a:ext uri="{96DAC541-7B7A-43D3-8B79-37D633B846F1}">
-                  <asvg:svgBlip xmlns:asvg="http://schemas.microsoft.com/office/drawing/2016/SVG/main" r:embed="rId6"/>
+                  <asvg:svgBlip xmlns:asvg="http://schemas.microsoft.com/office/drawing/2016/SVG/main" r:embed="rId4"/>
                 </a:ext>
               </a:extLst>
             </a:blip>
@@ -11388,11 +11616,11 @@
           <a:p>
             <a:pPr algn="l">
               <a:lnSpc>
-                <a:spcPts val="4479"/>
+                <a:spcPts val="4480"/>
               </a:lnSpc>
             </a:pPr>
             <a:r>
-              <a:rPr lang="en-US" sz="3199" b="1">
+              <a:rPr lang="en-US" sz="3200" b="1">
                 <a:solidFill>
                   <a:srgbClr val="3F3F3F"/>
                 </a:solidFill>
@@ -11403,6 +11631,15 @@
               </a:rPr>
               <a:t>Nomad CLI</a:t>
             </a:r>
+            <a:endParaRPr lang="en-US" sz="3200" b="1">
+              <a:solidFill>
+                <a:srgbClr val="3F3F3F"/>
+              </a:solidFill>
+              <a:latin typeface="Raleway Heavy"/>
+              <a:ea typeface="Raleway Heavy"/>
+              <a:cs typeface="Raleway Heavy"/>
+              <a:sym typeface="Raleway Heavy"/>
+            </a:endParaRPr>
           </a:p>
         </p:txBody>
       </p:sp>
@@ -11429,21 +11666,30 @@
           <a:p>
             <a:pPr algn="l">
               <a:lnSpc>
-                <a:spcPts val="2799"/>
+                <a:spcPts val="2800"/>
               </a:lnSpc>
             </a:pPr>
             <a:r>
-              <a:rPr lang="en-US" sz="1999">
+              <a:rPr lang="en-US" sz="2000">
                 <a:solidFill>
                   <a:srgbClr val="3F3F3F"/>
                 </a:solidFill>
-                <a:latin typeface="Roboto"/>
-                <a:ea typeface="Roboto"/>
-                <a:cs typeface="Roboto"/>
-                <a:sym typeface="Roboto"/>
+                <a:latin typeface="Roboto" panose="02000000000000000000"/>
+                <a:ea typeface="Roboto" panose="02000000000000000000"/>
+                <a:cs typeface="Roboto" panose="02000000000000000000"/>
+                <a:sym typeface="Roboto" panose="02000000000000000000"/>
               </a:rPr>
               <a:t>Nomad also has an autocomplete that you can install for tab completion</a:t>
             </a:r>
+            <a:endParaRPr lang="en-US" sz="2000">
+              <a:solidFill>
+                <a:srgbClr val="3F3F3F"/>
+              </a:solidFill>
+              <a:latin typeface="Roboto" panose="02000000000000000000"/>
+              <a:ea typeface="Roboto" panose="02000000000000000000"/>
+              <a:cs typeface="Roboto" panose="02000000000000000000"/>
+              <a:sym typeface="Roboto" panose="02000000000000000000"/>
+            </a:endParaRPr>
           </a:p>
         </p:txBody>
       </p:sp>
@@ -11470,21 +11716,30 @@
           <a:p>
             <a:pPr algn="l">
               <a:lnSpc>
-                <a:spcPts val="3983"/>
+                <a:spcPts val="3985"/>
               </a:lnSpc>
             </a:pPr>
             <a:r>
-              <a:rPr lang="en-US" sz="1999">
+              <a:rPr lang="en-US" sz="2000">
                 <a:solidFill>
                   <a:srgbClr val="3F3F3F"/>
                 </a:solidFill>
-                <a:latin typeface="Roboto"/>
-                <a:ea typeface="Roboto"/>
-                <a:cs typeface="Roboto"/>
-                <a:sym typeface="Roboto"/>
+                <a:latin typeface="Roboto" panose="02000000000000000000"/>
+                <a:ea typeface="Roboto" panose="02000000000000000000"/>
+                <a:cs typeface="Roboto" panose="02000000000000000000"/>
+                <a:sym typeface="Roboto" panose="02000000000000000000"/>
               </a:rPr>
               <a:t>The CLI requires that you have the Nomad binary installed on your machine</a:t>
             </a:r>
+            <a:endParaRPr lang="en-US" sz="2000">
+              <a:solidFill>
+                <a:srgbClr val="3F3F3F"/>
+              </a:solidFill>
+              <a:latin typeface="Roboto" panose="02000000000000000000"/>
+              <a:ea typeface="Roboto" panose="02000000000000000000"/>
+              <a:cs typeface="Roboto" panose="02000000000000000000"/>
+              <a:sym typeface="Roboto" panose="02000000000000000000"/>
+            </a:endParaRPr>
           </a:p>
         </p:txBody>
       </p:sp>
@@ -11511,21 +11766,30 @@
           <a:p>
             <a:pPr algn="l">
               <a:lnSpc>
-                <a:spcPts val="3983"/>
+                <a:spcPts val="3985"/>
               </a:lnSpc>
             </a:pPr>
             <a:r>
-              <a:rPr lang="en-US" sz="1999">
+              <a:rPr lang="en-US" sz="2000">
                 <a:solidFill>
                   <a:srgbClr val="0070C0"/>
                 </a:solidFill>
-                <a:latin typeface="Roboto"/>
-                <a:ea typeface="Roboto"/>
-                <a:cs typeface="Roboto"/>
-                <a:sym typeface="Roboto"/>
+                <a:latin typeface="Roboto" panose="02000000000000000000"/>
+                <a:ea typeface="Roboto" panose="02000000000000000000"/>
+                <a:cs typeface="Roboto" panose="02000000000000000000"/>
+                <a:sym typeface="Roboto" panose="02000000000000000000"/>
               </a:rPr>
               <a:t>https://releases.hashicorp.com/nomad/</a:t>
             </a:r>
+            <a:endParaRPr lang="en-US" sz="2000">
+              <a:solidFill>
+                <a:srgbClr val="0070C0"/>
+              </a:solidFill>
+              <a:latin typeface="Roboto" panose="02000000000000000000"/>
+              <a:ea typeface="Roboto" panose="02000000000000000000"/>
+              <a:cs typeface="Roboto" panose="02000000000000000000"/>
+              <a:sym typeface="Roboto" panose="02000000000000000000"/>
+            </a:endParaRPr>
           </a:p>
         </p:txBody>
       </p:sp>
@@ -11552,34 +11816,43 @@
           <a:p>
             <a:pPr algn="l">
               <a:lnSpc>
-                <a:spcPts val="2399"/>
+                <a:spcPts val="2400"/>
               </a:lnSpc>
             </a:pPr>
             <a:r>
-              <a:rPr lang="en-US" sz="1999">
+              <a:rPr lang="en-US" sz="2000">
                 <a:solidFill>
                   <a:srgbClr val="3F3F3F"/>
                 </a:solidFill>
-                <a:latin typeface="Roboto"/>
-                <a:ea typeface="Roboto"/>
-                <a:cs typeface="Roboto"/>
-                <a:sym typeface="Roboto"/>
+                <a:latin typeface="Roboto" panose="02000000000000000000"/>
+                <a:ea typeface="Roboto" panose="02000000000000000000"/>
+                <a:cs typeface="Roboto" panose="02000000000000000000"/>
+                <a:sym typeface="Roboto" panose="02000000000000000000"/>
               </a:rPr>
               <a:t>You don't need to log into a Nomad server to interact with Nomad. You can easily interact with Nomad clusters deployed in your datacenter by using the Nomad CLI on your own laptop/desktop.</a:t>
             </a:r>
+            <a:endParaRPr lang="en-US" sz="2000">
+              <a:solidFill>
+                <a:srgbClr val="3F3F3F"/>
+              </a:solidFill>
+              <a:latin typeface="Roboto" panose="02000000000000000000"/>
+              <a:ea typeface="Roboto" panose="02000000000000000000"/>
+              <a:cs typeface="Roboto" panose="02000000000000000000"/>
+              <a:sym typeface="Roboto" panose="02000000000000000000"/>
+            </a:endParaRPr>
           </a:p>
         </p:txBody>
       </p:sp>
       <p:sp>
         <p:nvSpPr>
-          <p:cNvPr id="18" name="TextBox 18"/>
+          <p:cNvPr id="21" name="TextBox 21"/>
           <p:cNvSpPr txBox="1"/>
           <p:nvPr/>
         </p:nvSpPr>
         <p:spPr>
           <a:xfrm>
-            <a:off x="2846461" y="1786195"/>
-            <a:ext cx="90678" cy="328117"/>
+            <a:off x="3546929" y="6125461"/>
+            <a:ext cx="4507992" cy="338633"/>
           </a:xfrm>
           <a:prstGeom prst="rect">
             <a:avLst/>
@@ -11593,34 +11866,43 @@
           <a:p>
             <a:pPr algn="l">
               <a:lnSpc>
-                <a:spcPts val="2799"/>
+                <a:spcPts val="2800"/>
               </a:lnSpc>
             </a:pPr>
             <a:r>
-              <a:rPr lang="en-US" sz="1999" spc="-15">
+              <a:rPr lang="en-US" sz="2000" dirty="0">
                 <a:solidFill>
                   <a:srgbClr val="3F3F3F"/>
                 </a:solidFill>
-                <a:latin typeface="IBM Plex Sans Condensed"/>
-                <a:ea typeface="IBM Plex Sans Condensed"/>
-                <a:cs typeface="IBM Plex Sans Condensed"/>
-                <a:sym typeface="IBM Plex Sans Condensed"/>
+                <a:latin typeface="Courier New OS" panose="02070309020205020404"/>
+                <a:ea typeface="Courier New OS" panose="02070309020205020404"/>
+                <a:cs typeface="Courier New OS" panose="02070309020205020404"/>
+                <a:sym typeface="Courier New OS" panose="02070309020205020404"/>
               </a:rPr>
-              <a:t>•</a:t>
-            </a:r>
+              <a:t>$ nomad –autocomplete-install</a:t>
+            </a:r>
+            <a:endParaRPr lang="en-US" sz="2000" dirty="0">
+              <a:solidFill>
+                <a:srgbClr val="3F3F3F"/>
+              </a:solidFill>
+              <a:latin typeface="Courier New OS" panose="02070309020205020404"/>
+              <a:ea typeface="Courier New OS" panose="02070309020205020404"/>
+              <a:cs typeface="Courier New OS" panose="02070309020205020404"/>
+              <a:sym typeface="Courier New OS" panose="02070309020205020404"/>
+            </a:endParaRPr>
           </a:p>
         </p:txBody>
       </p:sp>
       <p:sp>
         <p:nvSpPr>
-          <p:cNvPr id="19" name="TextBox 19"/>
+          <p:cNvPr id="22" name="TextBox 22"/>
           <p:cNvSpPr txBox="1"/>
           <p:nvPr/>
         </p:nvSpPr>
         <p:spPr>
           <a:xfrm>
-            <a:off x="2846461" y="3343723"/>
-            <a:ext cx="90678" cy="328117"/>
+            <a:off x="8977093" y="5602386"/>
+            <a:ext cx="750951" cy="210388"/>
           </a:xfrm>
           <a:prstGeom prst="rect">
             <a:avLst/>
@@ -11634,34 +11916,43 @@
           <a:p>
             <a:pPr algn="l">
               <a:lnSpc>
-                <a:spcPts val="2799"/>
+                <a:spcPts val="1680"/>
               </a:lnSpc>
             </a:pPr>
             <a:r>
-              <a:rPr lang="en-US" sz="1999" spc="-15">
+              <a:rPr lang="en-US" sz="1200">
                 <a:solidFill>
-                  <a:srgbClr val="3F3F3F"/>
+                  <a:srgbClr val="FFFFFF"/>
                 </a:solidFill>
-                <a:latin typeface="IBM Plex Sans Condensed"/>
-                <a:ea typeface="IBM Plex Sans Condensed"/>
-                <a:cs typeface="IBM Plex Sans Condensed"/>
-                <a:sym typeface="IBM Plex Sans Condensed"/>
+                <a:latin typeface="Roboto" panose="02000000000000000000"/>
+                <a:ea typeface="Roboto" panose="02000000000000000000"/>
+                <a:cs typeface="Roboto" panose="02000000000000000000"/>
+                <a:sym typeface="Roboto" panose="02000000000000000000"/>
               </a:rPr>
-              <a:t>•</a:t>
-            </a:r>
+              <a:t>TERMINAL</a:t>
+            </a:r>
+            <a:endParaRPr lang="en-US" sz="1200">
+              <a:solidFill>
+                <a:srgbClr val="FFFFFF"/>
+              </a:solidFill>
+              <a:latin typeface="Roboto" panose="02000000000000000000"/>
+              <a:ea typeface="Roboto" panose="02000000000000000000"/>
+              <a:cs typeface="Roboto" panose="02000000000000000000"/>
+              <a:sym typeface="Roboto" panose="02000000000000000000"/>
+            </a:endParaRPr>
           </a:p>
         </p:txBody>
       </p:sp>
       <p:sp>
         <p:nvSpPr>
-          <p:cNvPr id="20" name="TextBox 20"/>
+          <p:cNvPr id="23" name="TextBox 23"/>
           <p:cNvSpPr txBox="1"/>
           <p:nvPr/>
         </p:nvSpPr>
         <p:spPr>
-          <a:xfrm>
-            <a:off x="2846461" y="4867723"/>
-            <a:ext cx="90678" cy="328117"/>
+          <a:xfrm rot="5400000">
+            <a:off x="9470196" y="3086674"/>
+            <a:ext cx="5230178" cy="283210"/>
           </a:xfrm>
           <a:prstGeom prst="rect">
             <a:avLst/>
@@ -11675,133 +11966,9 @@
           <a:p>
             <a:pPr algn="l">
               <a:lnSpc>
-                <a:spcPts val="2799"/>
+                <a:spcPts val="2240"/>
               </a:lnSpc>
             </a:pPr>
-            <a:r>
-              <a:rPr lang="en-US" sz="1999" spc="-15">
-                <a:solidFill>
-                  <a:srgbClr val="3F3F3F"/>
-                </a:solidFill>
-                <a:latin typeface="IBM Plex Sans Condensed"/>
-                <a:ea typeface="IBM Plex Sans Condensed"/>
-                <a:cs typeface="IBM Plex Sans Condensed"/>
-                <a:sym typeface="IBM Plex Sans Condensed"/>
-              </a:rPr>
-              <a:t>•</a:t>
-            </a:r>
-          </a:p>
-        </p:txBody>
-      </p:sp>
-      <p:sp>
-        <p:nvSpPr>
-          <p:cNvPr id="21" name="TextBox 21"/>
-          <p:cNvSpPr txBox="1"/>
-          <p:nvPr/>
-        </p:nvSpPr>
-        <p:spPr>
-          <a:xfrm>
-            <a:off x="3546929" y="6125461"/>
-            <a:ext cx="4507992" cy="338633"/>
-          </a:xfrm>
-          <a:prstGeom prst="rect">
-            <a:avLst/>
-          </a:prstGeom>
-        </p:spPr>
-        <p:txBody>
-          <a:bodyPr lIns="0" tIns="0" rIns="0" bIns="0" rtlCol="0" anchor="t">
-            <a:spAutoFit/>
-          </a:bodyPr>
-          <a:lstStyle/>
-          <a:p>
-            <a:pPr algn="l">
-              <a:lnSpc>
-                <a:spcPts val="2799"/>
-              </a:lnSpc>
-            </a:pPr>
-            <a:r>
-              <a:rPr lang="en-US" sz="1999" dirty="0">
-                <a:solidFill>
-                  <a:srgbClr val="3F3F3F"/>
-                </a:solidFill>
-                <a:latin typeface="Courier New OS"/>
-                <a:ea typeface="Courier New OS"/>
-                <a:cs typeface="Courier New OS"/>
-                <a:sym typeface="Courier New OS"/>
-              </a:rPr>
-              <a:t>$ nomad –autocomplete-install</a:t>
-            </a:r>
-          </a:p>
-        </p:txBody>
-      </p:sp>
-      <p:sp>
-        <p:nvSpPr>
-          <p:cNvPr id="22" name="TextBox 22"/>
-          <p:cNvSpPr txBox="1"/>
-          <p:nvPr/>
-        </p:nvSpPr>
-        <p:spPr>
-          <a:xfrm>
-            <a:off x="8977093" y="5602386"/>
-            <a:ext cx="750951" cy="210388"/>
-          </a:xfrm>
-          <a:prstGeom prst="rect">
-            <a:avLst/>
-          </a:prstGeom>
-        </p:spPr>
-        <p:txBody>
-          <a:bodyPr lIns="0" tIns="0" rIns="0" bIns="0" rtlCol="0" anchor="t">
-            <a:spAutoFit/>
-          </a:bodyPr>
-          <a:lstStyle/>
-          <a:p>
-            <a:pPr algn="l">
-              <a:lnSpc>
-                <a:spcPts val="1679"/>
-              </a:lnSpc>
-            </a:pPr>
-            <a:r>
-              <a:rPr lang="en-US" sz="1200">
-                <a:solidFill>
-                  <a:srgbClr val="FFFFFF"/>
-                </a:solidFill>
-                <a:latin typeface="Roboto"/>
-                <a:ea typeface="Roboto"/>
-                <a:cs typeface="Roboto"/>
-                <a:sym typeface="Roboto"/>
-              </a:rPr>
-              <a:t>TERMINAL</a:t>
-            </a:r>
-          </a:p>
-        </p:txBody>
-      </p:sp>
-      <p:sp>
-        <p:nvSpPr>
-          <p:cNvPr id="23" name="TextBox 23"/>
-          <p:cNvSpPr txBox="1"/>
-          <p:nvPr/>
-        </p:nvSpPr>
-        <p:spPr>
-          <a:xfrm rot="5400000">
-            <a:off x="9470196" y="3086674"/>
-            <a:ext cx="5230178" cy="283210"/>
-          </a:xfrm>
-          <a:prstGeom prst="rect">
-            <a:avLst/>
-          </a:prstGeom>
-        </p:spPr>
-        <p:txBody>
-          <a:bodyPr lIns="0" tIns="0" rIns="0" bIns="0" rtlCol="0" anchor="t">
-            <a:spAutoFit/>
-          </a:bodyPr>
-          <a:lstStyle/>
-          <a:p>
-            <a:pPr algn="l">
-              <a:lnSpc>
-                <a:spcPts val="2239"/>
-              </a:lnSpc>
-            </a:pPr>
-            <a:endParaRPr/>
           </a:p>
         </p:txBody>
       </p:sp>
@@ -11869,7 +12036,7 @@
             </a:pathLst>
           </a:custGeom>
           <a:blipFill>
-            <a:blip r:embed="rId2"/>
+            <a:blip r:embed="rId1"/>
             <a:stretch>
               <a:fillRect b="-2479"/>
             </a:stretch>
@@ -11915,7 +12082,7 @@
             </a:pathLst>
           </a:custGeom>
           <a:blipFill>
-            <a:blip r:embed="rId3"/>
+            <a:blip r:embed="rId2"/>
             <a:stretch>
               <a:fillRect l="-29154" t="-12440" r="-31171" b="-69738"/>
             </a:stretch>
@@ -12075,7 +12242,7 @@
             </a:pathLst>
           </a:custGeom>
           <a:blipFill>
-            <a:blip r:embed="rId4"/>
+            <a:blip r:embed="rId3"/>
             <a:stretch>
               <a:fillRect l="-29103" t="-12862" r="-29998" b="-69323"/>
             </a:stretch>
@@ -12670,7 +12837,7 @@
             </a:pathLst>
           </a:custGeom>
           <a:blipFill>
-            <a:blip r:embed="rId5"/>
+            <a:blip r:embed="rId4"/>
             <a:stretch>
               <a:fillRect l="-77699" t="-8980" r="-78542" b="-8901"/>
             </a:stretch>
@@ -12716,7 +12883,7 @@
             </a:pathLst>
           </a:custGeom>
           <a:blipFill>
-            <a:blip r:embed="rId6"/>
+            <a:blip r:embed="rId5"/>
             <a:stretch>
               <a:fillRect/>
             </a:stretch>
@@ -12762,7 +12929,7 @@
             </a:pathLst>
           </a:custGeom>
           <a:blipFill>
-            <a:blip r:embed="rId7"/>
+            <a:blip r:embed="rId6"/>
             <a:stretch>
               <a:fillRect/>
             </a:stretch>
@@ -12796,7 +12963,7 @@
               </a:lnSpc>
             </a:pPr>
             <a:r>
-              <a:rPr lang="en-US" sz="3199" b="1">
+              <a:rPr lang="en-US" sz="3200" b="1">
                 <a:solidFill>
                   <a:srgbClr val="3F3F3F"/>
                 </a:solidFill>
@@ -12807,25 +12974,43 @@
               </a:rPr>
               <a:t>Remotely Connect to Nomad</a:t>
             </a:r>
+            <a:endParaRPr lang="en-US" sz="3200" b="1">
+              <a:solidFill>
+                <a:srgbClr val="3F3F3F"/>
+              </a:solidFill>
+              <a:latin typeface="Raleway Heavy"/>
+              <a:ea typeface="Raleway Heavy"/>
+              <a:cs typeface="Raleway Heavy"/>
+              <a:sym typeface="Raleway Heavy"/>
+            </a:endParaRPr>
           </a:p>
           <a:p>
             <a:pPr algn="l">
               <a:lnSpc>
-                <a:spcPts val="3499"/>
+                <a:spcPts val="3500"/>
               </a:lnSpc>
             </a:pPr>
             <a:r>
-              <a:rPr lang="en-US" sz="1399" spc="1">
+              <a:rPr lang="en-US" sz="1400" spc="1">
                 <a:solidFill>
                   <a:srgbClr val="7F7F7F"/>
                 </a:solidFill>
-                <a:latin typeface="Roboto"/>
-                <a:ea typeface="Roboto"/>
-                <a:cs typeface="Roboto"/>
-                <a:sym typeface="Roboto"/>
+                <a:latin typeface="Roboto" panose="02000000000000000000"/>
+                <a:ea typeface="Roboto" panose="02000000000000000000"/>
+                <a:cs typeface="Roboto" panose="02000000000000000000"/>
+                <a:sym typeface="Roboto" panose="02000000000000000000"/>
               </a:rPr>
               <a:t>Use your local machine to interact with Nomad</a:t>
             </a:r>
+            <a:endParaRPr lang="en-US" sz="1400" spc="1">
+              <a:solidFill>
+                <a:srgbClr val="7F7F7F"/>
+              </a:solidFill>
+              <a:latin typeface="Roboto" panose="02000000000000000000"/>
+              <a:ea typeface="Roboto" panose="02000000000000000000"/>
+              <a:cs typeface="Roboto" panose="02000000000000000000"/>
+              <a:sym typeface="Roboto" panose="02000000000000000000"/>
+            </a:endParaRPr>
           </a:p>
         </p:txBody>
       </p:sp>
@@ -12860,13 +13045,22 @@
                 <a:solidFill>
                   <a:srgbClr val="3F3F3F"/>
                 </a:solidFill>
-                <a:latin typeface="IBM Plex Sans Condensed"/>
-                <a:ea typeface="IBM Plex Sans Condensed"/>
-                <a:cs typeface="IBM Plex Sans Condensed"/>
-                <a:sym typeface="IBM Plex Sans Condensed"/>
+                <a:latin typeface="IBM Plex Sans Condensed" panose="020B0506050203000203"/>
+                <a:ea typeface="IBM Plex Sans Condensed" panose="020B0506050203000203"/>
+                <a:cs typeface="IBM Plex Sans Condensed" panose="020B0506050203000203"/>
+                <a:sym typeface="IBM Plex Sans Condensed" panose="020B0506050203000203"/>
               </a:rPr>
               <a:t>•</a:t>
             </a:r>
+            <a:endParaRPr lang="en-US" sz="1800" spc="-14">
+              <a:solidFill>
+                <a:srgbClr val="3F3F3F"/>
+              </a:solidFill>
+              <a:latin typeface="IBM Plex Sans Condensed" panose="020B0506050203000203"/>
+              <a:ea typeface="IBM Plex Sans Condensed" panose="020B0506050203000203"/>
+              <a:cs typeface="IBM Plex Sans Condensed" panose="020B0506050203000203"/>
+              <a:sym typeface="IBM Plex Sans Condensed" panose="020B0506050203000203"/>
+            </a:endParaRPr>
           </a:p>
         </p:txBody>
       </p:sp>
@@ -12901,13 +13095,22 @@
                 <a:solidFill>
                   <a:srgbClr val="3F3F3F"/>
                 </a:solidFill>
-                <a:latin typeface="IBM Plex Sans Condensed"/>
-                <a:ea typeface="IBM Plex Sans Condensed"/>
-                <a:cs typeface="IBM Plex Sans Condensed"/>
-                <a:sym typeface="IBM Plex Sans Condensed"/>
+                <a:latin typeface="IBM Plex Sans Condensed" panose="020B0506050203000203"/>
+                <a:ea typeface="IBM Plex Sans Condensed" panose="020B0506050203000203"/>
+                <a:cs typeface="IBM Plex Sans Condensed" panose="020B0506050203000203"/>
+                <a:sym typeface="IBM Plex Sans Condensed" panose="020B0506050203000203"/>
               </a:rPr>
               <a:t>•</a:t>
             </a:r>
+            <a:endParaRPr lang="en-US" sz="1800" spc="-14">
+              <a:solidFill>
+                <a:srgbClr val="3F3F3F"/>
+              </a:solidFill>
+              <a:latin typeface="IBM Plex Sans Condensed" panose="020B0506050203000203"/>
+              <a:ea typeface="IBM Plex Sans Condensed" panose="020B0506050203000203"/>
+              <a:cs typeface="IBM Plex Sans Condensed" panose="020B0506050203000203"/>
+              <a:sym typeface="IBM Plex Sans Condensed" panose="020B0506050203000203"/>
+            </a:endParaRPr>
           </a:p>
         </p:txBody>
       </p:sp>
@@ -12942,13 +13145,22 @@
                 <a:solidFill>
                   <a:srgbClr val="3F3F3F"/>
                 </a:solidFill>
-                <a:latin typeface="IBM Plex Sans Condensed"/>
-                <a:ea typeface="IBM Plex Sans Condensed"/>
-                <a:cs typeface="IBM Plex Sans Condensed"/>
-                <a:sym typeface="IBM Plex Sans Condensed"/>
+                <a:latin typeface="IBM Plex Sans Condensed" panose="020B0506050203000203"/>
+                <a:ea typeface="IBM Plex Sans Condensed" panose="020B0506050203000203"/>
+                <a:cs typeface="IBM Plex Sans Condensed" panose="020B0506050203000203"/>
+                <a:sym typeface="IBM Plex Sans Condensed" panose="020B0506050203000203"/>
               </a:rPr>
               <a:t>•</a:t>
             </a:r>
+            <a:endParaRPr lang="en-US" sz="1800" spc="-14">
+              <a:solidFill>
+                <a:srgbClr val="3F3F3F"/>
+              </a:solidFill>
+              <a:latin typeface="IBM Plex Sans Condensed" panose="020B0506050203000203"/>
+              <a:ea typeface="IBM Plex Sans Condensed" panose="020B0506050203000203"/>
+              <a:cs typeface="IBM Plex Sans Condensed" panose="020B0506050203000203"/>
+              <a:sym typeface="IBM Plex Sans Condensed" panose="020B0506050203000203"/>
+            </a:endParaRPr>
           </a:p>
         </p:txBody>
       </p:sp>
@@ -12960,8 +13172,82 @@
         </p:nvSpPr>
         <p:spPr>
           <a:xfrm>
-            <a:off x="2228345" y="5132889"/>
-            <a:ext cx="3061783" cy="320335"/>
+            <a:off x="2228215" y="5132705"/>
+            <a:ext cx="8543925" cy="322580"/>
+          </a:xfrm>
+          <a:prstGeom prst="rect">
+            <a:avLst/>
+          </a:prstGeom>
+        </p:spPr>
+        <p:txBody>
+          <a:bodyPr wrap="square" lIns="0" tIns="0" rIns="0" bIns="0" rtlCol="0" anchor="t">
+            <a:spAutoFit/>
+          </a:bodyPr>
+          <a:lstStyle/>
+          <a:p>
+            <a:pPr algn="l">
+              <a:lnSpc>
+                <a:spcPts val="2520"/>
+              </a:lnSpc>
+            </a:pPr>
+            <a:r>
+              <a:rPr lang="en-US" sz="1800">
+                <a:solidFill>
+                  <a:srgbClr val="3F3F3F"/>
+                </a:solidFill>
+                <a:latin typeface="Roboto" panose="02000000000000000000"/>
+                <a:ea typeface="Roboto" panose="02000000000000000000"/>
+                <a:cs typeface="Roboto" panose="02000000000000000000"/>
+                <a:sym typeface="Roboto" panose="02000000000000000000"/>
+              </a:rPr>
+              <a:t>Alternatively, you can use the </a:t>
+            </a:r>
+            <a:r>
+              <a:rPr lang="en-US" b="1">
+                <a:solidFill>
+                  <a:srgbClr val="00CA8E"/>
+                </a:solidFill>
+                <a:latin typeface="Courier New OS Bold" panose="02070609020205020404"/>
+                <a:ea typeface="Courier New OS Bold" panose="02070609020205020404"/>
+                <a:cs typeface="Courier New OS Bold" panose="02070609020205020404"/>
+                <a:sym typeface="Courier New OS Bold" panose="02070609020205020404"/>
+              </a:rPr>
+              <a:t>–address </a:t>
+            </a:r>
+            <a:r>
+              <a:rPr lang="en-US">
+                <a:solidFill>
+                  <a:srgbClr val="3F3F3F"/>
+                </a:solidFill>
+                <a:latin typeface="Roboto" panose="02000000000000000000"/>
+                <a:ea typeface="Roboto" panose="02000000000000000000"/>
+                <a:cs typeface="Roboto" panose="02000000000000000000"/>
+                <a:sym typeface="Roboto" panose="02000000000000000000"/>
+              </a:rPr>
+              <a:t>flag when running commands</a:t>
+            </a:r>
+            <a:endParaRPr lang="en-US" sz="1800">
+              <a:solidFill>
+                <a:srgbClr val="3F3F3F"/>
+              </a:solidFill>
+              <a:latin typeface="Roboto" panose="02000000000000000000"/>
+              <a:ea typeface="Roboto" panose="02000000000000000000"/>
+              <a:cs typeface="Roboto" panose="02000000000000000000"/>
+              <a:sym typeface="Roboto" panose="02000000000000000000"/>
+            </a:endParaRPr>
+          </a:p>
+        </p:txBody>
+      </p:sp>
+      <p:sp>
+        <p:nvSpPr>
+          <p:cNvPr id="31" name="TextBox 31"/>
+          <p:cNvSpPr txBox="1"/>
+          <p:nvPr/>
+        </p:nvSpPr>
+        <p:spPr>
+          <a:xfrm>
+            <a:off x="2232174" y="2131752"/>
+            <a:ext cx="9300991" cy="1720850"/>
           </a:xfrm>
           <a:prstGeom prst="rect">
             <a:avLst/>
@@ -12975,7 +13261,7 @@
           <a:p>
             <a:pPr algn="l">
               <a:lnSpc>
-                <a:spcPts val="2520"/>
+                <a:spcPts val="2210"/>
               </a:lnSpc>
             </a:pPr>
             <a:r>
@@ -12983,26 +13269,103 @@
                 <a:solidFill>
                   <a:srgbClr val="3F3F3F"/>
                 </a:solidFill>
-                <a:latin typeface="Roboto"/>
-                <a:ea typeface="Roboto"/>
-                <a:cs typeface="Roboto"/>
-                <a:sym typeface="Roboto"/>
+                <a:latin typeface="Roboto" panose="02000000000000000000"/>
+                <a:ea typeface="Roboto" panose="02000000000000000000"/>
+                <a:cs typeface="Roboto" panose="02000000000000000000"/>
+                <a:sym typeface="Roboto" panose="02000000000000000000"/>
               </a:rPr>
-              <a:t>Alternatively, you can use the </a:t>
-            </a:r>
+              <a:t>Your machine doesn't need to have Nomad running to interact with a Nomad cluster….you just need the Nomad CLI (binary) installed</a:t>
+            </a:r>
+            <a:endParaRPr lang="en-US" sz="1800">
+              <a:solidFill>
+                <a:srgbClr val="3F3F3F"/>
+              </a:solidFill>
+              <a:latin typeface="Roboto" panose="02000000000000000000"/>
+              <a:ea typeface="Roboto" panose="02000000000000000000"/>
+              <a:cs typeface="Roboto" panose="02000000000000000000"/>
+              <a:sym typeface="Roboto" panose="02000000000000000000"/>
+            </a:endParaRPr>
+          </a:p>
+          <a:p>
+            <a:pPr algn="l">
+              <a:lnSpc>
+                <a:spcPts val="4500"/>
+              </a:lnSpc>
+            </a:pPr>
+            <a:r>
+              <a:rPr lang="en-US" sz="1800">
+                <a:solidFill>
+                  <a:srgbClr val="3F3F3F"/>
+                </a:solidFill>
+                <a:latin typeface="Roboto" panose="02000000000000000000"/>
+                <a:ea typeface="Roboto" panose="02000000000000000000"/>
+                <a:cs typeface="Roboto" panose="02000000000000000000"/>
+                <a:sym typeface="Roboto" panose="02000000000000000000"/>
+              </a:rPr>
+              <a:t>To interact with a remote Nomad host, set the environment variable </a:t>
+            </a:r>
+            <a:r>
+              <a:rPr lang="en-US" b="1">
+                <a:solidFill>
+                  <a:srgbClr val="00CA8E"/>
+                </a:solidFill>
+                <a:latin typeface="Courier New OS Bold" panose="02070609020205020404"/>
+                <a:ea typeface="Courier New OS Bold" panose="02070609020205020404"/>
+                <a:cs typeface="Courier New OS Bold" panose="02070609020205020404"/>
+                <a:sym typeface="Courier New OS Bold" panose="02070609020205020404"/>
+              </a:rPr>
+              <a:t>NOMAD_ADDR</a:t>
+            </a:r>
+            <a:endParaRPr lang="en-US" b="1">
+              <a:solidFill>
+                <a:srgbClr val="00CA8E"/>
+              </a:solidFill>
+              <a:latin typeface="Courier New OS Bold" panose="02070609020205020404"/>
+              <a:ea typeface="Courier New OS Bold" panose="02070609020205020404"/>
+              <a:cs typeface="Courier New OS Bold" panose="02070609020205020404"/>
+              <a:sym typeface="Courier New OS Bold" panose="02070609020205020404"/>
+            </a:endParaRPr>
+          </a:p>
+          <a:p>
+            <a:pPr algn="l">
+              <a:lnSpc>
+                <a:spcPts val="4500"/>
+              </a:lnSpc>
+            </a:pPr>
+            <a:r>
+              <a:rPr lang="en-US" sz="1800">
+                <a:solidFill>
+                  <a:srgbClr val="3F3F3F"/>
+                </a:solidFill>
+                <a:latin typeface="Roboto" panose="02000000000000000000"/>
+                <a:ea typeface="Roboto" panose="02000000000000000000"/>
+                <a:cs typeface="Roboto" panose="02000000000000000000"/>
+                <a:sym typeface="Roboto" panose="02000000000000000000"/>
+              </a:rPr>
+              <a:t> </a:t>
+            </a:r>
+            <a:endParaRPr lang="en-US" sz="1800">
+              <a:solidFill>
+                <a:srgbClr val="3F3F3F"/>
+              </a:solidFill>
+              <a:latin typeface="Roboto" panose="02000000000000000000"/>
+              <a:ea typeface="Roboto" panose="02000000000000000000"/>
+              <a:cs typeface="Roboto" panose="02000000000000000000"/>
+              <a:sym typeface="Roboto" panose="02000000000000000000"/>
+            </a:endParaRPr>
           </a:p>
         </p:txBody>
       </p:sp>
       <p:sp>
         <p:nvSpPr>
-          <p:cNvPr id="30" name="TextBox 30"/>
+          <p:cNvPr id="34" name="TextBox 34"/>
           <p:cNvSpPr txBox="1"/>
           <p:nvPr/>
         </p:nvSpPr>
         <p:spPr>
           <a:xfrm>
-            <a:off x="6601901" y="5132889"/>
-            <a:ext cx="3135973" cy="320335"/>
+            <a:off x="2604564" y="3674440"/>
+            <a:ext cx="6963175" cy="318106"/>
           </a:xfrm>
           <a:prstGeom prst="rect">
             <a:avLst/>
@@ -13024,26 +13387,35 @@
                 <a:solidFill>
                   <a:srgbClr val="3F3F3F"/>
                 </a:solidFill>
-                <a:latin typeface="Roboto"/>
-                <a:ea typeface="Roboto"/>
-                <a:cs typeface="Roboto"/>
-                <a:sym typeface="Roboto"/>
+                <a:latin typeface="Courier New OS" panose="02070309020205020404"/>
+                <a:ea typeface="Courier New OS" panose="02070309020205020404"/>
+                <a:cs typeface="Courier New OS" panose="02070309020205020404"/>
+                <a:sym typeface="Courier New OS" panose="02070309020205020404"/>
               </a:rPr>
-              <a:t>flag when running commands </a:t>
-            </a:r>
+              <a:t>$ export NOMAD_ADDR=https://nomad.example.com:4646</a:t>
+            </a:r>
+            <a:endParaRPr lang="en-US" sz="1800">
+              <a:solidFill>
+                <a:srgbClr val="3F3F3F"/>
+              </a:solidFill>
+              <a:latin typeface="Courier New OS" panose="02070309020205020404"/>
+              <a:ea typeface="Courier New OS" panose="02070309020205020404"/>
+              <a:cs typeface="Courier New OS" panose="02070309020205020404"/>
+              <a:sym typeface="Courier New OS" panose="02070309020205020404"/>
+            </a:endParaRPr>
           </a:p>
         </p:txBody>
       </p:sp>
       <p:sp>
         <p:nvSpPr>
-          <p:cNvPr id="31" name="TextBox 31"/>
+          <p:cNvPr id="35" name="TextBox 35"/>
           <p:cNvSpPr txBox="1"/>
           <p:nvPr/>
         </p:nvSpPr>
         <p:spPr>
           <a:xfrm>
-            <a:off x="2232174" y="2131752"/>
-            <a:ext cx="9300991" cy="1117768"/>
+            <a:off x="2604564" y="4354144"/>
+            <a:ext cx="7520273" cy="318106"/>
           </a:xfrm>
           <a:prstGeom prst="rect">
             <a:avLst/>
@@ -13057,7 +13429,7 @@
           <a:p>
             <a:pPr algn="l">
               <a:lnSpc>
-                <a:spcPts val="2208"/>
+                <a:spcPts val="2520"/>
               </a:lnSpc>
             </a:pPr>
             <a:r>
@@ -13065,45 +13437,35 @@
                 <a:solidFill>
                   <a:srgbClr val="3F3F3F"/>
                 </a:solidFill>
-                <a:latin typeface="Roboto"/>
-                <a:ea typeface="Roboto"/>
-                <a:cs typeface="Roboto"/>
-                <a:sym typeface="Roboto"/>
+                <a:latin typeface="Courier New OS" panose="02070309020205020404"/>
+                <a:ea typeface="Courier New OS" panose="02070309020205020404"/>
+                <a:cs typeface="Courier New OS" panose="02070309020205020404"/>
+                <a:sym typeface="Courier New OS" panose="02070309020205020404"/>
               </a:rPr>
-              <a:t>Your machine doesn't need to have Nomad running to interact with a Nomad cluster….you just need the Nomad CLI (binary) installed</a:t>
-            </a:r>
-          </a:p>
-          <a:p>
-            <a:pPr algn="l">
-              <a:lnSpc>
-                <a:spcPts val="4500"/>
-              </a:lnSpc>
-            </a:pPr>
-            <a:r>
-              <a:rPr lang="en-US" sz="1800">
-                <a:solidFill>
-                  <a:srgbClr val="3F3F3F"/>
-                </a:solidFill>
-                <a:latin typeface="Roboto"/>
-                <a:ea typeface="Roboto"/>
-                <a:cs typeface="Roboto"/>
-                <a:sym typeface="Roboto"/>
-              </a:rPr>
-              <a:t>To interact with a remote Nomad host, set the environment variable </a:t>
-            </a:r>
+              <a:t>PS&gt; $env:NOMAD_ADDR= "https://nomad.example.com:4646"</a:t>
+            </a:r>
+            <a:endParaRPr lang="en-US" sz="1800">
+              <a:solidFill>
+                <a:srgbClr val="3F3F3F"/>
+              </a:solidFill>
+              <a:latin typeface="Courier New OS" panose="02070309020205020404"/>
+              <a:ea typeface="Courier New OS" panose="02070309020205020404"/>
+              <a:cs typeface="Courier New OS" panose="02070309020205020404"/>
+              <a:sym typeface="Courier New OS" panose="02070309020205020404"/>
+            </a:endParaRPr>
           </a:p>
         </p:txBody>
       </p:sp>
       <p:sp>
         <p:nvSpPr>
-          <p:cNvPr id="32" name="TextBox 32"/>
+          <p:cNvPr id="36" name="TextBox 36"/>
           <p:cNvSpPr txBox="1"/>
           <p:nvPr/>
         </p:nvSpPr>
         <p:spPr>
           <a:xfrm>
-            <a:off x="9115577" y="3204715"/>
-            <a:ext cx="1554480" cy="167183"/>
+            <a:off x="2317528" y="5856808"/>
+            <a:ext cx="8634298" cy="318106"/>
           </a:xfrm>
           <a:prstGeom prst="rect">
             <a:avLst/>
@@ -13117,34 +13479,43 @@
           <a:p>
             <a:pPr algn="l">
               <a:lnSpc>
-                <a:spcPts val="999"/>
+                <a:spcPts val="2520"/>
               </a:lnSpc>
             </a:pPr>
             <a:r>
-              <a:rPr lang="en-US" sz="1999" b="1">
+              <a:rPr lang="en-US" sz="1800">
                 <a:solidFill>
-                  <a:srgbClr val="00CA8E"/>
+                  <a:srgbClr val="3F3F3F"/>
                 </a:solidFill>
-                <a:latin typeface="Courier New OS Bold"/>
-                <a:ea typeface="Courier New OS Bold"/>
-                <a:cs typeface="Courier New OS Bold"/>
-                <a:sym typeface="Courier New OS Bold"/>
+                <a:latin typeface="Courier New OS" panose="02070309020205020404"/>
+                <a:ea typeface="Courier New OS" panose="02070309020205020404"/>
+                <a:cs typeface="Courier New OS" panose="02070309020205020404"/>
+                <a:sym typeface="Courier New OS" panose="02070309020205020404"/>
               </a:rPr>
-              <a:t>NOMAD_ADDR</a:t>
-            </a:r>
+              <a:t>$ nomad server members –address=https://nomad.example.com:4646</a:t>
+            </a:r>
+            <a:endParaRPr lang="en-US" sz="1800">
+              <a:solidFill>
+                <a:srgbClr val="3F3F3F"/>
+              </a:solidFill>
+              <a:latin typeface="Courier New OS" panose="02070309020205020404"/>
+              <a:ea typeface="Courier New OS" panose="02070309020205020404"/>
+              <a:cs typeface="Courier New OS" panose="02070309020205020404"/>
+              <a:sym typeface="Courier New OS" panose="02070309020205020404"/>
+            </a:endParaRPr>
           </a:p>
         </p:txBody>
       </p:sp>
       <p:sp>
         <p:nvSpPr>
-          <p:cNvPr id="33" name="TextBox 33"/>
+          <p:cNvPr id="37" name="TextBox 37"/>
           <p:cNvSpPr txBox="1"/>
           <p:nvPr/>
         </p:nvSpPr>
         <p:spPr>
           <a:xfrm>
-            <a:off x="5230301" y="5236969"/>
-            <a:ext cx="1399032" cy="338633"/>
+            <a:off x="5008493" y="6405715"/>
+            <a:ext cx="6387446" cy="290036"/>
           </a:xfrm>
           <a:prstGeom prst="rect">
             <a:avLst/>
@@ -13158,34 +13529,43 @@
           <a:p>
             <a:pPr algn="l">
               <a:lnSpc>
-                <a:spcPts val="2799"/>
+                <a:spcPts val="2240"/>
               </a:lnSpc>
             </a:pPr>
             <a:r>
-              <a:rPr lang="en-US" sz="1999" b="1">
+              <a:rPr lang="en-US" sz="1600" spc="1">
                 <a:solidFill>
                   <a:srgbClr val="00CA8E"/>
                 </a:solidFill>
-                <a:latin typeface="Courier New OS Bold"/>
-                <a:ea typeface="Courier New OS Bold"/>
-                <a:cs typeface="Courier New OS Bold"/>
-                <a:sym typeface="Courier New OS Bold"/>
+                <a:latin typeface="Roboto" panose="02000000000000000000"/>
+                <a:ea typeface="Roboto" panose="02000000000000000000"/>
+                <a:cs typeface="Roboto" panose="02000000000000000000"/>
+                <a:sym typeface="Roboto" panose="02000000000000000000"/>
               </a:rPr>
-              <a:t>–address </a:t>
-            </a:r>
+              <a:t>*Using a flag on the CLI takes precedence over environment variables</a:t>
+            </a:r>
+            <a:endParaRPr lang="en-US" sz="1600" spc="1">
+              <a:solidFill>
+                <a:srgbClr val="00CA8E"/>
+              </a:solidFill>
+              <a:latin typeface="Roboto" panose="02000000000000000000"/>
+              <a:ea typeface="Roboto" panose="02000000000000000000"/>
+              <a:cs typeface="Roboto" panose="02000000000000000000"/>
+              <a:sym typeface="Roboto" panose="02000000000000000000"/>
+            </a:endParaRPr>
           </a:p>
         </p:txBody>
       </p:sp>
       <p:sp>
         <p:nvSpPr>
-          <p:cNvPr id="34" name="TextBox 34"/>
+          <p:cNvPr id="38" name="TextBox 38"/>
           <p:cNvSpPr txBox="1"/>
           <p:nvPr/>
         </p:nvSpPr>
         <p:spPr>
-          <a:xfrm>
-            <a:off x="2604564" y="3674440"/>
-            <a:ext cx="6963175" cy="318106"/>
+          <a:xfrm rot="5400000">
+            <a:off x="9470196" y="3080578"/>
+            <a:ext cx="5230187" cy="283210"/>
           </a:xfrm>
           <a:prstGeom prst="rect">
             <a:avLst/>
@@ -13199,174 +13579,9 @@
           <a:p>
             <a:pPr algn="l">
               <a:lnSpc>
-                <a:spcPts val="2520"/>
+                <a:spcPts val="2240"/>
               </a:lnSpc>
             </a:pPr>
-            <a:r>
-              <a:rPr lang="en-US" sz="1800">
-                <a:solidFill>
-                  <a:srgbClr val="3F3F3F"/>
-                </a:solidFill>
-                <a:latin typeface="Courier New OS"/>
-                <a:ea typeface="Courier New OS"/>
-                <a:cs typeface="Courier New OS"/>
-                <a:sym typeface="Courier New OS"/>
-              </a:rPr>
-              <a:t>$ export NOMAD_ADDR=https://nomad.example.com:4646</a:t>
-            </a:r>
-          </a:p>
-        </p:txBody>
-      </p:sp>
-      <p:sp>
-        <p:nvSpPr>
-          <p:cNvPr id="35" name="TextBox 35"/>
-          <p:cNvSpPr txBox="1"/>
-          <p:nvPr/>
-        </p:nvSpPr>
-        <p:spPr>
-          <a:xfrm>
-            <a:off x="2604564" y="4354144"/>
-            <a:ext cx="7520273" cy="318106"/>
-          </a:xfrm>
-          <a:prstGeom prst="rect">
-            <a:avLst/>
-          </a:prstGeom>
-        </p:spPr>
-        <p:txBody>
-          <a:bodyPr lIns="0" tIns="0" rIns="0" bIns="0" rtlCol="0" anchor="t">
-            <a:spAutoFit/>
-          </a:bodyPr>
-          <a:lstStyle/>
-          <a:p>
-            <a:pPr algn="l">
-              <a:lnSpc>
-                <a:spcPts val="2520"/>
-              </a:lnSpc>
-            </a:pPr>
-            <a:r>
-              <a:rPr lang="en-US" sz="1800">
-                <a:solidFill>
-                  <a:srgbClr val="3F3F3F"/>
-                </a:solidFill>
-                <a:latin typeface="Courier New OS"/>
-                <a:ea typeface="Courier New OS"/>
-                <a:cs typeface="Courier New OS"/>
-                <a:sym typeface="Courier New OS"/>
-              </a:rPr>
-              <a:t>PS&gt; $env:NOMAD_ADDR= "https://nomad.example.com:4646"</a:t>
-            </a:r>
-          </a:p>
-        </p:txBody>
-      </p:sp>
-      <p:sp>
-        <p:nvSpPr>
-          <p:cNvPr id="36" name="TextBox 36"/>
-          <p:cNvSpPr txBox="1"/>
-          <p:nvPr/>
-        </p:nvSpPr>
-        <p:spPr>
-          <a:xfrm>
-            <a:off x="2317528" y="5856808"/>
-            <a:ext cx="8634298" cy="318106"/>
-          </a:xfrm>
-          <a:prstGeom prst="rect">
-            <a:avLst/>
-          </a:prstGeom>
-        </p:spPr>
-        <p:txBody>
-          <a:bodyPr lIns="0" tIns="0" rIns="0" bIns="0" rtlCol="0" anchor="t">
-            <a:spAutoFit/>
-          </a:bodyPr>
-          <a:lstStyle/>
-          <a:p>
-            <a:pPr algn="l">
-              <a:lnSpc>
-                <a:spcPts val="2520"/>
-              </a:lnSpc>
-            </a:pPr>
-            <a:r>
-              <a:rPr lang="en-US" sz="1800">
-                <a:solidFill>
-                  <a:srgbClr val="3F3F3F"/>
-                </a:solidFill>
-                <a:latin typeface="Courier New OS"/>
-                <a:ea typeface="Courier New OS"/>
-                <a:cs typeface="Courier New OS"/>
-                <a:sym typeface="Courier New OS"/>
-              </a:rPr>
-              <a:t>$ nomad server members –address=https://nomad.example.com:4646</a:t>
-            </a:r>
-          </a:p>
-        </p:txBody>
-      </p:sp>
-      <p:sp>
-        <p:nvSpPr>
-          <p:cNvPr id="37" name="TextBox 37"/>
-          <p:cNvSpPr txBox="1"/>
-          <p:nvPr/>
-        </p:nvSpPr>
-        <p:spPr>
-          <a:xfrm>
-            <a:off x="5008493" y="6405715"/>
-            <a:ext cx="6387446" cy="290036"/>
-          </a:xfrm>
-          <a:prstGeom prst="rect">
-            <a:avLst/>
-          </a:prstGeom>
-        </p:spPr>
-        <p:txBody>
-          <a:bodyPr lIns="0" tIns="0" rIns="0" bIns="0" rtlCol="0" anchor="t">
-            <a:spAutoFit/>
-          </a:bodyPr>
-          <a:lstStyle/>
-          <a:p>
-            <a:pPr algn="l">
-              <a:lnSpc>
-                <a:spcPts val="2239"/>
-              </a:lnSpc>
-            </a:pPr>
-            <a:r>
-              <a:rPr lang="en-US" sz="1599" spc="1">
-                <a:solidFill>
-                  <a:srgbClr val="00CA8E"/>
-                </a:solidFill>
-                <a:latin typeface="Roboto"/>
-                <a:ea typeface="Roboto"/>
-                <a:cs typeface="Roboto"/>
-                <a:sym typeface="Roboto"/>
-              </a:rPr>
-              <a:t>*Using a flag on the CLI takes precedence over environment variables</a:t>
-            </a:r>
-          </a:p>
-        </p:txBody>
-      </p:sp>
-      <p:sp>
-        <p:nvSpPr>
-          <p:cNvPr id="38" name="TextBox 38"/>
-          <p:cNvSpPr txBox="1"/>
-          <p:nvPr/>
-        </p:nvSpPr>
-        <p:spPr>
-          <a:xfrm rot="5400000">
-            <a:off x="9470196" y="3080578"/>
-            <a:ext cx="5230187" cy="283210"/>
-          </a:xfrm>
-          <a:prstGeom prst="rect">
-            <a:avLst/>
-          </a:prstGeom>
-        </p:spPr>
-        <p:txBody>
-          <a:bodyPr lIns="0" tIns="0" rIns="0" bIns="0" rtlCol="0" anchor="t">
-            <a:spAutoFit/>
-          </a:bodyPr>
-          <a:lstStyle/>
-          <a:p>
-            <a:pPr algn="l">
-              <a:lnSpc>
-                <a:spcPts val="2239"/>
-              </a:lnSpc>
-            </a:pPr>
-            <a:endParaRPr/>
           </a:p>
         </p:txBody>
       </p:sp>
@@ -13434,7 +13649,7 @@
             </a:pathLst>
           </a:custGeom>
           <a:blipFill>
-            <a:blip r:embed="rId2"/>
+            <a:blip r:embed="rId1"/>
             <a:stretch>
               <a:fillRect b="-2479"/>
             </a:stretch>
@@ -13480,7 +13695,7 @@
             </a:pathLst>
           </a:custGeom>
           <a:blipFill>
-            <a:blip r:embed="rId3"/>
+            <a:blip r:embed="rId2"/>
             <a:stretch>
               <a:fillRect l="-29154" t="-12440" r="-31171" b="-69738"/>
             </a:stretch>
@@ -13583,7 +13798,7 @@
             </a:pathLst>
           </a:custGeom>
           <a:blipFill>
-            <a:blip r:embed="rId2"/>
+            <a:blip r:embed="rId1"/>
             <a:stretch>
               <a:fillRect b="-2479"/>
             </a:stretch>
@@ -13629,7 +13844,7 @@
             </a:pathLst>
           </a:custGeom>
           <a:blipFill>
-            <a:blip r:embed="rId3"/>
+            <a:blip r:embed="rId2"/>
             <a:stretch>
               <a:fillRect l="-29154" t="-12440" r="-31171" b="-69738"/>
             </a:stretch>
@@ -13675,7 +13890,7 @@
             </a:pathLst>
           </a:custGeom>
           <a:blipFill>
-            <a:blip r:embed="rId4"/>
+            <a:blip r:embed="rId3"/>
             <a:stretch>
               <a:fillRect l="-29103" t="-12862" r="-29998" b="-69323"/>
             </a:stretch>
@@ -13972,25 +14187,43 @@
               </a:rPr>
               <a:t>Variables</a:t>
             </a:r>
+            <a:endParaRPr lang="en-US" sz="3600" b="1">
+              <a:solidFill>
+                <a:srgbClr val="3F3F3F"/>
+              </a:solidFill>
+              <a:latin typeface="Raleway Heavy"/>
+              <a:ea typeface="Raleway Heavy"/>
+              <a:cs typeface="Raleway Heavy"/>
+              <a:sym typeface="Raleway Heavy"/>
+            </a:endParaRPr>
           </a:p>
           <a:p>
             <a:pPr algn="l">
               <a:lnSpc>
-                <a:spcPts val="3499"/>
+                <a:spcPts val="3500"/>
               </a:lnSpc>
             </a:pPr>
             <a:r>
-              <a:rPr lang="en-US" sz="1399">
+              <a:rPr lang="en-US" sz="1400">
                 <a:solidFill>
                   <a:srgbClr val="00CA8E"/>
                 </a:solidFill>
-                <a:latin typeface="Roboto"/>
-                <a:ea typeface="Roboto"/>
-                <a:cs typeface="Roboto"/>
-                <a:sym typeface="Roboto"/>
+                <a:latin typeface="Roboto" panose="02000000000000000000"/>
+                <a:ea typeface="Roboto" panose="02000000000000000000"/>
+                <a:cs typeface="Roboto" panose="02000000000000000000"/>
+                <a:sym typeface="Roboto" panose="02000000000000000000"/>
               </a:rPr>
               <a:t>Most popular environment variables</a:t>
             </a:r>
+            <a:endParaRPr lang="en-US" sz="1400">
+              <a:solidFill>
+                <a:srgbClr val="00CA8E"/>
+              </a:solidFill>
+              <a:latin typeface="Roboto" panose="02000000000000000000"/>
+              <a:ea typeface="Roboto" panose="02000000000000000000"/>
+              <a:cs typeface="Roboto" panose="02000000000000000000"/>
+              <a:sym typeface="Roboto" panose="02000000000000000000"/>
+            </a:endParaRPr>
           </a:p>
         </p:txBody>
       </p:sp>
@@ -14025,13 +14258,22 @@
                 <a:solidFill>
                   <a:srgbClr val="3F3F3F"/>
                 </a:solidFill>
-                <a:latin typeface="Courier New OS Bold"/>
-                <a:ea typeface="Courier New OS Bold"/>
-                <a:cs typeface="Courier New OS Bold"/>
-                <a:sym typeface="Courier New OS Bold"/>
+                <a:latin typeface="Courier New OS Bold" panose="02070609020205020404"/>
+                <a:ea typeface="Courier New OS Bold" panose="02070609020205020404"/>
+                <a:cs typeface="Courier New OS Bold" panose="02070609020205020404"/>
+                <a:sym typeface="Courier New OS Bold" panose="02070609020205020404"/>
               </a:rPr>
               <a:t>NOMAD_ADDR</a:t>
             </a:r>
+            <a:endParaRPr lang="en-US" sz="2800" b="1">
+              <a:solidFill>
+                <a:srgbClr val="3F3F3F"/>
+              </a:solidFill>
+              <a:latin typeface="Courier New OS Bold" panose="02070609020205020404"/>
+              <a:ea typeface="Courier New OS Bold" panose="02070609020205020404"/>
+              <a:cs typeface="Courier New OS Bold" panose="02070609020205020404"/>
+              <a:sym typeface="Courier New OS Bold" panose="02070609020205020404"/>
+            </a:endParaRPr>
           </a:p>
         </p:txBody>
       </p:sp>
@@ -14066,13 +14308,22 @@
                 <a:solidFill>
                   <a:srgbClr val="3F3F3F"/>
                 </a:solidFill>
-                <a:latin typeface="Courier New OS Bold"/>
-                <a:ea typeface="Courier New OS Bold"/>
-                <a:cs typeface="Courier New OS Bold"/>
-                <a:sym typeface="Courier New OS Bold"/>
+                <a:latin typeface="Courier New OS Bold" panose="02070609020205020404"/>
+                <a:ea typeface="Courier New OS Bold" panose="02070609020205020404"/>
+                <a:cs typeface="Courier New OS Bold" panose="02070609020205020404"/>
+                <a:sym typeface="Courier New OS Bold" panose="02070609020205020404"/>
               </a:rPr>
               <a:t>NOMAD_TOKEN</a:t>
             </a:r>
+            <a:endParaRPr lang="en-US" sz="2800" b="1">
+              <a:solidFill>
+                <a:srgbClr val="3F3F3F"/>
+              </a:solidFill>
+              <a:latin typeface="Courier New OS Bold" panose="02070609020205020404"/>
+              <a:ea typeface="Courier New OS Bold" panose="02070609020205020404"/>
+              <a:cs typeface="Courier New OS Bold" panose="02070609020205020404"/>
+              <a:sym typeface="Courier New OS Bold" panose="02070609020205020404"/>
+            </a:endParaRPr>
           </a:p>
         </p:txBody>
       </p:sp>
@@ -14107,13 +14358,22 @@
                 <a:solidFill>
                   <a:srgbClr val="3F3F3F"/>
                 </a:solidFill>
-                <a:latin typeface="Courier New OS Bold"/>
-                <a:ea typeface="Courier New OS Bold"/>
-                <a:cs typeface="Courier New OS Bold"/>
-                <a:sym typeface="Courier New OS Bold"/>
+                <a:latin typeface="Courier New OS Bold" panose="02070609020205020404"/>
+                <a:ea typeface="Courier New OS Bold" panose="02070609020205020404"/>
+                <a:cs typeface="Courier New OS Bold" panose="02070609020205020404"/>
+                <a:sym typeface="Courier New OS Bold" panose="02070609020205020404"/>
               </a:rPr>
               <a:t>NOMAD_REGION</a:t>
             </a:r>
+            <a:endParaRPr lang="en-US" sz="2800" b="1">
+              <a:solidFill>
+                <a:srgbClr val="3F3F3F"/>
+              </a:solidFill>
+              <a:latin typeface="Courier New OS Bold" panose="02070609020205020404"/>
+              <a:ea typeface="Courier New OS Bold" panose="02070609020205020404"/>
+              <a:cs typeface="Courier New OS Bold" panose="02070609020205020404"/>
+              <a:sym typeface="Courier New OS Bold" panose="02070609020205020404"/>
+            </a:endParaRPr>
           </a:p>
         </p:txBody>
       </p:sp>
@@ -14148,13 +14408,22 @@
                 <a:solidFill>
                   <a:srgbClr val="3F3F3F"/>
                 </a:solidFill>
-                <a:latin typeface="Courier New OS Bold"/>
-                <a:ea typeface="Courier New OS Bold"/>
-                <a:cs typeface="Courier New OS Bold"/>
-                <a:sym typeface="Courier New OS Bold"/>
+                <a:latin typeface="Courier New OS Bold" panose="02070609020205020404"/>
+                <a:ea typeface="Courier New OS Bold" panose="02070609020205020404"/>
+                <a:cs typeface="Courier New OS Bold" panose="02070609020205020404"/>
+                <a:sym typeface="Courier New OS Bold" panose="02070609020205020404"/>
               </a:rPr>
               <a:t>NOMAD_NAMESPACE</a:t>
             </a:r>
+            <a:endParaRPr lang="en-US" sz="2800" b="1">
+              <a:solidFill>
+                <a:srgbClr val="3F3F3F"/>
+              </a:solidFill>
+              <a:latin typeface="Courier New OS Bold" panose="02070609020205020404"/>
+              <a:ea typeface="Courier New OS Bold" panose="02070609020205020404"/>
+              <a:cs typeface="Courier New OS Bold" panose="02070609020205020404"/>
+              <a:sym typeface="Courier New OS Bold" panose="02070609020205020404"/>
+            </a:endParaRPr>
           </a:p>
         </p:txBody>
       </p:sp>
@@ -14189,13 +14458,22 @@
                 <a:solidFill>
                   <a:srgbClr val="3F3F3F"/>
                 </a:solidFill>
-                <a:latin typeface="Roboto"/>
-                <a:ea typeface="Roboto"/>
-                <a:cs typeface="Roboto"/>
-                <a:sym typeface="Roboto"/>
+                <a:latin typeface="Roboto" panose="02000000000000000000"/>
+                <a:ea typeface="Roboto" panose="02000000000000000000"/>
+                <a:cs typeface="Roboto" panose="02000000000000000000"/>
+                <a:sym typeface="Roboto" panose="02000000000000000000"/>
               </a:rPr>
               <a:t>The region of the Nomad server to forward commands to…</a:t>
             </a:r>
+            <a:endParaRPr lang="en-US" sz="1800">
+              <a:solidFill>
+                <a:srgbClr val="3F3F3F"/>
+              </a:solidFill>
+              <a:latin typeface="Roboto" panose="02000000000000000000"/>
+              <a:ea typeface="Roboto" panose="02000000000000000000"/>
+              <a:cs typeface="Roboto" panose="02000000000000000000"/>
+              <a:sym typeface="Roboto" panose="02000000000000000000"/>
+            </a:endParaRPr>
           </a:p>
         </p:txBody>
       </p:sp>
@@ -14230,13 +14508,22 @@
                 <a:solidFill>
                   <a:srgbClr val="3F3F3F"/>
                 </a:solidFill>
-                <a:latin typeface="Roboto"/>
-                <a:ea typeface="Roboto"/>
-                <a:cs typeface="Roboto"/>
-                <a:sym typeface="Roboto"/>
+                <a:latin typeface="Roboto" panose="02000000000000000000"/>
+                <a:ea typeface="Roboto" panose="02000000000000000000"/>
+                <a:cs typeface="Roboto" panose="02000000000000000000"/>
+                <a:sym typeface="Roboto" panose="02000000000000000000"/>
               </a:rPr>
               <a:t>The ACL token you want to use to authenticate to Nomad…</a:t>
             </a:r>
+            <a:endParaRPr lang="en-US" sz="1800">
+              <a:solidFill>
+                <a:srgbClr val="3F3F3F"/>
+              </a:solidFill>
+              <a:latin typeface="Roboto" panose="02000000000000000000"/>
+              <a:ea typeface="Roboto" panose="02000000000000000000"/>
+              <a:cs typeface="Roboto" panose="02000000000000000000"/>
+              <a:sym typeface="Roboto" panose="02000000000000000000"/>
+            </a:endParaRPr>
           </a:p>
         </p:txBody>
       </p:sp>
@@ -14271,13 +14558,22 @@
                 <a:solidFill>
                   <a:srgbClr val="3F3F3F"/>
                 </a:solidFill>
-                <a:latin typeface="Roboto"/>
-                <a:ea typeface="Roboto"/>
-                <a:cs typeface="Roboto"/>
-                <a:sym typeface="Roboto"/>
+                <a:latin typeface="Roboto" panose="02000000000000000000"/>
+                <a:ea typeface="Roboto" panose="02000000000000000000"/>
+                <a:cs typeface="Roboto" panose="02000000000000000000"/>
+                <a:sym typeface="Roboto" panose="02000000000000000000"/>
               </a:rPr>
               <a:t>The address of the Nomad server you want to interact with…</a:t>
             </a:r>
+            <a:endParaRPr lang="en-US" sz="1800">
+              <a:solidFill>
+                <a:srgbClr val="3F3F3F"/>
+              </a:solidFill>
+              <a:latin typeface="Roboto" panose="02000000000000000000"/>
+              <a:ea typeface="Roboto" panose="02000000000000000000"/>
+              <a:cs typeface="Roboto" panose="02000000000000000000"/>
+              <a:sym typeface="Roboto" panose="02000000000000000000"/>
+            </a:endParaRPr>
           </a:p>
         </p:txBody>
       </p:sp>
@@ -14312,13 +14608,22 @@
                 <a:solidFill>
                   <a:srgbClr val="3F3F3F"/>
                 </a:solidFill>
-                <a:latin typeface="Roboto"/>
-                <a:ea typeface="Roboto"/>
-                <a:cs typeface="Roboto"/>
-                <a:sym typeface="Roboto"/>
+                <a:latin typeface="Roboto" panose="02000000000000000000"/>
+                <a:ea typeface="Roboto" panose="02000000000000000000"/>
+                <a:cs typeface="Roboto" panose="02000000000000000000"/>
+                <a:sym typeface="Roboto" panose="02000000000000000000"/>
               </a:rPr>
               <a:t>The target namespace for queries and actions that you want to use…</a:t>
             </a:r>
+            <a:endParaRPr lang="en-US" sz="1800">
+              <a:solidFill>
+                <a:srgbClr val="3F3F3F"/>
+              </a:solidFill>
+              <a:latin typeface="Roboto" panose="02000000000000000000"/>
+              <a:ea typeface="Roboto" panose="02000000000000000000"/>
+              <a:cs typeface="Roboto" panose="02000000000000000000"/>
+              <a:sym typeface="Roboto" panose="02000000000000000000"/>
+            </a:endParaRPr>
           </a:p>
         </p:txBody>
       </p:sp>
@@ -14345,10 +14650,9 @@
           <a:p>
             <a:pPr algn="l">
               <a:lnSpc>
-                <a:spcPts val="2239"/>
+                <a:spcPts val="2240"/>
               </a:lnSpc>
             </a:pPr>
-            <a:endParaRPr/>
           </a:p>
         </p:txBody>
       </p:sp>
@@ -14416,7 +14720,7 @@
             </a:pathLst>
           </a:custGeom>
           <a:blipFill>
-            <a:blip r:embed="rId2"/>
+            <a:blip r:embed="rId1"/>
             <a:stretch>
               <a:fillRect b="-2479"/>
             </a:stretch>
@@ -14462,7 +14766,7 @@
             </a:pathLst>
           </a:custGeom>
           <a:blipFill>
-            <a:blip r:embed="rId3"/>
+            <a:blip r:embed="rId2"/>
             <a:stretch>
               <a:fillRect l="-29154" t="-12440" r="-31171" b="-69738"/>
             </a:stretch>
@@ -14746,7 +15050,7 @@
             </a:pathLst>
           </a:custGeom>
           <a:blipFill>
-            <a:blip r:embed="rId2"/>
+            <a:blip r:embed="rId1"/>
             <a:stretch>
               <a:fillRect b="-2479"/>
             </a:stretch>
@@ -14792,7 +15096,7 @@
             </a:pathLst>
           </a:custGeom>
           <a:blipFill>
-            <a:blip r:embed="rId3"/>
+            <a:blip r:embed="rId2"/>
             <a:stretch>
               <a:fillRect l="-29154" t="-12440" r="-31171" b="-69738"/>
             </a:stretch>
@@ -14837,19 +15141,970 @@
               </a:rPr>
               <a:t>Nomad SubCommands</a:t>
             </a:r>
+            <a:endParaRPr lang="en-US" sz="3600" b="1" spc="3">
+              <a:solidFill>
+                <a:srgbClr val="00CA8E"/>
+              </a:solidFill>
+              <a:latin typeface="Raleway Heavy"/>
+              <a:ea typeface="Raleway Heavy"/>
+              <a:cs typeface="Raleway Heavy"/>
+              <a:sym typeface="Raleway Heavy"/>
+            </a:endParaRPr>
           </a:p>
         </p:txBody>
       </p:sp>
       <p:sp>
         <p:nvSpPr>
-          <p:cNvPr id="14" name="TextBox 14"/>
+          <p:cNvPr id="15" name="TextBox 15"/>
           <p:cNvSpPr txBox="1"/>
           <p:nvPr/>
         </p:nvSpPr>
         <p:spPr>
           <a:xfrm>
-            <a:off x="369065" y="1859051"/>
-            <a:ext cx="108814" cy="1026204"/>
+            <a:off x="838200" y="1710055"/>
+            <a:ext cx="7524115" cy="1318895"/>
+          </a:xfrm>
+          <a:prstGeom prst="rect">
+            <a:avLst/>
+          </a:prstGeom>
+        </p:spPr>
+        <p:txBody>
+          <a:bodyPr wrap="square" lIns="0" tIns="0" rIns="0" bIns="0" rtlCol="0" anchor="t">
+            <a:noAutofit/>
+          </a:bodyPr>
+          <a:lstStyle/>
+          <a:p>
+            <a:pPr marL="342900" indent="-342900" algn="l">
+              <a:lnSpc>
+                <a:spcPct val="100000"/>
+              </a:lnSpc>
+              <a:buFont typeface="Arial" panose="020B0604020202020204" pitchFamily="34" charset="0"/>
+              <a:buChar char="•"/>
+            </a:pPr>
+            <a:r>
+              <a:rPr lang="en-US" sz="2400">
+                <a:solidFill>
+                  <a:srgbClr val="3F3F3F"/>
+                </a:solidFill>
+                <a:latin typeface="Roboto" panose="02000000000000000000"/>
+                <a:ea typeface="Roboto" panose="02000000000000000000"/>
+                <a:cs typeface="Roboto" panose="02000000000000000000"/>
+                <a:sym typeface="Roboto" panose="02000000000000000000"/>
+              </a:rPr>
+              <a:t>All commands in the Nomad CLI start with </a:t>
+            </a:r>
+            <a:r>
+              <a:rPr lang="en-US" sz="2400" b="1">
+                <a:solidFill>
+                  <a:srgbClr val="00CA8E"/>
+                </a:solidFill>
+                <a:latin typeface="Courier New OS Bold" panose="02070609020205020404"/>
+                <a:ea typeface="Courier New OS Bold" panose="02070609020205020404"/>
+                <a:cs typeface="Courier New OS Bold" panose="02070609020205020404"/>
+                <a:sym typeface="Courier New OS Bold" panose="02070609020205020404"/>
+              </a:rPr>
+              <a:t>nomad </a:t>
+            </a:r>
+            <a:endParaRPr lang="en-US" sz="2400" b="1">
+              <a:solidFill>
+                <a:srgbClr val="00CA8E"/>
+              </a:solidFill>
+              <a:latin typeface="Courier New OS Bold" panose="02070609020205020404"/>
+              <a:ea typeface="Courier New OS Bold" panose="02070609020205020404"/>
+              <a:cs typeface="Courier New OS Bold" panose="02070609020205020404"/>
+              <a:sym typeface="Courier New OS Bold" panose="02070609020205020404"/>
+            </a:endParaRPr>
+          </a:p>
+          <a:p>
+            <a:pPr marL="342900" indent="-342900" algn="l">
+              <a:lnSpc>
+                <a:spcPct val="100000"/>
+              </a:lnSpc>
+              <a:buFont typeface="Arial" panose="020B0604020202020204" pitchFamily="34" charset="0"/>
+              <a:buChar char="•"/>
+            </a:pPr>
+            <a:r>
+              <a:rPr lang="en-US" sz="2400">
+                <a:solidFill>
+                  <a:srgbClr val="3F3F3F"/>
+                </a:solidFill>
+                <a:latin typeface="Roboto" panose="02000000000000000000"/>
+                <a:ea typeface="Roboto" panose="02000000000000000000"/>
+                <a:cs typeface="Roboto" panose="02000000000000000000"/>
+                <a:sym typeface="Roboto" panose="02000000000000000000"/>
+              </a:rPr>
+              <a:t>Nomad has an extensive CLI with lots of subcommands</a:t>
+            </a:r>
+            <a:endParaRPr lang="en-US" sz="2400">
+              <a:solidFill>
+                <a:srgbClr val="3F3F3F"/>
+              </a:solidFill>
+              <a:latin typeface="Roboto" panose="02000000000000000000"/>
+              <a:ea typeface="Roboto" panose="02000000000000000000"/>
+              <a:cs typeface="Roboto" panose="02000000000000000000"/>
+              <a:sym typeface="Roboto" panose="02000000000000000000"/>
+            </a:endParaRPr>
+          </a:p>
+          <a:p>
+            <a:pPr algn="l">
+              <a:lnSpc>
+                <a:spcPts val="1200"/>
+              </a:lnSpc>
+            </a:pPr>
+            <a:endParaRPr lang="en-US" sz="2400" b="1">
+              <a:solidFill>
+                <a:srgbClr val="00CA8E"/>
+              </a:solidFill>
+              <a:latin typeface="Courier New OS Bold" panose="02070609020205020404"/>
+              <a:ea typeface="Courier New OS Bold" panose="02070609020205020404"/>
+              <a:cs typeface="Courier New OS Bold" panose="02070609020205020404"/>
+              <a:sym typeface="Courier New OS Bold" panose="02070609020205020404"/>
+            </a:endParaRPr>
+          </a:p>
+          <a:p>
+            <a:pPr algn="l">
+              <a:lnSpc>
+                <a:spcPts val="1200"/>
+              </a:lnSpc>
+            </a:pPr>
+            <a:endParaRPr lang="en-US" sz="2400">
+              <a:solidFill>
+                <a:srgbClr val="3F3F3F"/>
+              </a:solidFill>
+              <a:latin typeface="Roboto" panose="02000000000000000000"/>
+              <a:ea typeface="Roboto" panose="02000000000000000000"/>
+              <a:cs typeface="Roboto" panose="02000000000000000000"/>
+              <a:sym typeface="Roboto" panose="02000000000000000000"/>
+            </a:endParaRPr>
+          </a:p>
+        </p:txBody>
+      </p:sp>
+      <p:sp>
+        <p:nvSpPr>
+          <p:cNvPr id="21" name="TextBox 21"/>
+          <p:cNvSpPr txBox="1"/>
+          <p:nvPr/>
+        </p:nvSpPr>
+        <p:spPr>
+          <a:xfrm>
+            <a:off x="1414145" y="3460115"/>
+            <a:ext cx="1717040" cy="2193925"/>
+          </a:xfrm>
+          <a:prstGeom prst="rect">
+            <a:avLst/>
+          </a:prstGeom>
+        </p:spPr>
+        <p:txBody>
+          <a:bodyPr wrap="square" lIns="0" tIns="0" rIns="0" bIns="0" rtlCol="0" anchor="t">
+            <a:spAutoFit/>
+          </a:bodyPr>
+          <a:lstStyle/>
+          <a:p>
+            <a:pPr marL="285750" indent="-285750" algn="l">
+              <a:lnSpc>
+                <a:spcPts val="2160"/>
+              </a:lnSpc>
+              <a:buFont typeface="Arial" panose="020B0604020202020204" pitchFamily="34" charset="0"/>
+              <a:buChar char="•"/>
+            </a:pPr>
+            <a:r>
+              <a:rPr lang="en-US" sz="1800" b="1">
+                <a:solidFill>
+                  <a:srgbClr val="3F3F3F"/>
+                </a:solidFill>
+                <a:latin typeface="Courier New OS Bold" panose="02070609020205020404"/>
+                <a:ea typeface="Courier New OS Bold" panose="02070609020205020404"/>
+                <a:cs typeface="Courier New OS Bold" panose="02070609020205020404"/>
+                <a:sym typeface="Courier New OS Bold" panose="02070609020205020404"/>
+              </a:rPr>
+              <a:t>acl agent </a:t>
+            </a:r>
+            <a:endParaRPr lang="en-US" sz="1800" b="1">
+              <a:solidFill>
+                <a:srgbClr val="3F3F3F"/>
+              </a:solidFill>
+              <a:latin typeface="Courier New OS Bold" panose="02070609020205020404"/>
+              <a:ea typeface="Courier New OS Bold" panose="02070609020205020404"/>
+              <a:cs typeface="Courier New OS Bold" panose="02070609020205020404"/>
+              <a:sym typeface="Courier New OS Bold" panose="02070609020205020404"/>
+            </a:endParaRPr>
+          </a:p>
+          <a:p>
+            <a:pPr marL="285750" indent="-285750" algn="l">
+              <a:lnSpc>
+                <a:spcPts val="2160"/>
+              </a:lnSpc>
+              <a:buFont typeface="Arial" panose="020B0604020202020204" pitchFamily="34" charset="0"/>
+              <a:buChar char="•"/>
+            </a:pPr>
+            <a:r>
+              <a:rPr lang="en-US" sz="1800" b="1">
+                <a:solidFill>
+                  <a:srgbClr val="3F3F3F"/>
+                </a:solidFill>
+                <a:latin typeface="Courier New OS Bold" panose="02070609020205020404"/>
+                <a:ea typeface="Courier New OS Bold" panose="02070609020205020404"/>
+                <a:cs typeface="Courier New OS Bold" panose="02070609020205020404"/>
+                <a:sym typeface="Courier New OS Bold" panose="02070609020205020404"/>
+              </a:rPr>
+              <a:t>agent-info </a:t>
+            </a:r>
+            <a:endParaRPr lang="en-US" sz="1800" b="1">
+              <a:solidFill>
+                <a:srgbClr val="3F3F3F"/>
+              </a:solidFill>
+              <a:latin typeface="Courier New OS Bold" panose="02070609020205020404"/>
+              <a:ea typeface="Courier New OS Bold" panose="02070609020205020404"/>
+              <a:cs typeface="Courier New OS Bold" panose="02070609020205020404"/>
+              <a:sym typeface="Courier New OS Bold" panose="02070609020205020404"/>
+            </a:endParaRPr>
+          </a:p>
+          <a:p>
+            <a:pPr marL="285750" indent="-285750" algn="l">
+              <a:lnSpc>
+                <a:spcPts val="2160"/>
+              </a:lnSpc>
+              <a:buFont typeface="Arial" panose="020B0604020202020204" pitchFamily="34" charset="0"/>
+              <a:buChar char="•"/>
+            </a:pPr>
+            <a:r>
+              <a:rPr lang="en-US" sz="1800" b="1">
+                <a:solidFill>
+                  <a:srgbClr val="3F3F3F"/>
+                </a:solidFill>
+                <a:latin typeface="Courier New OS Bold" panose="02070609020205020404"/>
+                <a:ea typeface="Courier New OS Bold" panose="02070609020205020404"/>
+                <a:cs typeface="Courier New OS Bold" panose="02070609020205020404"/>
+                <a:sym typeface="Courier New OS Bold" panose="02070609020205020404"/>
+              </a:rPr>
+              <a:t>alloc </a:t>
+            </a:r>
+            <a:endParaRPr lang="en-US" sz="1800" b="1">
+              <a:solidFill>
+                <a:srgbClr val="3F3F3F"/>
+              </a:solidFill>
+              <a:latin typeface="Courier New OS Bold" panose="02070609020205020404"/>
+              <a:ea typeface="Courier New OS Bold" panose="02070609020205020404"/>
+              <a:cs typeface="Courier New OS Bold" panose="02070609020205020404"/>
+              <a:sym typeface="Courier New OS Bold" panose="02070609020205020404"/>
+            </a:endParaRPr>
+          </a:p>
+          <a:p>
+            <a:pPr marL="285750" indent="-285750" algn="l">
+              <a:lnSpc>
+                <a:spcPts val="2160"/>
+              </a:lnSpc>
+              <a:buFont typeface="Arial" panose="020B0604020202020204" pitchFamily="34" charset="0"/>
+              <a:buChar char="•"/>
+            </a:pPr>
+            <a:r>
+              <a:rPr lang="en-US" sz="1800" b="1">
+                <a:solidFill>
+                  <a:srgbClr val="3F3F3F"/>
+                </a:solidFill>
+                <a:latin typeface="Courier New OS Bold" panose="02070609020205020404"/>
+                <a:ea typeface="Courier New OS Bold" panose="02070609020205020404"/>
+                <a:cs typeface="Courier New OS Bold" panose="02070609020205020404"/>
+                <a:sym typeface="Courier New OS Bold" panose="02070609020205020404"/>
+              </a:rPr>
+              <a:t>config </a:t>
+            </a:r>
+            <a:endParaRPr lang="en-US" sz="1800" b="1">
+              <a:solidFill>
+                <a:srgbClr val="3F3F3F"/>
+              </a:solidFill>
+              <a:latin typeface="Courier New OS Bold" panose="02070609020205020404"/>
+              <a:ea typeface="Courier New OS Bold" panose="02070609020205020404"/>
+              <a:cs typeface="Courier New OS Bold" panose="02070609020205020404"/>
+              <a:sym typeface="Courier New OS Bold" panose="02070609020205020404"/>
+            </a:endParaRPr>
+          </a:p>
+          <a:p>
+            <a:pPr marL="285750" indent="-285750" algn="l">
+              <a:lnSpc>
+                <a:spcPts val="2160"/>
+              </a:lnSpc>
+              <a:buFont typeface="Arial" panose="020B0604020202020204" pitchFamily="34" charset="0"/>
+              <a:buChar char="•"/>
+            </a:pPr>
+            <a:r>
+              <a:rPr lang="en-US" sz="1800" b="1">
+                <a:solidFill>
+                  <a:srgbClr val="3F3F3F"/>
+                </a:solidFill>
+                <a:latin typeface="Courier New OS Bold" panose="02070609020205020404"/>
+                <a:ea typeface="Courier New OS Bold" panose="02070609020205020404"/>
+                <a:cs typeface="Courier New OS Bold" panose="02070609020205020404"/>
+                <a:sym typeface="Courier New OS Bold" panose="02070609020205020404"/>
+              </a:rPr>
+              <a:t>deployment</a:t>
+            </a:r>
+            <a:endParaRPr lang="en-US" sz="1800" b="1">
+              <a:solidFill>
+                <a:srgbClr val="3F3F3F"/>
+              </a:solidFill>
+              <a:latin typeface="Courier New OS Bold" panose="02070609020205020404"/>
+              <a:ea typeface="Courier New OS Bold" panose="02070609020205020404"/>
+              <a:cs typeface="Courier New OS Bold" panose="02070609020205020404"/>
+              <a:sym typeface="Courier New OS Bold" panose="02070609020205020404"/>
+            </a:endParaRPr>
+          </a:p>
+          <a:p>
+            <a:pPr marL="285750" indent="-285750" algn="l">
+              <a:lnSpc>
+                <a:spcPts val="1945"/>
+              </a:lnSpc>
+              <a:buFont typeface="Arial" panose="020B0604020202020204" pitchFamily="34" charset="0"/>
+              <a:buChar char="•"/>
+            </a:pPr>
+            <a:r>
+              <a:rPr lang="en-US" sz="1800" b="1">
+                <a:solidFill>
+                  <a:srgbClr val="3F3F3F"/>
+                </a:solidFill>
+                <a:latin typeface="Courier New OS Bold" panose="02070609020205020404"/>
+                <a:ea typeface="Courier New OS Bold" panose="02070609020205020404"/>
+                <a:cs typeface="Courier New OS Bold" panose="02070609020205020404"/>
+                <a:sym typeface="Courier New OS Bold" panose="02070609020205020404"/>
+              </a:rPr>
+              <a:t>eval</a:t>
+            </a:r>
+            <a:endParaRPr lang="en-US" sz="1800" b="1">
+              <a:solidFill>
+                <a:srgbClr val="3F3F3F"/>
+              </a:solidFill>
+              <a:latin typeface="Courier New OS Bold" panose="02070609020205020404"/>
+              <a:ea typeface="Courier New OS Bold" panose="02070609020205020404"/>
+              <a:cs typeface="Courier New OS Bold" panose="02070609020205020404"/>
+              <a:sym typeface="Courier New OS Bold" panose="02070609020205020404"/>
+            </a:endParaRPr>
+          </a:p>
+          <a:p>
+            <a:pPr marL="285750" indent="-285750" algn="l">
+              <a:lnSpc>
+                <a:spcPts val="2470"/>
+              </a:lnSpc>
+              <a:buFont typeface="Arial" panose="020B0604020202020204" pitchFamily="34" charset="0"/>
+              <a:buChar char="•"/>
+            </a:pPr>
+            <a:r>
+              <a:rPr lang="en-US" sz="1800" b="1">
+                <a:solidFill>
+                  <a:srgbClr val="3F3F3F"/>
+                </a:solidFill>
+                <a:latin typeface="Courier New OS Bold" panose="02070609020205020404"/>
+                <a:ea typeface="Courier New OS Bold" panose="02070609020205020404"/>
+                <a:cs typeface="Courier New OS Bold" panose="02070609020205020404"/>
+                <a:sym typeface="Courier New OS Bold" panose="02070609020205020404"/>
+              </a:rPr>
+              <a:t>fmt</a:t>
+            </a:r>
+            <a:endParaRPr lang="en-US" sz="1800" b="1">
+              <a:solidFill>
+                <a:srgbClr val="3F3F3F"/>
+              </a:solidFill>
+              <a:latin typeface="Courier New OS Bold" panose="02070609020205020404"/>
+              <a:ea typeface="Courier New OS Bold" panose="02070609020205020404"/>
+              <a:cs typeface="Courier New OS Bold" panose="02070609020205020404"/>
+              <a:sym typeface="Courier New OS Bold" panose="02070609020205020404"/>
+            </a:endParaRPr>
+          </a:p>
+          <a:p>
+            <a:pPr marL="285750" indent="-285750" algn="l">
+              <a:lnSpc>
+                <a:spcPts val="1895"/>
+              </a:lnSpc>
+              <a:buFont typeface="Arial" panose="020B0604020202020204" pitchFamily="34" charset="0"/>
+              <a:buChar char="•"/>
+            </a:pPr>
+            <a:r>
+              <a:rPr lang="en-US" sz="1800" b="1">
+                <a:solidFill>
+                  <a:srgbClr val="3F3F3F"/>
+                </a:solidFill>
+                <a:latin typeface="Courier New OS Bold" panose="02070609020205020404"/>
+                <a:ea typeface="Courier New OS Bold" panose="02070609020205020404"/>
+                <a:cs typeface="Courier New OS Bold" panose="02070609020205020404"/>
+                <a:sym typeface="Courier New OS Bold" panose="02070609020205020404"/>
+              </a:rPr>
+              <a:t>job</a:t>
+            </a:r>
+            <a:endParaRPr lang="en-US" sz="1800" b="1">
+              <a:solidFill>
+                <a:srgbClr val="3F3F3F"/>
+              </a:solidFill>
+              <a:latin typeface="Courier New OS Bold" panose="02070609020205020404"/>
+              <a:ea typeface="Courier New OS Bold" panose="02070609020205020404"/>
+              <a:cs typeface="Courier New OS Bold" panose="02070609020205020404"/>
+              <a:sym typeface="Courier New OS Bold" panose="02070609020205020404"/>
+            </a:endParaRPr>
+          </a:p>
+        </p:txBody>
+      </p:sp>
+      <p:sp>
+        <p:nvSpPr>
+          <p:cNvPr id="22" name="TextBox 22"/>
+          <p:cNvSpPr txBox="1"/>
+          <p:nvPr/>
+        </p:nvSpPr>
+        <p:spPr>
+          <a:xfrm>
+            <a:off x="3902075" y="3460115"/>
+            <a:ext cx="2221865" cy="2470785"/>
+          </a:xfrm>
+          <a:prstGeom prst="rect">
+            <a:avLst/>
+          </a:prstGeom>
+        </p:spPr>
+        <p:txBody>
+          <a:bodyPr wrap="square" lIns="0" tIns="0" rIns="0" bIns="0" rtlCol="0" anchor="t">
+            <a:spAutoFit/>
+          </a:bodyPr>
+          <a:lstStyle/>
+          <a:p>
+            <a:pPr marL="285750" indent="-285750" algn="l">
+              <a:lnSpc>
+                <a:spcPts val="2160"/>
+              </a:lnSpc>
+              <a:buFont typeface="Arial" panose="020B0604020202020204" pitchFamily="34" charset="0"/>
+              <a:buChar char="•"/>
+            </a:pPr>
+            <a:r>
+              <a:rPr lang="en-US" sz="1800" b="1">
+                <a:solidFill>
+                  <a:srgbClr val="3F3F3F"/>
+                </a:solidFill>
+                <a:latin typeface="Courier New OS Bold" panose="02070609020205020404"/>
+                <a:ea typeface="Courier New OS Bold" panose="02070609020205020404"/>
+                <a:cs typeface="Courier New OS Bold" panose="02070609020205020404"/>
+                <a:sym typeface="Courier New OS Bold" panose="02070609020205020404"/>
+              </a:rPr>
+              <a:t>license </a:t>
+            </a:r>
+            <a:endParaRPr lang="en-US" sz="1800" b="1">
+              <a:solidFill>
+                <a:srgbClr val="3F3F3F"/>
+              </a:solidFill>
+              <a:latin typeface="Courier New OS Bold" panose="02070609020205020404"/>
+              <a:ea typeface="Courier New OS Bold" panose="02070609020205020404"/>
+              <a:cs typeface="Courier New OS Bold" panose="02070609020205020404"/>
+              <a:sym typeface="Courier New OS Bold" panose="02070609020205020404"/>
+            </a:endParaRPr>
+          </a:p>
+          <a:p>
+            <a:pPr marL="285750" indent="-285750" algn="l">
+              <a:lnSpc>
+                <a:spcPts val="2160"/>
+              </a:lnSpc>
+              <a:buFont typeface="Arial" panose="020B0604020202020204" pitchFamily="34" charset="0"/>
+              <a:buChar char="•"/>
+            </a:pPr>
+            <a:r>
+              <a:rPr lang="en-US" sz="1800" b="1">
+                <a:solidFill>
+                  <a:srgbClr val="3F3F3F"/>
+                </a:solidFill>
+                <a:latin typeface="Courier New OS Bold" panose="02070609020205020404"/>
+                <a:ea typeface="Courier New OS Bold" panose="02070609020205020404"/>
+                <a:cs typeface="Courier New OS Bold" panose="02070609020205020404"/>
+                <a:sym typeface="Courier New OS Bold" panose="02070609020205020404"/>
+              </a:rPr>
+              <a:t>monitor </a:t>
+            </a:r>
+            <a:endParaRPr lang="en-US" sz="1800" b="1">
+              <a:solidFill>
+                <a:srgbClr val="3F3F3F"/>
+              </a:solidFill>
+              <a:latin typeface="Courier New OS Bold" panose="02070609020205020404"/>
+              <a:ea typeface="Courier New OS Bold" panose="02070609020205020404"/>
+              <a:cs typeface="Courier New OS Bold" panose="02070609020205020404"/>
+              <a:sym typeface="Courier New OS Bold" panose="02070609020205020404"/>
+            </a:endParaRPr>
+          </a:p>
+          <a:p>
+            <a:pPr marL="285750" indent="-285750" algn="l">
+              <a:lnSpc>
+                <a:spcPts val="2160"/>
+              </a:lnSpc>
+              <a:buFont typeface="Arial" panose="020B0604020202020204" pitchFamily="34" charset="0"/>
+              <a:buChar char="•"/>
+            </a:pPr>
+            <a:r>
+              <a:rPr lang="en-US" sz="1800" b="1">
+                <a:solidFill>
+                  <a:srgbClr val="3F3F3F"/>
+                </a:solidFill>
+                <a:latin typeface="Courier New OS Bold" panose="02070609020205020404"/>
+                <a:ea typeface="Courier New OS Bold" panose="02070609020205020404"/>
+                <a:cs typeface="Courier New OS Bold" panose="02070609020205020404"/>
+                <a:sym typeface="Courier New OS Bold" panose="02070609020205020404"/>
+              </a:rPr>
+              <a:t>namespace </a:t>
+            </a:r>
+            <a:endParaRPr lang="en-US" sz="1800" b="1">
+              <a:solidFill>
+                <a:srgbClr val="3F3F3F"/>
+              </a:solidFill>
+              <a:latin typeface="Courier New OS Bold" panose="02070609020205020404"/>
+              <a:ea typeface="Courier New OS Bold" panose="02070609020205020404"/>
+              <a:cs typeface="Courier New OS Bold" panose="02070609020205020404"/>
+              <a:sym typeface="Courier New OS Bold" panose="02070609020205020404"/>
+            </a:endParaRPr>
+          </a:p>
+          <a:p>
+            <a:pPr marL="285750" indent="-285750" algn="l">
+              <a:lnSpc>
+                <a:spcPts val="2160"/>
+              </a:lnSpc>
+              <a:buFont typeface="Arial" panose="020B0604020202020204" pitchFamily="34" charset="0"/>
+              <a:buChar char="•"/>
+            </a:pPr>
+            <a:r>
+              <a:rPr lang="en-US" sz="1800" b="1">
+                <a:solidFill>
+                  <a:srgbClr val="3F3F3F"/>
+                </a:solidFill>
+                <a:latin typeface="Courier New OS Bold" panose="02070609020205020404"/>
+                <a:ea typeface="Courier New OS Bold" panose="02070609020205020404"/>
+                <a:cs typeface="Courier New OS Bold" panose="02070609020205020404"/>
+                <a:sym typeface="Courier New OS Bold" panose="02070609020205020404"/>
+              </a:rPr>
+              <a:t>node </a:t>
+            </a:r>
+            <a:endParaRPr lang="en-US" sz="1800" b="1">
+              <a:solidFill>
+                <a:srgbClr val="3F3F3F"/>
+              </a:solidFill>
+              <a:latin typeface="Courier New OS Bold" panose="02070609020205020404"/>
+              <a:ea typeface="Courier New OS Bold" panose="02070609020205020404"/>
+              <a:cs typeface="Courier New OS Bold" panose="02070609020205020404"/>
+              <a:sym typeface="Courier New OS Bold" panose="02070609020205020404"/>
+            </a:endParaRPr>
+          </a:p>
+          <a:p>
+            <a:pPr marL="285750" indent="-285750" algn="l">
+              <a:lnSpc>
+                <a:spcPts val="2160"/>
+              </a:lnSpc>
+              <a:buFont typeface="Arial" panose="020B0604020202020204" pitchFamily="34" charset="0"/>
+              <a:buChar char="•"/>
+            </a:pPr>
+            <a:r>
+              <a:rPr lang="en-US" sz="1800" b="1">
+                <a:solidFill>
+                  <a:srgbClr val="3F3F3F"/>
+                </a:solidFill>
+                <a:latin typeface="Courier New OS Bold" panose="02070609020205020404"/>
+                <a:ea typeface="Courier New OS Bold" panose="02070609020205020404"/>
+                <a:cs typeface="Courier New OS Bold" panose="02070609020205020404"/>
+                <a:sym typeface="Courier New OS Bold" panose="02070609020205020404"/>
+              </a:rPr>
+              <a:t>operator </a:t>
+            </a:r>
+            <a:endParaRPr lang="en-US" sz="1800" b="1">
+              <a:solidFill>
+                <a:srgbClr val="3F3F3F"/>
+              </a:solidFill>
+              <a:latin typeface="Courier New OS Bold" panose="02070609020205020404"/>
+              <a:ea typeface="Courier New OS Bold" panose="02070609020205020404"/>
+              <a:cs typeface="Courier New OS Bold" panose="02070609020205020404"/>
+              <a:sym typeface="Courier New OS Bold" panose="02070609020205020404"/>
+            </a:endParaRPr>
+          </a:p>
+          <a:p>
+            <a:pPr marL="285750" indent="-285750" algn="l">
+              <a:lnSpc>
+                <a:spcPts val="2160"/>
+              </a:lnSpc>
+              <a:buFont typeface="Arial" panose="020B0604020202020204" pitchFamily="34" charset="0"/>
+              <a:buChar char="•"/>
+            </a:pPr>
+            <a:r>
+              <a:rPr lang="en-US" sz="1800" b="1">
+                <a:solidFill>
+                  <a:srgbClr val="3F3F3F"/>
+                </a:solidFill>
+                <a:latin typeface="Courier New OS Bold" panose="02070609020205020404"/>
+                <a:ea typeface="Courier New OS Bold" panose="02070609020205020404"/>
+                <a:cs typeface="Courier New OS Bold" panose="02070609020205020404"/>
+                <a:sym typeface="Courier New OS Bold" panose="02070609020205020404"/>
+              </a:rPr>
+              <a:t>plugin</a:t>
+            </a:r>
+            <a:endParaRPr lang="en-US" sz="1800" b="1">
+              <a:solidFill>
+                <a:srgbClr val="3F3F3F"/>
+              </a:solidFill>
+              <a:latin typeface="Courier New OS Bold" panose="02070609020205020404"/>
+              <a:ea typeface="Courier New OS Bold" panose="02070609020205020404"/>
+              <a:cs typeface="Courier New OS Bold" panose="02070609020205020404"/>
+              <a:sym typeface="Courier New OS Bold" panose="02070609020205020404"/>
+            </a:endParaRPr>
+          </a:p>
+          <a:p>
+            <a:pPr marL="285750" indent="-285750" algn="l">
+              <a:lnSpc>
+                <a:spcPts val="1945"/>
+              </a:lnSpc>
+              <a:buFont typeface="Arial" panose="020B0604020202020204" pitchFamily="34" charset="0"/>
+              <a:buChar char="•"/>
+            </a:pPr>
+            <a:r>
+              <a:rPr lang="en-US" sz="1800" b="1">
+                <a:solidFill>
+                  <a:srgbClr val="3F3F3F"/>
+                </a:solidFill>
+                <a:latin typeface="Courier New OS Bold" panose="02070609020205020404"/>
+                <a:ea typeface="Courier New OS Bold" panose="02070609020205020404"/>
+                <a:cs typeface="Courier New OS Bold" panose="02070609020205020404"/>
+                <a:sym typeface="Courier New OS Bold" panose="02070609020205020404"/>
+              </a:rPr>
+              <a:t>quota</a:t>
+            </a:r>
+            <a:endParaRPr lang="en-US" sz="1800" b="1">
+              <a:solidFill>
+                <a:srgbClr val="3F3F3F"/>
+              </a:solidFill>
+              <a:latin typeface="Courier New OS Bold" panose="02070609020205020404"/>
+              <a:ea typeface="Courier New OS Bold" panose="02070609020205020404"/>
+              <a:cs typeface="Courier New OS Bold" panose="02070609020205020404"/>
+              <a:sym typeface="Courier New OS Bold" panose="02070609020205020404"/>
+            </a:endParaRPr>
+          </a:p>
+          <a:p>
+            <a:pPr marL="285750" indent="-285750" algn="l">
+              <a:lnSpc>
+                <a:spcPts val="2470"/>
+              </a:lnSpc>
+              <a:buFont typeface="Arial" panose="020B0604020202020204" pitchFamily="34" charset="0"/>
+              <a:buChar char="•"/>
+            </a:pPr>
+            <a:r>
+              <a:rPr lang="en-US" sz="1800" b="1">
+                <a:solidFill>
+                  <a:srgbClr val="3F3F3F"/>
+                </a:solidFill>
+                <a:latin typeface="Courier New OS Bold" panose="02070609020205020404"/>
+                <a:ea typeface="Courier New OS Bold" panose="02070609020205020404"/>
+                <a:cs typeface="Courier New OS Bold" panose="02070609020205020404"/>
+                <a:sym typeface="Courier New OS Bold" panose="02070609020205020404"/>
+              </a:rPr>
+              <a:t>recommendation</a:t>
+            </a:r>
+            <a:endParaRPr lang="en-US" sz="1800" b="1">
+              <a:solidFill>
+                <a:srgbClr val="3F3F3F"/>
+              </a:solidFill>
+              <a:latin typeface="Courier New OS Bold" panose="02070609020205020404"/>
+              <a:ea typeface="Courier New OS Bold" panose="02070609020205020404"/>
+              <a:cs typeface="Courier New OS Bold" panose="02070609020205020404"/>
+              <a:sym typeface="Courier New OS Bold" panose="02070609020205020404"/>
+            </a:endParaRPr>
+          </a:p>
+          <a:p>
+            <a:pPr marL="285750" indent="-285750" algn="l">
+              <a:lnSpc>
+                <a:spcPts val="1895"/>
+              </a:lnSpc>
+              <a:buFont typeface="Arial" panose="020B0604020202020204" pitchFamily="34" charset="0"/>
+              <a:buChar char="•"/>
+            </a:pPr>
+            <a:r>
+              <a:rPr lang="en-US" sz="1800" b="1">
+                <a:solidFill>
+                  <a:srgbClr val="3F3F3F"/>
+                </a:solidFill>
+                <a:latin typeface="Courier New OS Bold" panose="02070609020205020404"/>
+                <a:ea typeface="Courier New OS Bold" panose="02070609020205020404"/>
+                <a:cs typeface="Courier New OS Bold" panose="02070609020205020404"/>
+                <a:sym typeface="Courier New OS Bold" panose="02070609020205020404"/>
+              </a:rPr>
+              <a:t>scaling</a:t>
+            </a:r>
+            <a:endParaRPr lang="en-US" sz="1800" b="1">
+              <a:solidFill>
+                <a:srgbClr val="3F3F3F"/>
+              </a:solidFill>
+              <a:latin typeface="Courier New OS Bold" panose="02070609020205020404"/>
+              <a:ea typeface="Courier New OS Bold" panose="02070609020205020404"/>
+              <a:cs typeface="Courier New OS Bold" panose="02070609020205020404"/>
+              <a:sym typeface="Courier New OS Bold" panose="02070609020205020404"/>
+            </a:endParaRPr>
+          </a:p>
+        </p:txBody>
+      </p:sp>
+      <p:sp>
+        <p:nvSpPr>
+          <p:cNvPr id="23" name="TextBox 23"/>
+          <p:cNvSpPr txBox="1"/>
+          <p:nvPr/>
+        </p:nvSpPr>
+        <p:spPr>
+          <a:xfrm>
+            <a:off x="6873240" y="3460115"/>
+            <a:ext cx="1572260" cy="2193925"/>
+          </a:xfrm>
+          <a:prstGeom prst="rect">
+            <a:avLst/>
+          </a:prstGeom>
+        </p:spPr>
+        <p:txBody>
+          <a:bodyPr wrap="square" lIns="0" tIns="0" rIns="0" bIns="0" rtlCol="0" anchor="t">
+            <a:spAutoFit/>
+          </a:bodyPr>
+          <a:lstStyle/>
+          <a:p>
+            <a:pPr marL="285750" indent="-285750" algn="l">
+              <a:lnSpc>
+                <a:spcPts val="2160"/>
+              </a:lnSpc>
+              <a:buFont typeface="Arial" panose="020B0604020202020204" pitchFamily="34" charset="0"/>
+              <a:buChar char="•"/>
+            </a:pPr>
+            <a:r>
+              <a:rPr lang="en-US" sz="1800" b="1">
+                <a:solidFill>
+                  <a:srgbClr val="3F3F3F"/>
+                </a:solidFill>
+                <a:latin typeface="Courier New OS Bold" panose="02070609020205020404"/>
+                <a:ea typeface="Courier New OS Bold" panose="02070609020205020404"/>
+                <a:cs typeface="Courier New OS Bold" panose="02070609020205020404"/>
+                <a:sym typeface="Courier New OS Bold" panose="02070609020205020404"/>
+              </a:rPr>
+              <a:t>sentinel </a:t>
+            </a:r>
+            <a:endParaRPr lang="en-US" sz="1800" b="1">
+              <a:solidFill>
+                <a:srgbClr val="3F3F3F"/>
+              </a:solidFill>
+              <a:latin typeface="Courier New OS Bold" panose="02070609020205020404"/>
+              <a:ea typeface="Courier New OS Bold" panose="02070609020205020404"/>
+              <a:cs typeface="Courier New OS Bold" panose="02070609020205020404"/>
+              <a:sym typeface="Courier New OS Bold" panose="02070609020205020404"/>
+            </a:endParaRPr>
+          </a:p>
+          <a:p>
+            <a:pPr marL="285750" indent="-285750" algn="l">
+              <a:lnSpc>
+                <a:spcPts val="2160"/>
+              </a:lnSpc>
+              <a:buFont typeface="Arial" panose="020B0604020202020204" pitchFamily="34" charset="0"/>
+              <a:buChar char="•"/>
+            </a:pPr>
+            <a:r>
+              <a:rPr lang="en-US" sz="1800" b="1">
+                <a:solidFill>
+                  <a:srgbClr val="3F3F3F"/>
+                </a:solidFill>
+                <a:latin typeface="Courier New OS Bold" panose="02070609020205020404"/>
+                <a:ea typeface="Courier New OS Bold" panose="02070609020205020404"/>
+                <a:cs typeface="Courier New OS Bold" panose="02070609020205020404"/>
+                <a:sym typeface="Courier New OS Bold" panose="02070609020205020404"/>
+              </a:rPr>
+              <a:t>server </a:t>
+            </a:r>
+            <a:endParaRPr lang="en-US" sz="1800" b="1">
+              <a:solidFill>
+                <a:srgbClr val="3F3F3F"/>
+              </a:solidFill>
+              <a:latin typeface="Courier New OS Bold" panose="02070609020205020404"/>
+              <a:ea typeface="Courier New OS Bold" panose="02070609020205020404"/>
+              <a:cs typeface="Courier New OS Bold" panose="02070609020205020404"/>
+              <a:sym typeface="Courier New OS Bold" panose="02070609020205020404"/>
+            </a:endParaRPr>
+          </a:p>
+          <a:p>
+            <a:pPr marL="285750" indent="-285750" algn="l">
+              <a:lnSpc>
+                <a:spcPts val="2160"/>
+              </a:lnSpc>
+              <a:buFont typeface="Arial" panose="020B0604020202020204" pitchFamily="34" charset="0"/>
+              <a:buChar char="•"/>
+            </a:pPr>
+            <a:r>
+              <a:rPr lang="en-US" sz="1800" b="1">
+                <a:solidFill>
+                  <a:srgbClr val="3F3F3F"/>
+                </a:solidFill>
+                <a:latin typeface="Courier New OS Bold" panose="02070609020205020404"/>
+                <a:ea typeface="Courier New OS Bold" panose="02070609020205020404"/>
+                <a:cs typeface="Courier New OS Bold" panose="02070609020205020404"/>
+                <a:sym typeface="Courier New OS Bold" panose="02070609020205020404"/>
+              </a:rPr>
+              <a:t>service </a:t>
+            </a:r>
+            <a:endParaRPr lang="en-US" sz="1800" b="1">
+              <a:solidFill>
+                <a:srgbClr val="3F3F3F"/>
+              </a:solidFill>
+              <a:latin typeface="Courier New OS Bold" panose="02070609020205020404"/>
+              <a:ea typeface="Courier New OS Bold" panose="02070609020205020404"/>
+              <a:cs typeface="Courier New OS Bold" panose="02070609020205020404"/>
+              <a:sym typeface="Courier New OS Bold" panose="02070609020205020404"/>
+            </a:endParaRPr>
+          </a:p>
+          <a:p>
+            <a:pPr marL="285750" indent="-285750" algn="l">
+              <a:lnSpc>
+                <a:spcPts val="2160"/>
+              </a:lnSpc>
+              <a:buFont typeface="Arial" panose="020B0604020202020204" pitchFamily="34" charset="0"/>
+              <a:buChar char="•"/>
+            </a:pPr>
+            <a:r>
+              <a:rPr lang="en-US" sz="1800" b="1">
+                <a:solidFill>
+                  <a:srgbClr val="3F3F3F"/>
+                </a:solidFill>
+                <a:latin typeface="Courier New OS Bold" panose="02070609020205020404"/>
+                <a:ea typeface="Courier New OS Bold" panose="02070609020205020404"/>
+                <a:cs typeface="Courier New OS Bold" panose="02070609020205020404"/>
+                <a:sym typeface="Courier New OS Bold" panose="02070609020205020404"/>
+              </a:rPr>
+              <a:t>status </a:t>
+            </a:r>
+            <a:endParaRPr lang="en-US" sz="1800" b="1">
+              <a:solidFill>
+                <a:srgbClr val="3F3F3F"/>
+              </a:solidFill>
+              <a:latin typeface="Courier New OS Bold" panose="02070609020205020404"/>
+              <a:ea typeface="Courier New OS Bold" panose="02070609020205020404"/>
+              <a:cs typeface="Courier New OS Bold" panose="02070609020205020404"/>
+              <a:sym typeface="Courier New OS Bold" panose="02070609020205020404"/>
+            </a:endParaRPr>
+          </a:p>
+          <a:p>
+            <a:pPr marL="285750" indent="-285750" algn="l">
+              <a:lnSpc>
+                <a:spcPts val="2160"/>
+              </a:lnSpc>
+              <a:buFont typeface="Arial" panose="020B0604020202020204" pitchFamily="34" charset="0"/>
+              <a:buChar char="•"/>
+            </a:pPr>
+            <a:r>
+              <a:rPr lang="en-US" sz="1800" b="1">
+                <a:solidFill>
+                  <a:srgbClr val="3F3F3F"/>
+                </a:solidFill>
+                <a:latin typeface="Courier New OS Bold" panose="02070609020205020404"/>
+                <a:ea typeface="Courier New OS Bold" panose="02070609020205020404"/>
+                <a:cs typeface="Courier New OS Bold" panose="02070609020205020404"/>
+                <a:sym typeface="Courier New OS Bold" panose="02070609020205020404"/>
+              </a:rPr>
+              <a:t>system ui</a:t>
+            </a:r>
+            <a:endParaRPr lang="en-US" sz="1800" b="1">
+              <a:solidFill>
+                <a:srgbClr val="3F3F3F"/>
+              </a:solidFill>
+              <a:latin typeface="Courier New OS Bold" panose="02070609020205020404"/>
+              <a:ea typeface="Courier New OS Bold" panose="02070609020205020404"/>
+              <a:cs typeface="Courier New OS Bold" panose="02070609020205020404"/>
+              <a:sym typeface="Courier New OS Bold" panose="02070609020205020404"/>
+            </a:endParaRPr>
+          </a:p>
+          <a:p>
+            <a:pPr marL="285750" indent="-285750" algn="l">
+              <a:lnSpc>
+                <a:spcPts val="1945"/>
+              </a:lnSpc>
+              <a:buFont typeface="Arial" panose="020B0604020202020204" pitchFamily="34" charset="0"/>
+              <a:buChar char="•"/>
+            </a:pPr>
+            <a:r>
+              <a:rPr lang="en-US" sz="1800" b="1">
+                <a:solidFill>
+                  <a:srgbClr val="3F3F3F"/>
+                </a:solidFill>
+                <a:latin typeface="Courier New OS Bold" panose="02070609020205020404"/>
+                <a:ea typeface="Courier New OS Bold" panose="02070609020205020404"/>
+                <a:cs typeface="Courier New OS Bold" panose="02070609020205020404"/>
+                <a:sym typeface="Courier New OS Bold" panose="02070609020205020404"/>
+              </a:rPr>
+              <a:t>var</a:t>
+            </a:r>
+            <a:endParaRPr lang="en-US" sz="1800" b="1">
+              <a:solidFill>
+                <a:srgbClr val="3F3F3F"/>
+              </a:solidFill>
+              <a:latin typeface="Courier New OS Bold" panose="02070609020205020404"/>
+              <a:ea typeface="Courier New OS Bold" panose="02070609020205020404"/>
+              <a:cs typeface="Courier New OS Bold" panose="02070609020205020404"/>
+              <a:sym typeface="Courier New OS Bold" panose="02070609020205020404"/>
+            </a:endParaRPr>
+          </a:p>
+          <a:p>
+            <a:pPr marL="285750" indent="-285750" algn="l">
+              <a:lnSpc>
+                <a:spcPts val="2470"/>
+              </a:lnSpc>
+              <a:buFont typeface="Arial" panose="020B0604020202020204" pitchFamily="34" charset="0"/>
+              <a:buChar char="•"/>
+            </a:pPr>
+            <a:r>
+              <a:rPr lang="en-US" sz="1800" b="1">
+                <a:solidFill>
+                  <a:srgbClr val="3F3F3F"/>
+                </a:solidFill>
+                <a:latin typeface="Courier New OS Bold" panose="02070609020205020404"/>
+                <a:ea typeface="Courier New OS Bold" panose="02070609020205020404"/>
+                <a:cs typeface="Courier New OS Bold" panose="02070609020205020404"/>
+                <a:sym typeface="Courier New OS Bold" panose="02070609020205020404"/>
+              </a:rPr>
+              <a:t>version</a:t>
+            </a:r>
+            <a:endParaRPr lang="en-US" sz="1800" b="1">
+              <a:solidFill>
+                <a:srgbClr val="3F3F3F"/>
+              </a:solidFill>
+              <a:latin typeface="Courier New OS Bold" panose="02070609020205020404"/>
+              <a:ea typeface="Courier New OS Bold" panose="02070609020205020404"/>
+              <a:cs typeface="Courier New OS Bold" panose="02070609020205020404"/>
+              <a:sym typeface="Courier New OS Bold" panose="02070609020205020404"/>
+            </a:endParaRPr>
+          </a:p>
+          <a:p>
+            <a:pPr marL="285750" indent="-285750" algn="l">
+              <a:lnSpc>
+                <a:spcPts val="1895"/>
+              </a:lnSpc>
+              <a:buFont typeface="Arial" panose="020B0604020202020204" pitchFamily="34" charset="0"/>
+              <a:buChar char="•"/>
+            </a:pPr>
+            <a:r>
+              <a:rPr lang="en-US" sz="1800" b="1">
+                <a:solidFill>
+                  <a:srgbClr val="3F3F3F"/>
+                </a:solidFill>
+                <a:latin typeface="Courier New OS Bold" panose="02070609020205020404"/>
+                <a:ea typeface="Courier New OS Bold" panose="02070609020205020404"/>
+                <a:cs typeface="Courier New OS Bold" panose="02070609020205020404"/>
+                <a:sym typeface="Courier New OS Bold" panose="02070609020205020404"/>
+              </a:rPr>
+              <a:t>volume</a:t>
+            </a:r>
+            <a:endParaRPr lang="en-US" sz="1800" b="1">
+              <a:solidFill>
+                <a:srgbClr val="3F3F3F"/>
+              </a:solidFill>
+              <a:latin typeface="Courier New OS Bold" panose="02070609020205020404"/>
+              <a:ea typeface="Courier New OS Bold" panose="02070609020205020404"/>
+              <a:cs typeface="Courier New OS Bold" panose="02070609020205020404"/>
+              <a:sym typeface="Courier New OS Bold" panose="02070609020205020404"/>
+            </a:endParaRPr>
+          </a:p>
+        </p:txBody>
+      </p:sp>
+      <p:sp>
+        <p:nvSpPr>
+          <p:cNvPr id="24" name="TextBox 24"/>
+          <p:cNvSpPr txBox="1"/>
+          <p:nvPr/>
+        </p:nvSpPr>
+        <p:spPr>
+          <a:xfrm rot="5400000">
+            <a:off x="9470196" y="3080578"/>
+            <a:ext cx="5230187" cy="283210"/>
           </a:xfrm>
           <a:prstGeom prst="rect">
             <a:avLst/>
@@ -14861,764 +16116,11 @@
           </a:bodyPr>
           <a:lstStyle/>
           <a:p>
-            <a:pPr algn="just">
+            <a:pPr algn="l">
               <a:lnSpc>
-                <a:spcPts val="4200"/>
+                <a:spcPts val="2240"/>
               </a:lnSpc>
             </a:pPr>
-            <a:r>
-              <a:rPr lang="en-US" sz="2400" spc="-19">
-                <a:solidFill>
-                  <a:srgbClr val="3F3F3F"/>
-                </a:solidFill>
-                <a:latin typeface="IBM Plex Sans Condensed"/>
-                <a:ea typeface="IBM Plex Sans Condensed"/>
-                <a:cs typeface="IBM Plex Sans Condensed"/>
-                <a:sym typeface="IBM Plex Sans Condensed"/>
-              </a:rPr>
-              <a:t>• •</a:t>
-            </a:r>
-          </a:p>
-        </p:txBody>
-      </p:sp>
-      <p:sp>
-        <p:nvSpPr>
-          <p:cNvPr id="15" name="TextBox 15"/>
-          <p:cNvSpPr txBox="1"/>
-          <p:nvPr/>
-        </p:nvSpPr>
-        <p:spPr>
-          <a:xfrm>
-            <a:off x="711965" y="2108406"/>
-            <a:ext cx="5912834" cy="220742"/>
-          </a:xfrm>
-          <a:prstGeom prst="rect">
-            <a:avLst/>
-          </a:prstGeom>
-        </p:spPr>
-        <p:txBody>
-          <a:bodyPr lIns="0" tIns="0" rIns="0" bIns="0" rtlCol="0" anchor="t">
-            <a:spAutoFit/>
-          </a:bodyPr>
-          <a:lstStyle/>
-          <a:p>
-            <a:pPr algn="l">
-              <a:lnSpc>
-                <a:spcPts val="1200"/>
-              </a:lnSpc>
-            </a:pPr>
-            <a:r>
-              <a:rPr lang="en-US" sz="2400">
-                <a:solidFill>
-                  <a:srgbClr val="3F3F3F"/>
-                </a:solidFill>
-                <a:latin typeface="Roboto"/>
-                <a:ea typeface="Roboto"/>
-                <a:cs typeface="Roboto"/>
-                <a:sym typeface="Roboto"/>
-              </a:rPr>
-              <a:t>All commands in the Nomad CLI start with </a:t>
-            </a:r>
-          </a:p>
-        </p:txBody>
-      </p:sp>
-      <p:sp>
-        <p:nvSpPr>
-          <p:cNvPr id="16" name="TextBox 16"/>
-          <p:cNvSpPr txBox="1"/>
-          <p:nvPr/>
-        </p:nvSpPr>
-        <p:spPr>
-          <a:xfrm>
-            <a:off x="6509509" y="2255463"/>
-            <a:ext cx="1085526" cy="249298"/>
-          </a:xfrm>
-          <a:prstGeom prst="rect">
-            <a:avLst/>
-          </a:prstGeom>
-        </p:spPr>
-        <p:txBody>
-          <a:bodyPr lIns="0" tIns="0" rIns="0" bIns="0" rtlCol="0" anchor="t">
-            <a:spAutoFit/>
-          </a:bodyPr>
-          <a:lstStyle/>
-          <a:p>
-            <a:pPr algn="l">
-              <a:lnSpc>
-                <a:spcPts val="1400"/>
-              </a:lnSpc>
-            </a:pPr>
-            <a:r>
-              <a:rPr lang="en-US" sz="2800" b="1">
-                <a:solidFill>
-                  <a:srgbClr val="00CA8E"/>
-                </a:solidFill>
-                <a:latin typeface="Courier New OS Bold"/>
-                <a:ea typeface="Courier New OS Bold"/>
-                <a:cs typeface="Courier New OS Bold"/>
-                <a:sym typeface="Courier New OS Bold"/>
-              </a:rPr>
-              <a:t>nomad</a:t>
-            </a:r>
-          </a:p>
-        </p:txBody>
-      </p:sp>
-      <p:sp>
-        <p:nvSpPr>
-          <p:cNvPr id="17" name="TextBox 17"/>
-          <p:cNvSpPr txBox="1"/>
-          <p:nvPr/>
-        </p:nvSpPr>
-        <p:spPr>
-          <a:xfrm>
-            <a:off x="711965" y="2184606"/>
-            <a:ext cx="7694828" cy="677942"/>
-          </a:xfrm>
-          <a:prstGeom prst="rect">
-            <a:avLst/>
-          </a:prstGeom>
-        </p:spPr>
-        <p:txBody>
-          <a:bodyPr lIns="0" tIns="0" rIns="0" bIns="0" rtlCol="0" anchor="t">
-            <a:spAutoFit/>
-          </a:bodyPr>
-          <a:lstStyle/>
-          <a:p>
-            <a:pPr algn="l">
-              <a:lnSpc>
-                <a:spcPts val="6000"/>
-              </a:lnSpc>
-            </a:pPr>
-            <a:r>
-              <a:rPr lang="en-US" sz="2400">
-                <a:solidFill>
-                  <a:srgbClr val="3F3F3F"/>
-                </a:solidFill>
-                <a:latin typeface="Roboto"/>
-                <a:ea typeface="Roboto"/>
-                <a:cs typeface="Roboto"/>
-                <a:sym typeface="Roboto"/>
-              </a:rPr>
-              <a:t>Nomad has an extensive CLI with lots of subcommands</a:t>
-            </a:r>
-          </a:p>
-        </p:txBody>
-      </p:sp>
-      <p:sp>
-        <p:nvSpPr>
-          <p:cNvPr id="18" name="TextBox 18"/>
-          <p:cNvSpPr txBox="1"/>
-          <p:nvPr/>
-        </p:nvSpPr>
-        <p:spPr>
-          <a:xfrm>
-            <a:off x="1262901" y="3384061"/>
-            <a:ext cx="81610" cy="2464146"/>
-          </a:xfrm>
-          <a:prstGeom prst="rect">
-            <a:avLst/>
-          </a:prstGeom>
-        </p:spPr>
-        <p:txBody>
-          <a:bodyPr lIns="0" tIns="0" rIns="0" bIns="0" rtlCol="0" anchor="t">
-            <a:spAutoFit/>
-          </a:bodyPr>
-          <a:lstStyle/>
-          <a:p>
-            <a:pPr algn="just">
-              <a:lnSpc>
-                <a:spcPts val="2160"/>
-              </a:lnSpc>
-            </a:pPr>
-            <a:r>
-              <a:rPr lang="en-US" sz="1800" spc="-14">
-                <a:solidFill>
-                  <a:srgbClr val="3F3F3F"/>
-                </a:solidFill>
-                <a:latin typeface="IBM Plex Sans Condensed"/>
-                <a:ea typeface="IBM Plex Sans Condensed"/>
-                <a:cs typeface="IBM Plex Sans Condensed"/>
-                <a:sym typeface="IBM Plex Sans Condensed"/>
-              </a:rPr>
-              <a:t>• • • • • •</a:t>
-            </a:r>
-          </a:p>
-          <a:p>
-            <a:pPr algn="just">
-              <a:lnSpc>
-                <a:spcPts val="1944"/>
-              </a:lnSpc>
-            </a:pPr>
-            <a:r>
-              <a:rPr lang="en-US" sz="1800" spc="-14">
-                <a:solidFill>
-                  <a:srgbClr val="3F3F3F"/>
-                </a:solidFill>
-                <a:latin typeface="IBM Plex Sans Condensed"/>
-                <a:ea typeface="IBM Plex Sans Condensed"/>
-                <a:cs typeface="IBM Plex Sans Condensed"/>
-                <a:sym typeface="IBM Plex Sans Condensed"/>
-              </a:rPr>
-              <a:t>•</a:t>
-            </a:r>
-          </a:p>
-          <a:p>
-            <a:pPr algn="just">
-              <a:lnSpc>
-                <a:spcPts val="2471"/>
-              </a:lnSpc>
-            </a:pPr>
-            <a:r>
-              <a:rPr lang="en-US" sz="1800" spc="-14">
-                <a:solidFill>
-                  <a:srgbClr val="3F3F3F"/>
-                </a:solidFill>
-                <a:latin typeface="IBM Plex Sans Condensed"/>
-                <a:ea typeface="IBM Plex Sans Condensed"/>
-                <a:cs typeface="IBM Plex Sans Condensed"/>
-                <a:sym typeface="IBM Plex Sans Condensed"/>
-              </a:rPr>
-              <a:t>•</a:t>
-            </a:r>
-          </a:p>
-          <a:p>
-            <a:pPr algn="just">
-              <a:lnSpc>
-                <a:spcPts val="1895"/>
-              </a:lnSpc>
-            </a:pPr>
-            <a:r>
-              <a:rPr lang="en-US" sz="1800" spc="-14">
-                <a:solidFill>
-                  <a:srgbClr val="3F3F3F"/>
-                </a:solidFill>
-                <a:latin typeface="IBM Plex Sans Condensed"/>
-                <a:ea typeface="IBM Plex Sans Condensed"/>
-                <a:cs typeface="IBM Plex Sans Condensed"/>
-                <a:sym typeface="IBM Plex Sans Condensed"/>
-              </a:rPr>
-              <a:t>•</a:t>
-            </a:r>
-          </a:p>
-        </p:txBody>
-      </p:sp>
-      <p:sp>
-        <p:nvSpPr>
-          <p:cNvPr id="19" name="TextBox 19"/>
-          <p:cNvSpPr txBox="1"/>
-          <p:nvPr/>
-        </p:nvSpPr>
-        <p:spPr>
-          <a:xfrm>
-            <a:off x="3649370" y="3384061"/>
-            <a:ext cx="81610" cy="2464146"/>
-          </a:xfrm>
-          <a:prstGeom prst="rect">
-            <a:avLst/>
-          </a:prstGeom>
-        </p:spPr>
-        <p:txBody>
-          <a:bodyPr lIns="0" tIns="0" rIns="0" bIns="0" rtlCol="0" anchor="t">
-            <a:spAutoFit/>
-          </a:bodyPr>
-          <a:lstStyle/>
-          <a:p>
-            <a:pPr algn="just">
-              <a:lnSpc>
-                <a:spcPts val="2160"/>
-              </a:lnSpc>
-            </a:pPr>
-            <a:r>
-              <a:rPr lang="en-US" sz="1800" spc="-14">
-                <a:solidFill>
-                  <a:srgbClr val="3F3F3F"/>
-                </a:solidFill>
-                <a:latin typeface="IBM Plex Sans Condensed"/>
-                <a:ea typeface="IBM Plex Sans Condensed"/>
-                <a:cs typeface="IBM Plex Sans Condensed"/>
-                <a:sym typeface="IBM Plex Sans Condensed"/>
-              </a:rPr>
-              <a:t>• • • • • •</a:t>
-            </a:r>
-          </a:p>
-          <a:p>
-            <a:pPr algn="just">
-              <a:lnSpc>
-                <a:spcPts val="1944"/>
-              </a:lnSpc>
-            </a:pPr>
-            <a:r>
-              <a:rPr lang="en-US" sz="1800" spc="-14">
-                <a:solidFill>
-                  <a:srgbClr val="3F3F3F"/>
-                </a:solidFill>
-                <a:latin typeface="IBM Plex Sans Condensed"/>
-                <a:ea typeface="IBM Plex Sans Condensed"/>
-                <a:cs typeface="IBM Plex Sans Condensed"/>
-                <a:sym typeface="IBM Plex Sans Condensed"/>
-              </a:rPr>
-              <a:t>•</a:t>
-            </a:r>
-          </a:p>
-          <a:p>
-            <a:pPr algn="just">
-              <a:lnSpc>
-                <a:spcPts val="2471"/>
-              </a:lnSpc>
-            </a:pPr>
-            <a:r>
-              <a:rPr lang="en-US" sz="1800" spc="-14">
-                <a:solidFill>
-                  <a:srgbClr val="3F3F3F"/>
-                </a:solidFill>
-                <a:latin typeface="IBM Plex Sans Condensed"/>
-                <a:ea typeface="IBM Plex Sans Condensed"/>
-                <a:cs typeface="IBM Plex Sans Condensed"/>
-                <a:sym typeface="IBM Plex Sans Condensed"/>
-              </a:rPr>
-              <a:t>•</a:t>
-            </a:r>
-          </a:p>
-          <a:p>
-            <a:pPr algn="just">
-              <a:lnSpc>
-                <a:spcPts val="1895"/>
-              </a:lnSpc>
-            </a:pPr>
-            <a:r>
-              <a:rPr lang="en-US" sz="1800" spc="-14">
-                <a:solidFill>
-                  <a:srgbClr val="3F3F3F"/>
-                </a:solidFill>
-                <a:latin typeface="IBM Plex Sans Condensed"/>
-                <a:ea typeface="IBM Plex Sans Condensed"/>
-                <a:cs typeface="IBM Plex Sans Condensed"/>
-                <a:sym typeface="IBM Plex Sans Condensed"/>
-              </a:rPr>
-              <a:t>•</a:t>
-            </a:r>
-          </a:p>
-        </p:txBody>
-      </p:sp>
-      <p:sp>
-        <p:nvSpPr>
-          <p:cNvPr id="20" name="TextBox 20"/>
-          <p:cNvSpPr txBox="1"/>
-          <p:nvPr/>
-        </p:nvSpPr>
-        <p:spPr>
-          <a:xfrm>
-            <a:off x="6587271" y="3384061"/>
-            <a:ext cx="81610" cy="2464146"/>
-          </a:xfrm>
-          <a:prstGeom prst="rect">
-            <a:avLst/>
-          </a:prstGeom>
-        </p:spPr>
-        <p:txBody>
-          <a:bodyPr lIns="0" tIns="0" rIns="0" bIns="0" rtlCol="0" anchor="t">
-            <a:spAutoFit/>
-          </a:bodyPr>
-          <a:lstStyle/>
-          <a:p>
-            <a:pPr algn="just">
-              <a:lnSpc>
-                <a:spcPts val="2160"/>
-              </a:lnSpc>
-            </a:pPr>
-            <a:r>
-              <a:rPr lang="en-US" sz="1800" spc="-14">
-                <a:solidFill>
-                  <a:srgbClr val="3F3F3F"/>
-                </a:solidFill>
-                <a:latin typeface="IBM Plex Sans Condensed"/>
-                <a:ea typeface="IBM Plex Sans Condensed"/>
-                <a:cs typeface="IBM Plex Sans Condensed"/>
-                <a:sym typeface="IBM Plex Sans Condensed"/>
-              </a:rPr>
-              <a:t>• • • • • •</a:t>
-            </a:r>
-          </a:p>
-          <a:p>
-            <a:pPr algn="just">
-              <a:lnSpc>
-                <a:spcPts val="1944"/>
-              </a:lnSpc>
-            </a:pPr>
-            <a:r>
-              <a:rPr lang="en-US" sz="1800" spc="-14">
-                <a:solidFill>
-                  <a:srgbClr val="3F3F3F"/>
-                </a:solidFill>
-                <a:latin typeface="IBM Plex Sans Condensed"/>
-                <a:ea typeface="IBM Plex Sans Condensed"/>
-                <a:cs typeface="IBM Plex Sans Condensed"/>
-                <a:sym typeface="IBM Plex Sans Condensed"/>
-              </a:rPr>
-              <a:t>•</a:t>
-            </a:r>
-          </a:p>
-          <a:p>
-            <a:pPr algn="just">
-              <a:lnSpc>
-                <a:spcPts val="2471"/>
-              </a:lnSpc>
-            </a:pPr>
-            <a:r>
-              <a:rPr lang="en-US" sz="1800" spc="-14">
-                <a:solidFill>
-                  <a:srgbClr val="3F3F3F"/>
-                </a:solidFill>
-                <a:latin typeface="IBM Plex Sans Condensed"/>
-                <a:ea typeface="IBM Plex Sans Condensed"/>
-                <a:cs typeface="IBM Plex Sans Condensed"/>
-                <a:sym typeface="IBM Plex Sans Condensed"/>
-              </a:rPr>
-              <a:t>•</a:t>
-            </a:r>
-          </a:p>
-          <a:p>
-            <a:pPr algn="just">
-              <a:lnSpc>
-                <a:spcPts val="1895"/>
-              </a:lnSpc>
-            </a:pPr>
-            <a:r>
-              <a:rPr lang="en-US" sz="1800" spc="-14">
-                <a:solidFill>
-                  <a:srgbClr val="3F3F3F"/>
-                </a:solidFill>
-                <a:latin typeface="IBM Plex Sans Condensed"/>
-                <a:ea typeface="IBM Plex Sans Condensed"/>
-                <a:cs typeface="IBM Plex Sans Condensed"/>
-                <a:sym typeface="IBM Plex Sans Condensed"/>
-              </a:rPr>
-              <a:t>•</a:t>
-            </a:r>
-          </a:p>
-        </p:txBody>
-      </p:sp>
-      <p:sp>
-        <p:nvSpPr>
-          <p:cNvPr id="21" name="TextBox 21"/>
-          <p:cNvSpPr txBox="1"/>
-          <p:nvPr/>
-        </p:nvSpPr>
-        <p:spPr>
-          <a:xfrm>
-            <a:off x="1548651" y="3460318"/>
-            <a:ext cx="1393184" cy="2474566"/>
-          </a:xfrm>
-          <a:prstGeom prst="rect">
-            <a:avLst/>
-          </a:prstGeom>
-        </p:spPr>
-        <p:txBody>
-          <a:bodyPr lIns="0" tIns="0" rIns="0" bIns="0" rtlCol="0" anchor="t">
-            <a:spAutoFit/>
-          </a:bodyPr>
-          <a:lstStyle/>
-          <a:p>
-            <a:pPr algn="just">
-              <a:lnSpc>
-                <a:spcPts val="2160"/>
-              </a:lnSpc>
-            </a:pPr>
-            <a:r>
-              <a:rPr lang="en-US" sz="1800" b="1">
-                <a:solidFill>
-                  <a:srgbClr val="3F3F3F"/>
-                </a:solidFill>
-                <a:latin typeface="Courier New OS Bold"/>
-                <a:ea typeface="Courier New OS Bold"/>
-                <a:cs typeface="Courier New OS Bold"/>
-                <a:sym typeface="Courier New OS Bold"/>
-              </a:rPr>
-              <a:t>acl agent agent-info alloc config deployment</a:t>
-            </a:r>
-          </a:p>
-          <a:p>
-            <a:pPr algn="just">
-              <a:lnSpc>
-                <a:spcPts val="1944"/>
-              </a:lnSpc>
-            </a:pPr>
-            <a:r>
-              <a:rPr lang="en-US" sz="1800" b="1">
-                <a:solidFill>
-                  <a:srgbClr val="3F3F3F"/>
-                </a:solidFill>
-                <a:latin typeface="Courier New OS Bold"/>
-                <a:ea typeface="Courier New OS Bold"/>
-                <a:cs typeface="Courier New OS Bold"/>
-                <a:sym typeface="Courier New OS Bold"/>
-              </a:rPr>
-              <a:t>eval</a:t>
-            </a:r>
-          </a:p>
-          <a:p>
-            <a:pPr algn="just">
-              <a:lnSpc>
-                <a:spcPts val="2471"/>
-              </a:lnSpc>
-            </a:pPr>
-            <a:r>
-              <a:rPr lang="en-US" sz="1800" b="1">
-                <a:solidFill>
-                  <a:srgbClr val="3F3F3F"/>
-                </a:solidFill>
-                <a:latin typeface="Courier New OS Bold"/>
-                <a:ea typeface="Courier New OS Bold"/>
-                <a:cs typeface="Courier New OS Bold"/>
-                <a:sym typeface="Courier New OS Bold"/>
-              </a:rPr>
-              <a:t>fmt</a:t>
-            </a:r>
-          </a:p>
-          <a:p>
-            <a:pPr algn="just">
-              <a:lnSpc>
-                <a:spcPts val="1895"/>
-              </a:lnSpc>
-            </a:pPr>
-            <a:r>
-              <a:rPr lang="en-US" sz="1800" b="1">
-                <a:solidFill>
-                  <a:srgbClr val="3F3F3F"/>
-                </a:solidFill>
-                <a:latin typeface="Courier New OS Bold"/>
-                <a:ea typeface="Courier New OS Bold"/>
-                <a:cs typeface="Courier New OS Bold"/>
-                <a:sym typeface="Courier New OS Bold"/>
-              </a:rPr>
-              <a:t>job</a:t>
-            </a:r>
-          </a:p>
-        </p:txBody>
-      </p:sp>
-      <p:sp>
-        <p:nvSpPr>
-          <p:cNvPr id="22" name="TextBox 22"/>
-          <p:cNvSpPr txBox="1"/>
-          <p:nvPr/>
-        </p:nvSpPr>
-        <p:spPr>
-          <a:xfrm>
-            <a:off x="3935120" y="3460318"/>
-            <a:ext cx="1950158" cy="2474566"/>
-          </a:xfrm>
-          <a:prstGeom prst="rect">
-            <a:avLst/>
-          </a:prstGeom>
-        </p:spPr>
-        <p:txBody>
-          <a:bodyPr lIns="0" tIns="0" rIns="0" bIns="0" rtlCol="0" anchor="t">
-            <a:spAutoFit/>
-          </a:bodyPr>
-          <a:lstStyle/>
-          <a:p>
-            <a:pPr algn="just">
-              <a:lnSpc>
-                <a:spcPts val="2160"/>
-              </a:lnSpc>
-            </a:pPr>
-            <a:r>
-              <a:rPr lang="en-US" sz="1800" b="1">
-                <a:solidFill>
-                  <a:srgbClr val="3F3F3F"/>
-                </a:solidFill>
-                <a:latin typeface="Courier New OS Bold"/>
-                <a:ea typeface="Courier New OS Bold"/>
-                <a:cs typeface="Courier New OS Bold"/>
-                <a:sym typeface="Courier New OS Bold"/>
-              </a:rPr>
-              <a:t>license monitor namespace node operator plugin</a:t>
-            </a:r>
-          </a:p>
-          <a:p>
-            <a:pPr algn="just">
-              <a:lnSpc>
-                <a:spcPts val="1944"/>
-              </a:lnSpc>
-            </a:pPr>
-            <a:r>
-              <a:rPr lang="en-US" sz="1800" b="1">
-                <a:solidFill>
-                  <a:srgbClr val="3F3F3F"/>
-                </a:solidFill>
-                <a:latin typeface="Courier New OS Bold"/>
-                <a:ea typeface="Courier New OS Bold"/>
-                <a:cs typeface="Courier New OS Bold"/>
-                <a:sym typeface="Courier New OS Bold"/>
-              </a:rPr>
-              <a:t>quota</a:t>
-            </a:r>
-          </a:p>
-          <a:p>
-            <a:pPr algn="just">
-              <a:lnSpc>
-                <a:spcPts val="2471"/>
-              </a:lnSpc>
-            </a:pPr>
-            <a:r>
-              <a:rPr lang="en-US" sz="1800" b="1">
-                <a:solidFill>
-                  <a:srgbClr val="3F3F3F"/>
-                </a:solidFill>
-                <a:latin typeface="Courier New OS Bold"/>
-                <a:ea typeface="Courier New OS Bold"/>
-                <a:cs typeface="Courier New OS Bold"/>
-                <a:sym typeface="Courier New OS Bold"/>
-              </a:rPr>
-              <a:t>recommendation</a:t>
-            </a:r>
-          </a:p>
-          <a:p>
-            <a:pPr algn="just">
-              <a:lnSpc>
-                <a:spcPts val="1895"/>
-              </a:lnSpc>
-            </a:pPr>
-            <a:r>
-              <a:rPr lang="en-US" sz="1800" b="1">
-                <a:solidFill>
-                  <a:srgbClr val="3F3F3F"/>
-                </a:solidFill>
-                <a:latin typeface="Courier New OS Bold"/>
-                <a:ea typeface="Courier New OS Bold"/>
-                <a:cs typeface="Courier New OS Bold"/>
-                <a:sym typeface="Courier New OS Bold"/>
-              </a:rPr>
-              <a:t>scaling</a:t>
-            </a:r>
-          </a:p>
-        </p:txBody>
-      </p:sp>
-      <p:sp>
-        <p:nvSpPr>
-          <p:cNvPr id="23" name="TextBox 23"/>
-          <p:cNvSpPr txBox="1"/>
-          <p:nvPr/>
-        </p:nvSpPr>
-        <p:spPr>
-          <a:xfrm>
-            <a:off x="6873021" y="3460318"/>
-            <a:ext cx="1114654" cy="2474566"/>
-          </a:xfrm>
-          <a:prstGeom prst="rect">
-            <a:avLst/>
-          </a:prstGeom>
-        </p:spPr>
-        <p:txBody>
-          <a:bodyPr lIns="0" tIns="0" rIns="0" bIns="0" rtlCol="0" anchor="t">
-            <a:spAutoFit/>
-          </a:bodyPr>
-          <a:lstStyle/>
-          <a:p>
-            <a:pPr algn="just">
-              <a:lnSpc>
-                <a:spcPts val="2160"/>
-              </a:lnSpc>
-            </a:pPr>
-            <a:r>
-              <a:rPr lang="en-US" sz="1800" b="1">
-                <a:solidFill>
-                  <a:srgbClr val="3F3F3F"/>
-                </a:solidFill>
-                <a:latin typeface="Courier New OS Bold"/>
-                <a:ea typeface="Courier New OS Bold"/>
-                <a:cs typeface="Courier New OS Bold"/>
-                <a:sym typeface="Courier New OS Bold"/>
-              </a:rPr>
-              <a:t>sentinel server service status system ui</a:t>
-            </a:r>
-          </a:p>
-          <a:p>
-            <a:pPr algn="just">
-              <a:lnSpc>
-                <a:spcPts val="1944"/>
-              </a:lnSpc>
-            </a:pPr>
-            <a:r>
-              <a:rPr lang="en-US" sz="1800" b="1">
-                <a:solidFill>
-                  <a:srgbClr val="3F3F3F"/>
-                </a:solidFill>
-                <a:latin typeface="Courier New OS Bold"/>
-                <a:ea typeface="Courier New OS Bold"/>
-                <a:cs typeface="Courier New OS Bold"/>
-                <a:sym typeface="Courier New OS Bold"/>
-              </a:rPr>
-              <a:t>var</a:t>
-            </a:r>
-          </a:p>
-          <a:p>
-            <a:pPr algn="just">
-              <a:lnSpc>
-                <a:spcPts val="2471"/>
-              </a:lnSpc>
-            </a:pPr>
-            <a:r>
-              <a:rPr lang="en-US" sz="1800" b="1">
-                <a:solidFill>
-                  <a:srgbClr val="3F3F3F"/>
-                </a:solidFill>
-                <a:latin typeface="Courier New OS Bold"/>
-                <a:ea typeface="Courier New OS Bold"/>
-                <a:cs typeface="Courier New OS Bold"/>
-                <a:sym typeface="Courier New OS Bold"/>
-              </a:rPr>
-              <a:t>version</a:t>
-            </a:r>
-          </a:p>
-          <a:p>
-            <a:pPr algn="just">
-              <a:lnSpc>
-                <a:spcPts val="1895"/>
-              </a:lnSpc>
-            </a:pPr>
-            <a:r>
-              <a:rPr lang="en-US" sz="1800" b="1">
-                <a:solidFill>
-                  <a:srgbClr val="3F3F3F"/>
-                </a:solidFill>
-                <a:latin typeface="Courier New OS Bold"/>
-                <a:ea typeface="Courier New OS Bold"/>
-                <a:cs typeface="Courier New OS Bold"/>
-                <a:sym typeface="Courier New OS Bold"/>
-              </a:rPr>
-              <a:t>volume</a:t>
-            </a:r>
-          </a:p>
-        </p:txBody>
-      </p:sp>
-      <p:sp>
-        <p:nvSpPr>
-          <p:cNvPr id="24" name="TextBox 24"/>
-          <p:cNvSpPr txBox="1"/>
-          <p:nvPr/>
-        </p:nvSpPr>
-        <p:spPr>
-          <a:xfrm rot="5400000">
-            <a:off x="9470196" y="3080578"/>
-            <a:ext cx="5230187" cy="283210"/>
-          </a:xfrm>
-          <a:prstGeom prst="rect">
-            <a:avLst/>
-          </a:prstGeom>
-        </p:spPr>
-        <p:txBody>
-          <a:bodyPr lIns="0" tIns="0" rIns="0" bIns="0" rtlCol="0" anchor="t">
-            <a:spAutoFit/>
-          </a:bodyPr>
-          <a:lstStyle/>
-          <a:p>
-            <a:pPr algn="l">
-              <a:lnSpc>
-                <a:spcPts val="2239"/>
-              </a:lnSpc>
-            </a:pPr>
-            <a:endParaRPr/>
           </a:p>
         </p:txBody>
       </p:sp>
@@ -15686,7 +16188,7 @@
             </a:pathLst>
           </a:custGeom>
           <a:blipFill>
-            <a:blip r:embed="rId2"/>
+            <a:blip r:embed="rId1"/>
             <a:stretch>
               <a:fillRect b="-2479"/>
             </a:stretch>
@@ -15732,7 +16234,7 @@
             </a:pathLst>
           </a:custGeom>
           <a:blipFill>
-            <a:blip r:embed="rId3"/>
+            <a:blip r:embed="rId2"/>
             <a:stretch>
               <a:fillRect l="-29154" t="-12440" r="-31171" b="-69738"/>
             </a:stretch>
@@ -15875,7 +16377,7 @@
             </a:pathLst>
           </a:custGeom>
           <a:blipFill>
-            <a:blip r:embed="rId2"/>
+            <a:blip r:embed="rId1"/>
             <a:stretch>
               <a:fillRect b="-2479"/>
             </a:stretch>
@@ -15921,7 +16423,7 @@
             </a:pathLst>
           </a:custGeom>
           <a:blipFill>
-            <a:blip r:embed="rId3"/>
+            <a:blip r:embed="rId2"/>
             <a:stretch>
               <a:fillRect l="-29154" t="-12440" r="-31171" b="-69738"/>
             </a:stretch>
@@ -15967,7 +16469,7 @@
             </a:pathLst>
           </a:custGeom>
           <a:blipFill>
-            <a:blip r:embed="rId4"/>
+            <a:blip r:embed="rId3"/>
             <a:stretch>
               <a:fillRect l="-29103" t="-12862" r="-29998" b="-69323"/>
             </a:stretch>
@@ -16012,19 +16514,158 @@
               </a:rPr>
               <a:t>Nomad CLI</a:t>
             </a:r>
+            <a:endParaRPr lang="en-US" sz="3600" b="1">
+              <a:solidFill>
+                <a:srgbClr val="FFFFFF"/>
+              </a:solidFill>
+              <a:latin typeface="Raleway Heavy"/>
+              <a:ea typeface="Raleway Heavy"/>
+              <a:cs typeface="Raleway Heavy"/>
+              <a:sym typeface="Raleway Heavy"/>
+            </a:endParaRPr>
           </a:p>
         </p:txBody>
       </p:sp>
       <p:sp>
         <p:nvSpPr>
-          <p:cNvPr id="11" name="TextBox 11"/>
+          <p:cNvPr id="15" name="TextBox 15"/>
           <p:cNvSpPr txBox="1"/>
           <p:nvPr/>
         </p:nvSpPr>
         <p:spPr>
           <a:xfrm>
-            <a:off x="3740839" y="837886"/>
-            <a:ext cx="90678" cy="1050874"/>
+            <a:off x="4083685" y="796290"/>
+            <a:ext cx="6410960" cy="1384935"/>
+          </a:xfrm>
+          <a:prstGeom prst="rect">
+            <a:avLst/>
+          </a:prstGeom>
+        </p:spPr>
+        <p:txBody>
+          <a:bodyPr wrap="square" lIns="0" tIns="0" rIns="0" bIns="0" rtlCol="0" anchor="t">
+            <a:spAutoFit/>
+          </a:bodyPr>
+          <a:lstStyle/>
+          <a:p>
+            <a:pPr marL="342900" indent="-342900" algn="l">
+              <a:lnSpc>
+                <a:spcPct val="150000"/>
+              </a:lnSpc>
+              <a:buFont typeface="Arial" panose="020B0604020202020204" pitchFamily="34" charset="0"/>
+              <a:buChar char="•"/>
+            </a:pPr>
+            <a:r>
+              <a:rPr lang="en-US" sz="2000">
+                <a:solidFill>
+                  <a:srgbClr val="3F3F3F"/>
+                </a:solidFill>
+                <a:latin typeface="Roboto" panose="02000000000000000000"/>
+                <a:ea typeface="Roboto" panose="02000000000000000000"/>
+                <a:cs typeface="Roboto" panose="02000000000000000000"/>
+                <a:sym typeface="Roboto" panose="02000000000000000000"/>
+              </a:rPr>
+              <a:t>Nomad CLI supports help commands </a:t>
+            </a:r>
+            <a:endParaRPr lang="en-US" sz="2000">
+              <a:solidFill>
+                <a:srgbClr val="3F3F3F"/>
+              </a:solidFill>
+              <a:latin typeface="Roboto" panose="02000000000000000000"/>
+              <a:ea typeface="Roboto" panose="02000000000000000000"/>
+              <a:cs typeface="Roboto" panose="02000000000000000000"/>
+              <a:sym typeface="Roboto" panose="02000000000000000000"/>
+            </a:endParaRPr>
+          </a:p>
+          <a:p>
+            <a:pPr marL="342900" indent="-342900" algn="l">
+              <a:lnSpc>
+                <a:spcPct val="150000"/>
+              </a:lnSpc>
+              <a:buFont typeface="Arial" panose="020B0604020202020204" pitchFamily="34" charset="0"/>
+              <a:buChar char="•"/>
+            </a:pPr>
+            <a:r>
+              <a:rPr lang="en-US" sz="2000" spc="3">
+                <a:solidFill>
+                  <a:srgbClr val="3F3F3F"/>
+                </a:solidFill>
+                <a:latin typeface="Roboto" panose="02000000000000000000"/>
+                <a:ea typeface="Roboto" panose="02000000000000000000"/>
+                <a:cs typeface="Roboto" panose="02000000000000000000"/>
+                <a:sym typeface="Roboto" panose="02000000000000000000"/>
+              </a:rPr>
+              <a:t>Use </a:t>
+            </a:r>
+            <a:r>
+              <a:rPr lang="en-US" sz="2000" b="1">
+                <a:solidFill>
+                  <a:srgbClr val="00CA8E"/>
+                </a:solidFill>
+                <a:latin typeface="Courier New OS Bold" panose="02070609020205020404"/>
+                <a:ea typeface="Courier New OS Bold" panose="02070609020205020404"/>
+                <a:cs typeface="Courier New OS Bold" panose="02070609020205020404"/>
+                <a:sym typeface="Courier New OS Bold" panose="02070609020205020404"/>
+              </a:rPr>
+              <a:t>–h </a:t>
+            </a:r>
+            <a:r>
+              <a:rPr lang="en-US" sz="2000">
+                <a:solidFill>
+                  <a:srgbClr val="3F3F3F"/>
+                </a:solidFill>
+                <a:latin typeface="Courier New OS" panose="02070309020205020404"/>
+                <a:ea typeface="Courier New OS" panose="02070309020205020404"/>
+                <a:cs typeface="Courier New OS" panose="02070309020205020404"/>
+                <a:sym typeface="Courier New OS" panose="02070309020205020404"/>
+              </a:rPr>
+              <a:t>or </a:t>
+            </a:r>
+            <a:r>
+              <a:rPr lang="en-US" sz="2000" b="1">
+                <a:solidFill>
+                  <a:srgbClr val="00CA8E"/>
+                </a:solidFill>
+                <a:latin typeface="Courier New OS Bold" panose="02070609020205020404"/>
+                <a:ea typeface="Courier New OS Bold" panose="02070609020205020404"/>
+                <a:cs typeface="Courier New OS Bold" panose="02070609020205020404"/>
+                <a:sym typeface="Courier New OS Bold" panose="02070609020205020404"/>
+              </a:rPr>
+              <a:t>--help </a:t>
+            </a:r>
+            <a:r>
+              <a:rPr lang="en-US" sz="2000">
+                <a:solidFill>
+                  <a:srgbClr val="3F3F3F"/>
+                </a:solidFill>
+                <a:latin typeface="Roboto" panose="02000000000000000000"/>
+                <a:ea typeface="Roboto" panose="02000000000000000000"/>
+                <a:cs typeface="Roboto" panose="02000000000000000000"/>
+                <a:sym typeface="Roboto" panose="02000000000000000000"/>
+              </a:rPr>
+              <a:t>or just press enter to see a list of available commands</a:t>
+            </a:r>
+            <a:endParaRPr lang="en-US" sz="2000">
+              <a:solidFill>
+                <a:srgbClr val="3F3F3F"/>
+              </a:solidFill>
+              <a:latin typeface="Roboto" panose="02000000000000000000"/>
+              <a:ea typeface="Roboto" panose="02000000000000000000"/>
+              <a:cs typeface="Roboto" panose="02000000000000000000"/>
+              <a:sym typeface="Roboto" panose="02000000000000000000"/>
+            </a:endParaRPr>
+          </a:p>
+        </p:txBody>
+      </p:sp>
+      <p:sp>
+        <p:nvSpPr>
+          <p:cNvPr id="20" name="TextBox 20"/>
+          <p:cNvSpPr txBox="1"/>
+          <p:nvPr/>
+        </p:nvSpPr>
+        <p:spPr>
+          <a:xfrm>
+            <a:off x="4083739" y="3194066"/>
+            <a:ext cx="7697791" cy="3129915"/>
           </a:xfrm>
           <a:prstGeom prst="rect">
             <a:avLst/>
@@ -16038,34 +16679,255 @@
           <a:p>
             <a:pPr algn="just">
               <a:lnSpc>
-                <a:spcPts val="4415"/>
+                <a:spcPts val="2400"/>
               </a:lnSpc>
             </a:pPr>
             <a:r>
-              <a:rPr lang="en-US" sz="1999" spc="-15">
+              <a:rPr lang="en-US" sz="2000">
                 <a:solidFill>
                   <a:srgbClr val="3F3F3F"/>
                 </a:solidFill>
-                <a:latin typeface="IBM Plex Sans Condensed"/>
-                <a:ea typeface="IBM Plex Sans Condensed"/>
-                <a:cs typeface="IBM Plex Sans Condensed"/>
-                <a:sym typeface="IBM Plex Sans Condensed"/>
+                <a:latin typeface="Roboto" panose="02000000000000000000"/>
+                <a:ea typeface="Roboto" panose="02000000000000000000"/>
+                <a:cs typeface="Roboto" panose="02000000000000000000"/>
+                <a:sym typeface="Roboto" panose="02000000000000000000"/>
               </a:rPr>
-              <a:t>• •</a:t>
-            </a:r>
+              <a:t>The CLI is </a:t>
+            </a:r>
+            <a:r>
+              <a:rPr lang="en-US" sz="2000" i="1">
+                <a:solidFill>
+                  <a:srgbClr val="3F3F3F"/>
+                </a:solidFill>
+                <a:latin typeface="Roboto Italics" panose="02000000000000000000"/>
+                <a:ea typeface="Roboto Italics" panose="02000000000000000000"/>
+                <a:cs typeface="Roboto Italics" panose="02000000000000000000"/>
+                <a:sym typeface="Roboto Italics" panose="02000000000000000000"/>
+              </a:rPr>
+              <a:t>&lt;mostly&gt; </a:t>
+            </a:r>
+            <a:r>
+              <a:rPr lang="en-US" sz="2000">
+                <a:solidFill>
+                  <a:srgbClr val="3F3F3F"/>
+                </a:solidFill>
+                <a:latin typeface="Roboto" panose="02000000000000000000"/>
+                <a:ea typeface="Roboto" panose="02000000000000000000"/>
+                <a:cs typeface="Roboto" panose="02000000000000000000"/>
+                <a:sym typeface="Roboto" panose="02000000000000000000"/>
+              </a:rPr>
+              <a:t>used for managing jobs and therefore defaults to working with jobs unless you specify a different command name</a:t>
+            </a:r>
+            <a:endParaRPr lang="en-US" sz="2000">
+              <a:solidFill>
+                <a:srgbClr val="3F3F3F"/>
+              </a:solidFill>
+              <a:latin typeface="Roboto" panose="02000000000000000000"/>
+              <a:ea typeface="Roboto" panose="02000000000000000000"/>
+              <a:cs typeface="Roboto" panose="02000000000000000000"/>
+              <a:sym typeface="Roboto" panose="02000000000000000000"/>
+            </a:endParaRPr>
+          </a:p>
+          <a:p>
+            <a:pPr algn="just">
+              <a:lnSpc>
+                <a:spcPts val="5000"/>
+              </a:lnSpc>
+            </a:pPr>
+            <a:r>
+              <a:rPr lang="en-US" sz="2000">
+                <a:solidFill>
+                  <a:srgbClr val="3F3F3F"/>
+                </a:solidFill>
+                <a:latin typeface="Roboto" panose="02000000000000000000"/>
+                <a:ea typeface="Roboto" panose="02000000000000000000"/>
+                <a:cs typeface="Roboto" panose="02000000000000000000"/>
+                <a:sym typeface="Roboto" panose="02000000000000000000"/>
+              </a:rPr>
+              <a:t>Examples:</a:t>
+            </a:r>
+            <a:endParaRPr lang="en-US" sz="2000">
+              <a:solidFill>
+                <a:srgbClr val="3F3F3F"/>
+              </a:solidFill>
+              <a:latin typeface="Roboto" panose="02000000000000000000"/>
+              <a:ea typeface="Roboto" panose="02000000000000000000"/>
+              <a:cs typeface="Roboto" panose="02000000000000000000"/>
+              <a:sym typeface="Roboto" panose="02000000000000000000"/>
+            </a:endParaRPr>
+          </a:p>
+          <a:p>
+            <a:pPr marL="342900" indent="-342900" algn="l">
+              <a:lnSpc>
+                <a:spcPts val="2305"/>
+              </a:lnSpc>
+              <a:buFont typeface="Arial" panose="020B0604020202020204" pitchFamily="34" charset="0"/>
+              <a:buChar char="•"/>
+            </a:pPr>
+            <a:r>
+              <a:rPr lang="en-US" sz="2000" b="1" dirty="0">
+                <a:solidFill>
+                  <a:srgbClr val="00CA8E"/>
+                </a:solidFill>
+                <a:latin typeface="Courier New OS Bold" panose="02070609020205020404"/>
+                <a:ea typeface="Courier New OS Bold" panose="02070609020205020404"/>
+                <a:cs typeface="Courier New OS Bold" panose="02070609020205020404"/>
+                <a:sym typeface="Courier New OS Bold" panose="02070609020205020404"/>
+              </a:rPr>
+              <a:t>nomad run </a:t>
+            </a:r>
+            <a:r>
+              <a:rPr lang="en-US" sz="2000" b="1" dirty="0" err="1">
+                <a:solidFill>
+                  <a:srgbClr val="00CA8E"/>
+                </a:solidFill>
+                <a:latin typeface="Courier New OS Bold" panose="02070609020205020404"/>
+                <a:ea typeface="Courier New OS Bold" panose="02070609020205020404"/>
+                <a:cs typeface="Courier New OS Bold" panose="02070609020205020404"/>
+                <a:sym typeface="Courier New OS Bold" panose="02070609020205020404"/>
+              </a:rPr>
+              <a:t>myapp.nomad </a:t>
+            </a:r>
+            <a:r>
+              <a:rPr lang="en-US" sz="2000">
+                <a:solidFill>
+                  <a:srgbClr val="3F3F3F"/>
+                </a:solidFill>
+                <a:latin typeface="Roboto" panose="02000000000000000000"/>
+                <a:ea typeface="Roboto" panose="02000000000000000000"/>
+                <a:cs typeface="Roboto" panose="02000000000000000000"/>
+                <a:sym typeface="Roboto" panose="02000000000000000000"/>
+              </a:rPr>
+              <a:t>is equal to </a:t>
+            </a:r>
+            <a:r>
+              <a:rPr lang="en-US" sz="2000" b="1">
+                <a:solidFill>
+                  <a:srgbClr val="00CA8E"/>
+                </a:solidFill>
+                <a:latin typeface="Courier New OS Bold" panose="02070609020205020404"/>
+                <a:ea typeface="Courier New OS Bold" panose="02070609020205020404"/>
+                <a:cs typeface="Courier New OS Bold" panose="02070609020205020404"/>
+                <a:sym typeface="Courier New OS Bold" panose="02070609020205020404"/>
+              </a:rPr>
+              <a:t>nomad job run </a:t>
+            </a:r>
+            <a:r>
+              <a:rPr lang="en-US" sz="2000" b="1" dirty="0" err="1">
+                <a:solidFill>
+                  <a:srgbClr val="00CA8E"/>
+                </a:solidFill>
+                <a:latin typeface="Courier New OS Bold" panose="02070609020205020404"/>
+                <a:ea typeface="Courier New OS Bold" panose="02070609020205020404"/>
+                <a:cs typeface="Courier New OS Bold" panose="02070609020205020404"/>
+                <a:sym typeface="Courier New OS Bold" panose="02070609020205020404"/>
+              </a:rPr>
+              <a:t>myapp.nomad</a:t>
+            </a:r>
+            <a:endParaRPr lang="en-US" sz="2000">
+              <a:solidFill>
+                <a:srgbClr val="3F3F3F"/>
+              </a:solidFill>
+              <a:latin typeface="Roboto" panose="02000000000000000000"/>
+              <a:ea typeface="Roboto" panose="02000000000000000000"/>
+              <a:cs typeface="Roboto" panose="02000000000000000000"/>
+              <a:sym typeface="Roboto" panose="02000000000000000000"/>
+            </a:endParaRPr>
+          </a:p>
+          <a:p>
+            <a:pPr marL="342900" indent="-342900" algn="l">
+              <a:lnSpc>
+                <a:spcPts val="5000"/>
+              </a:lnSpc>
+              <a:buFont typeface="Arial" panose="020B0604020202020204" pitchFamily="34" charset="0"/>
+              <a:buChar char="•"/>
+            </a:pPr>
+            <a:r>
+              <a:rPr lang="en-US" sz="2000" b="1" dirty="0">
+                <a:solidFill>
+                  <a:srgbClr val="00CA8E"/>
+                </a:solidFill>
+                <a:latin typeface="Courier New OS Bold" panose="02070609020205020404"/>
+                <a:ea typeface="Courier New OS Bold" panose="02070609020205020404"/>
+                <a:cs typeface="Courier New OS Bold" panose="02070609020205020404"/>
+                <a:sym typeface="Courier New OS Bold" panose="02070609020205020404"/>
+              </a:rPr>
+              <a:t>nomad status </a:t>
+            </a:r>
+            <a:r>
+              <a:rPr lang="en-US" sz="2000">
+                <a:solidFill>
+                  <a:srgbClr val="3F3F3F"/>
+                </a:solidFill>
+                <a:latin typeface="Roboto" panose="02000000000000000000"/>
+                <a:ea typeface="Roboto" panose="02000000000000000000"/>
+                <a:cs typeface="Roboto" panose="02000000000000000000"/>
+                <a:sym typeface="Courier New OS" panose="02070309020205020404"/>
+              </a:rPr>
+              <a:t>is equal to</a:t>
+            </a:r>
+            <a:r>
+              <a:rPr lang="en-US" sz="2000" dirty="0">
+                <a:solidFill>
+                  <a:srgbClr val="3F3F3F"/>
+                </a:solidFill>
+                <a:latin typeface="Courier New OS" panose="02070309020205020404"/>
+                <a:ea typeface="Courier New OS" panose="02070309020205020404"/>
+                <a:cs typeface="Courier New OS" panose="02070309020205020404"/>
+                <a:sym typeface="Courier New OS" panose="02070309020205020404"/>
+              </a:rPr>
+              <a:t> </a:t>
+            </a:r>
+            <a:r>
+              <a:rPr lang="en-US" sz="2000" b="1" dirty="0">
+                <a:solidFill>
+                  <a:srgbClr val="00CA8E"/>
+                </a:solidFill>
+                <a:latin typeface="Courier New OS Bold" panose="02070609020205020404"/>
+                <a:ea typeface="Courier New OS Bold" panose="02070609020205020404"/>
+                <a:cs typeface="Courier New OS Bold" panose="02070609020205020404"/>
+                <a:sym typeface="Courier New OS Bold" panose="02070609020205020404"/>
+              </a:rPr>
+              <a:t>nomad job status</a:t>
+            </a:r>
+            <a:endParaRPr lang="en-US" sz="2000" b="1" dirty="0">
+              <a:solidFill>
+                <a:srgbClr val="00CA8E"/>
+              </a:solidFill>
+              <a:latin typeface="Courier New OS Bold" panose="02070609020205020404"/>
+              <a:ea typeface="Courier New OS Bold" panose="02070609020205020404"/>
+              <a:cs typeface="Courier New OS Bold" panose="02070609020205020404"/>
+              <a:sym typeface="Courier New OS Bold" panose="02070609020205020404"/>
+            </a:endParaRPr>
+          </a:p>
+          <a:p>
+            <a:pPr algn="just">
+              <a:lnSpc>
+                <a:spcPts val="5000"/>
+              </a:lnSpc>
+            </a:pPr>
+            <a:endParaRPr lang="en-US" sz="2000">
+              <a:solidFill>
+                <a:srgbClr val="3F3F3F"/>
+              </a:solidFill>
+              <a:latin typeface="Roboto" panose="02000000000000000000"/>
+              <a:ea typeface="Roboto" panose="02000000000000000000"/>
+              <a:cs typeface="Roboto" panose="02000000000000000000"/>
+              <a:sym typeface="Roboto" panose="02000000000000000000"/>
+            </a:endParaRPr>
           </a:p>
         </p:txBody>
       </p:sp>
       <p:sp>
         <p:nvSpPr>
-          <p:cNvPr id="12" name="TextBox 12"/>
+          <p:cNvPr id="24" name="TextBox 24"/>
           <p:cNvSpPr txBox="1"/>
           <p:nvPr/>
         </p:nvSpPr>
         <p:spPr>
           <a:xfrm>
-            <a:off x="3740839" y="3197419"/>
-            <a:ext cx="90678" cy="328117"/>
+            <a:off x="9124055" y="4680709"/>
+            <a:ext cx="2176272" cy="295275"/>
           </a:xfrm>
           <a:prstGeom prst="rect">
             <a:avLst/>
@@ -16079,34 +16941,43 @@
           <a:p>
             <a:pPr algn="l">
               <a:lnSpc>
-                <a:spcPts val="2799"/>
+                <a:spcPts val="2305"/>
               </a:lnSpc>
             </a:pPr>
             <a:r>
-              <a:rPr lang="en-US" sz="1999" spc="-15">
+              <a:rPr lang="en-US" sz="2000" b="1">
                 <a:solidFill>
-                  <a:srgbClr val="3F3F3F"/>
+                  <a:srgbClr val="00CA8E"/>
                 </a:solidFill>
-                <a:latin typeface="IBM Plex Sans Condensed"/>
-                <a:ea typeface="IBM Plex Sans Condensed"/>
-                <a:cs typeface="IBM Plex Sans Condensed"/>
-                <a:sym typeface="IBM Plex Sans Condensed"/>
+                <a:latin typeface="Courier New OS Bold" panose="02070609020205020404"/>
+                <a:ea typeface="Courier New OS Bold" panose="02070609020205020404"/>
+                <a:cs typeface="Courier New OS Bold" panose="02070609020205020404"/>
+                <a:sym typeface="Courier New OS Bold" panose="02070609020205020404"/>
               </a:rPr>
-              <a:t>•</a:t>
-            </a:r>
+              <a:t> </a:t>
+            </a:r>
+            <a:endParaRPr lang="en-US" sz="2000" b="1">
+              <a:solidFill>
+                <a:srgbClr val="00CA8E"/>
+              </a:solidFill>
+              <a:latin typeface="Courier New OS Bold" panose="02070609020205020404"/>
+              <a:ea typeface="Courier New OS Bold" panose="02070609020205020404"/>
+              <a:cs typeface="Courier New OS Bold" panose="02070609020205020404"/>
+              <a:sym typeface="Courier New OS Bold" panose="02070609020205020404"/>
+            </a:endParaRPr>
           </a:p>
         </p:txBody>
       </p:sp>
       <p:sp>
         <p:nvSpPr>
-          <p:cNvPr id="13" name="TextBox 13"/>
+          <p:cNvPr id="25" name="TextBox 25"/>
           <p:cNvSpPr txBox="1"/>
           <p:nvPr/>
         </p:nvSpPr>
         <p:spPr>
-          <a:xfrm>
-            <a:off x="3740839" y="4035619"/>
-            <a:ext cx="90678" cy="328117"/>
+          <a:xfrm rot="5400000">
+            <a:off x="9470196" y="3080578"/>
+            <a:ext cx="5230187" cy="283210"/>
           </a:xfrm>
           <a:prstGeom prst="rect">
             <a:avLst/>
@@ -16120,657 +16991,9 @@
           <a:p>
             <a:pPr algn="l">
               <a:lnSpc>
-                <a:spcPts val="2799"/>
+                <a:spcPts val="2240"/>
               </a:lnSpc>
             </a:pPr>
-            <a:r>
-              <a:rPr lang="en-US" sz="1999" spc="-15">
-                <a:solidFill>
-                  <a:srgbClr val="3F3F3F"/>
-                </a:solidFill>
-                <a:latin typeface="IBM Plex Sans Condensed"/>
-                <a:ea typeface="IBM Plex Sans Condensed"/>
-                <a:cs typeface="IBM Plex Sans Condensed"/>
-                <a:sym typeface="IBM Plex Sans Condensed"/>
-              </a:rPr>
-              <a:t>•</a:t>
-            </a:r>
-          </a:p>
-        </p:txBody>
-      </p:sp>
-      <p:sp>
-        <p:nvSpPr>
-          <p:cNvPr id="14" name="TextBox 14"/>
-          <p:cNvSpPr txBox="1"/>
-          <p:nvPr/>
-        </p:nvSpPr>
-        <p:spPr>
-          <a:xfrm>
-            <a:off x="4198039" y="5395027"/>
-            <a:ext cx="90678" cy="328117"/>
-          </a:xfrm>
-          <a:prstGeom prst="rect">
-            <a:avLst/>
-          </a:prstGeom>
-        </p:spPr>
-        <p:txBody>
-          <a:bodyPr lIns="0" tIns="0" rIns="0" bIns="0" rtlCol="0" anchor="t">
-            <a:spAutoFit/>
-          </a:bodyPr>
-          <a:lstStyle/>
-          <a:p>
-            <a:pPr algn="l">
-              <a:lnSpc>
-                <a:spcPts val="2799"/>
-              </a:lnSpc>
-            </a:pPr>
-            <a:r>
-              <a:rPr lang="en-US" sz="1999" spc="-15">
-                <a:solidFill>
-                  <a:srgbClr val="00CA8E"/>
-                </a:solidFill>
-                <a:latin typeface="IBM Plex Sans Condensed"/>
-                <a:ea typeface="IBM Plex Sans Condensed"/>
-                <a:cs typeface="IBM Plex Sans Condensed"/>
-                <a:sym typeface="IBM Plex Sans Condensed"/>
-              </a:rPr>
-              <a:t>•</a:t>
-            </a:r>
-          </a:p>
-        </p:txBody>
-      </p:sp>
-      <p:sp>
-        <p:nvSpPr>
-          <p:cNvPr id="15" name="TextBox 15"/>
-          <p:cNvSpPr txBox="1"/>
-          <p:nvPr/>
-        </p:nvSpPr>
-        <p:spPr>
-          <a:xfrm>
-            <a:off x="4083739" y="796433"/>
-            <a:ext cx="4292822" cy="512559"/>
-          </a:xfrm>
-          <a:prstGeom prst="rect">
-            <a:avLst/>
-          </a:prstGeom>
-        </p:spPr>
-        <p:txBody>
-          <a:bodyPr lIns="0" tIns="0" rIns="0" bIns="0" rtlCol="0" anchor="t">
-            <a:spAutoFit/>
-          </a:bodyPr>
-          <a:lstStyle/>
-          <a:p>
-            <a:pPr algn="l">
-              <a:lnSpc>
-                <a:spcPts val="4415"/>
-              </a:lnSpc>
-            </a:pPr>
-            <a:r>
-              <a:rPr lang="en-US" sz="1999">
-                <a:solidFill>
-                  <a:srgbClr val="3F3F3F"/>
-                </a:solidFill>
-                <a:latin typeface="Roboto"/>
-                <a:ea typeface="Roboto"/>
-                <a:cs typeface="Roboto"/>
-                <a:sym typeface="Roboto"/>
-              </a:rPr>
-              <a:t>Nomad CLI supports help commands</a:t>
-            </a:r>
-          </a:p>
-        </p:txBody>
-      </p:sp>
-      <p:sp>
-        <p:nvSpPr>
-          <p:cNvPr id="16" name="TextBox 16"/>
-          <p:cNvSpPr txBox="1"/>
-          <p:nvPr/>
-        </p:nvSpPr>
-        <p:spPr>
-          <a:xfrm>
-            <a:off x="4083739" y="1357265"/>
-            <a:ext cx="504692" cy="512559"/>
-          </a:xfrm>
-          <a:prstGeom prst="rect">
-            <a:avLst/>
-          </a:prstGeom>
-        </p:spPr>
-        <p:txBody>
-          <a:bodyPr lIns="0" tIns="0" rIns="0" bIns="0" rtlCol="0" anchor="t">
-            <a:spAutoFit/>
-          </a:bodyPr>
-          <a:lstStyle/>
-          <a:p>
-            <a:pPr algn="l">
-              <a:lnSpc>
-                <a:spcPts val="4415"/>
-              </a:lnSpc>
-            </a:pPr>
-            <a:r>
-              <a:rPr lang="en-US" sz="1999" spc="3">
-                <a:solidFill>
-                  <a:srgbClr val="3F3F3F"/>
-                </a:solidFill>
-                <a:latin typeface="Roboto"/>
-                <a:ea typeface="Roboto"/>
-                <a:cs typeface="Roboto"/>
-                <a:sym typeface="Roboto"/>
-              </a:rPr>
-              <a:t>Use </a:t>
-            </a:r>
-          </a:p>
-        </p:txBody>
-      </p:sp>
-      <p:sp>
-        <p:nvSpPr>
-          <p:cNvPr id="17" name="TextBox 17"/>
-          <p:cNvSpPr txBox="1"/>
-          <p:nvPr/>
-        </p:nvSpPr>
-        <p:spPr>
-          <a:xfrm>
-            <a:off x="4579039" y="1704689"/>
-            <a:ext cx="1975847" cy="317716"/>
-          </a:xfrm>
-          <a:prstGeom prst="rect">
-            <a:avLst/>
-          </a:prstGeom>
-        </p:spPr>
-        <p:txBody>
-          <a:bodyPr lIns="0" tIns="0" rIns="0" bIns="0" rtlCol="0" anchor="t">
-            <a:spAutoFit/>
-          </a:bodyPr>
-          <a:lstStyle/>
-          <a:p>
-            <a:pPr algn="l">
-              <a:lnSpc>
-                <a:spcPts val="1200"/>
-              </a:lnSpc>
-            </a:pPr>
-            <a:r>
-              <a:rPr lang="en-US" sz="2400" b="1">
-                <a:solidFill>
-                  <a:srgbClr val="00CA8E"/>
-                </a:solidFill>
-                <a:latin typeface="Courier New OS Bold"/>
-                <a:ea typeface="Courier New OS Bold"/>
-                <a:cs typeface="Courier New OS Bold"/>
-                <a:sym typeface="Courier New OS Bold"/>
-              </a:rPr>
-              <a:t>–h </a:t>
-            </a:r>
-            <a:r>
-              <a:rPr lang="en-US" sz="2400">
-                <a:solidFill>
-                  <a:srgbClr val="3F3F3F"/>
-                </a:solidFill>
-                <a:latin typeface="Courier New OS"/>
-                <a:ea typeface="Courier New OS"/>
-                <a:cs typeface="Courier New OS"/>
-                <a:sym typeface="Courier New OS"/>
-              </a:rPr>
-              <a:t>or </a:t>
-            </a:r>
-            <a:r>
-              <a:rPr lang="en-US" sz="2400" b="1">
-                <a:solidFill>
-                  <a:srgbClr val="00CA8E"/>
-                </a:solidFill>
-                <a:latin typeface="Courier New OS Bold"/>
-                <a:ea typeface="Courier New OS Bold"/>
-                <a:cs typeface="Courier New OS Bold"/>
-                <a:sym typeface="Courier New OS Bold"/>
-              </a:rPr>
-              <a:t>--help</a:t>
-            </a:r>
-          </a:p>
-        </p:txBody>
-      </p:sp>
-      <p:sp>
-        <p:nvSpPr>
-          <p:cNvPr id="18" name="TextBox 18"/>
-          <p:cNvSpPr txBox="1"/>
-          <p:nvPr/>
-        </p:nvSpPr>
-        <p:spPr>
-          <a:xfrm>
-            <a:off x="4198039" y="1921069"/>
-            <a:ext cx="90678" cy="537667"/>
-          </a:xfrm>
-          <a:prstGeom prst="rect">
-            <a:avLst/>
-          </a:prstGeom>
-        </p:spPr>
-        <p:txBody>
-          <a:bodyPr lIns="0" tIns="0" rIns="0" bIns="0" rtlCol="0" anchor="t">
-            <a:spAutoFit/>
-          </a:bodyPr>
-          <a:lstStyle/>
-          <a:p>
-            <a:pPr algn="l">
-              <a:lnSpc>
-                <a:spcPts val="4999"/>
-              </a:lnSpc>
-            </a:pPr>
-            <a:r>
-              <a:rPr lang="en-US" sz="1999" spc="-15">
-                <a:solidFill>
-                  <a:srgbClr val="3F3F3F"/>
-                </a:solidFill>
-                <a:latin typeface="IBM Plex Sans Condensed"/>
-                <a:ea typeface="IBM Plex Sans Condensed"/>
-                <a:cs typeface="IBM Plex Sans Condensed"/>
-                <a:sym typeface="IBM Plex Sans Condensed"/>
-              </a:rPr>
-              <a:t>•</a:t>
-            </a:r>
-          </a:p>
-        </p:txBody>
-      </p:sp>
-      <p:sp>
-        <p:nvSpPr>
-          <p:cNvPr id="19" name="TextBox 19"/>
-          <p:cNvSpPr txBox="1"/>
-          <p:nvPr/>
-        </p:nvSpPr>
-        <p:spPr>
-          <a:xfrm>
-            <a:off x="4540939" y="1879616"/>
-            <a:ext cx="6220301" cy="560184"/>
-          </a:xfrm>
-          <a:prstGeom prst="rect">
-            <a:avLst/>
-          </a:prstGeom>
-        </p:spPr>
-        <p:txBody>
-          <a:bodyPr lIns="0" tIns="0" rIns="0" bIns="0" rtlCol="0" anchor="t">
-            <a:spAutoFit/>
-          </a:bodyPr>
-          <a:lstStyle/>
-          <a:p>
-            <a:pPr algn="l">
-              <a:lnSpc>
-                <a:spcPts val="4999"/>
-              </a:lnSpc>
-            </a:pPr>
-            <a:r>
-              <a:rPr lang="en-US" sz="1999">
-                <a:solidFill>
-                  <a:srgbClr val="3F3F3F"/>
-                </a:solidFill>
-                <a:latin typeface="Roboto"/>
-                <a:ea typeface="Roboto"/>
-                <a:cs typeface="Roboto"/>
-                <a:sym typeface="Roboto"/>
-              </a:rPr>
-              <a:t>or just press enter to see a list of available commands</a:t>
-            </a:r>
-          </a:p>
-        </p:txBody>
-      </p:sp>
-      <p:sp>
-        <p:nvSpPr>
-          <p:cNvPr id="20" name="TextBox 20"/>
-          <p:cNvSpPr txBox="1"/>
-          <p:nvPr/>
-        </p:nvSpPr>
-        <p:spPr>
-          <a:xfrm>
-            <a:off x="4083739" y="3194066"/>
-            <a:ext cx="7697791" cy="1150734"/>
-          </a:xfrm>
-          <a:prstGeom prst="rect">
-            <a:avLst/>
-          </a:prstGeom>
-        </p:spPr>
-        <p:txBody>
-          <a:bodyPr lIns="0" tIns="0" rIns="0" bIns="0" rtlCol="0" anchor="t">
-            <a:spAutoFit/>
-          </a:bodyPr>
-          <a:lstStyle/>
-          <a:p>
-            <a:pPr algn="just">
-              <a:lnSpc>
-                <a:spcPts val="2399"/>
-              </a:lnSpc>
-            </a:pPr>
-            <a:r>
-              <a:rPr lang="en-US" sz="1999">
-                <a:solidFill>
-                  <a:srgbClr val="3F3F3F"/>
-                </a:solidFill>
-                <a:latin typeface="Roboto"/>
-                <a:ea typeface="Roboto"/>
-                <a:cs typeface="Roboto"/>
-                <a:sym typeface="Roboto"/>
-              </a:rPr>
-              <a:t>The CLI is </a:t>
-            </a:r>
-            <a:r>
-              <a:rPr lang="en-US" sz="1999" i="1">
-                <a:solidFill>
-                  <a:srgbClr val="3F3F3F"/>
-                </a:solidFill>
-                <a:latin typeface="Roboto Italics"/>
-                <a:ea typeface="Roboto Italics"/>
-                <a:cs typeface="Roboto Italics"/>
-                <a:sym typeface="Roboto Italics"/>
-              </a:rPr>
-              <a:t>&lt;mostly&gt; </a:t>
-            </a:r>
-            <a:r>
-              <a:rPr lang="en-US" sz="1999">
-                <a:solidFill>
-                  <a:srgbClr val="3F3F3F"/>
-                </a:solidFill>
-                <a:latin typeface="Roboto"/>
-                <a:ea typeface="Roboto"/>
-                <a:cs typeface="Roboto"/>
-                <a:sym typeface="Roboto"/>
-              </a:rPr>
-              <a:t>used for managing jobs and therefore defaults to working with jobs unless you specify a different command name</a:t>
-            </a:r>
-          </a:p>
-          <a:p>
-            <a:pPr algn="just">
-              <a:lnSpc>
-                <a:spcPts val="4999"/>
-              </a:lnSpc>
-            </a:pPr>
-            <a:r>
-              <a:rPr lang="en-US" sz="1999">
-                <a:solidFill>
-                  <a:srgbClr val="3F3F3F"/>
-                </a:solidFill>
-                <a:latin typeface="Roboto"/>
-                <a:ea typeface="Roboto"/>
-                <a:cs typeface="Roboto"/>
-                <a:sym typeface="Roboto"/>
-              </a:rPr>
-              <a:t>Examples:</a:t>
-            </a:r>
-          </a:p>
-        </p:txBody>
-      </p:sp>
-      <p:sp>
-        <p:nvSpPr>
-          <p:cNvPr id="21" name="TextBox 21"/>
-          <p:cNvSpPr txBox="1"/>
-          <p:nvPr/>
-        </p:nvSpPr>
-        <p:spPr>
-          <a:xfrm>
-            <a:off x="4198039" y="4509202"/>
-            <a:ext cx="90678" cy="375742"/>
-          </a:xfrm>
-          <a:prstGeom prst="rect">
-            <a:avLst/>
-          </a:prstGeom>
-        </p:spPr>
-        <p:txBody>
-          <a:bodyPr lIns="0" tIns="0" rIns="0" bIns="0" rtlCol="0" anchor="t">
-            <a:spAutoFit/>
-          </a:bodyPr>
-          <a:lstStyle/>
-          <a:p>
-            <a:pPr algn="l">
-              <a:lnSpc>
-                <a:spcPts val="3207"/>
-              </a:lnSpc>
-            </a:pPr>
-            <a:r>
-              <a:rPr lang="en-US" sz="1999" spc="-15">
-                <a:solidFill>
-                  <a:srgbClr val="00CA8E"/>
-                </a:solidFill>
-                <a:latin typeface="IBM Plex Sans Condensed"/>
-                <a:ea typeface="IBM Plex Sans Condensed"/>
-                <a:cs typeface="IBM Plex Sans Condensed"/>
-                <a:sym typeface="IBM Plex Sans Condensed"/>
-              </a:rPr>
-              <a:t>•</a:t>
-            </a:r>
-          </a:p>
-        </p:txBody>
-      </p:sp>
-      <p:sp>
-        <p:nvSpPr>
-          <p:cNvPr id="22" name="TextBox 22"/>
-          <p:cNvSpPr txBox="1"/>
-          <p:nvPr/>
-        </p:nvSpPr>
-        <p:spPr>
-          <a:xfrm>
-            <a:off x="7893739" y="4467749"/>
-            <a:ext cx="1254157" cy="398259"/>
-          </a:xfrm>
-          <a:prstGeom prst="rect">
-            <a:avLst/>
-          </a:prstGeom>
-        </p:spPr>
-        <p:txBody>
-          <a:bodyPr lIns="0" tIns="0" rIns="0" bIns="0" rtlCol="0" anchor="t">
-            <a:spAutoFit/>
-          </a:bodyPr>
-          <a:lstStyle/>
-          <a:p>
-            <a:pPr algn="l">
-              <a:lnSpc>
-                <a:spcPts val="3207"/>
-              </a:lnSpc>
-            </a:pPr>
-            <a:r>
-              <a:rPr lang="en-US" sz="1999">
-                <a:solidFill>
-                  <a:srgbClr val="3F3F3F"/>
-                </a:solidFill>
-                <a:latin typeface="Roboto"/>
-                <a:ea typeface="Roboto"/>
-                <a:cs typeface="Roboto"/>
-                <a:sym typeface="Roboto"/>
-              </a:rPr>
-              <a:t>is equal to </a:t>
-            </a:r>
-          </a:p>
-        </p:txBody>
-      </p:sp>
-      <p:sp>
-        <p:nvSpPr>
-          <p:cNvPr id="23" name="TextBox 23"/>
-          <p:cNvSpPr txBox="1"/>
-          <p:nvPr/>
-        </p:nvSpPr>
-        <p:spPr>
-          <a:xfrm>
-            <a:off x="4540939" y="4680709"/>
-            <a:ext cx="5762911" cy="1138733"/>
-          </a:xfrm>
-          <a:prstGeom prst="rect">
-            <a:avLst/>
-          </a:prstGeom>
-        </p:spPr>
-        <p:txBody>
-          <a:bodyPr lIns="0" tIns="0" rIns="0" bIns="0" rtlCol="0" anchor="t">
-            <a:spAutoFit/>
-          </a:bodyPr>
-          <a:lstStyle/>
-          <a:p>
-            <a:pPr algn="l">
-              <a:lnSpc>
-                <a:spcPts val="2303"/>
-              </a:lnSpc>
-            </a:pPr>
-            <a:r>
-              <a:rPr lang="en-US" sz="1999" b="1" dirty="0">
-                <a:solidFill>
-                  <a:srgbClr val="00CA8E"/>
-                </a:solidFill>
-                <a:latin typeface="Courier New OS Bold"/>
-                <a:ea typeface="Courier New OS Bold"/>
-                <a:cs typeface="Courier New OS Bold"/>
-                <a:sym typeface="Courier New OS Bold"/>
-              </a:rPr>
-              <a:t>nomad run </a:t>
-            </a:r>
-            <a:r>
-              <a:rPr lang="en-US" sz="1999" b="1" dirty="0" err="1">
-                <a:solidFill>
-                  <a:srgbClr val="00CA8E"/>
-                </a:solidFill>
-                <a:latin typeface="Courier New OS Bold"/>
-                <a:ea typeface="Courier New OS Bold"/>
-                <a:cs typeface="Courier New OS Bold"/>
-                <a:sym typeface="Courier New OS Bold"/>
-              </a:rPr>
-              <a:t>myapp.nomad</a:t>
-            </a:r>
-            <a:r>
-              <a:rPr lang="en-US" sz="1999" b="1" dirty="0">
-                <a:solidFill>
-                  <a:srgbClr val="00CA8E"/>
-                </a:solidFill>
-                <a:latin typeface="Courier New OS Bold"/>
-                <a:ea typeface="Courier New OS Bold"/>
-                <a:cs typeface="Courier New OS Bold"/>
-                <a:sym typeface="Courier New OS Bold"/>
-              </a:rPr>
-              <a:t> </a:t>
-            </a:r>
-            <a:r>
-              <a:rPr lang="en-US" sz="1999" b="1" dirty="0" err="1">
-                <a:solidFill>
-                  <a:srgbClr val="00CA8E"/>
-                </a:solidFill>
-                <a:latin typeface="Courier New OS Bold"/>
-                <a:ea typeface="Courier New OS Bold"/>
-                <a:cs typeface="Courier New OS Bold"/>
-                <a:sym typeface="Courier New OS Bold"/>
-              </a:rPr>
-              <a:t>myapp.nomad</a:t>
-            </a:r>
-            <a:endParaRPr lang="en-US" sz="1999" b="1" dirty="0">
-              <a:solidFill>
-                <a:srgbClr val="00CA8E"/>
-              </a:solidFill>
-              <a:latin typeface="Courier New OS Bold"/>
-              <a:ea typeface="Courier New OS Bold"/>
-              <a:cs typeface="Courier New OS Bold"/>
-              <a:sym typeface="Courier New OS Bold"/>
-            </a:endParaRPr>
-          </a:p>
-          <a:p>
-            <a:pPr algn="l">
-              <a:lnSpc>
-                <a:spcPts val="4999"/>
-              </a:lnSpc>
-            </a:pPr>
-            <a:r>
-              <a:rPr lang="en-US" sz="1999" b="1" dirty="0">
-                <a:solidFill>
-                  <a:srgbClr val="00CA8E"/>
-                </a:solidFill>
-                <a:latin typeface="Courier New OS Bold"/>
-                <a:ea typeface="Courier New OS Bold"/>
-                <a:cs typeface="Courier New OS Bold"/>
-                <a:sym typeface="Courier New OS Bold"/>
-              </a:rPr>
-              <a:t>nomad status </a:t>
-            </a:r>
-            <a:r>
-              <a:rPr lang="en-US" sz="1999" dirty="0">
-                <a:solidFill>
-                  <a:srgbClr val="3F3F3F"/>
-                </a:solidFill>
-                <a:latin typeface="Courier New OS"/>
-                <a:ea typeface="Courier New OS"/>
-                <a:cs typeface="Courier New OS"/>
-                <a:sym typeface="Courier New OS"/>
-              </a:rPr>
-              <a:t>is equal to </a:t>
-            </a:r>
-            <a:r>
-              <a:rPr lang="en-US" sz="1999" b="1" dirty="0">
-                <a:solidFill>
-                  <a:srgbClr val="00CA8E"/>
-                </a:solidFill>
-                <a:latin typeface="Courier New OS Bold"/>
-                <a:ea typeface="Courier New OS Bold"/>
-                <a:cs typeface="Courier New OS Bold"/>
-                <a:sym typeface="Courier New OS Bold"/>
-              </a:rPr>
-              <a:t>nomad job status</a:t>
-            </a:r>
-          </a:p>
-        </p:txBody>
-      </p:sp>
-      <p:sp>
-        <p:nvSpPr>
-          <p:cNvPr id="24" name="TextBox 24"/>
-          <p:cNvSpPr txBox="1"/>
-          <p:nvPr/>
-        </p:nvSpPr>
-        <p:spPr>
-          <a:xfrm>
-            <a:off x="9124055" y="4680709"/>
-            <a:ext cx="2176272" cy="300533"/>
-          </a:xfrm>
-          <a:prstGeom prst="rect">
-            <a:avLst/>
-          </a:prstGeom>
-        </p:spPr>
-        <p:txBody>
-          <a:bodyPr lIns="0" tIns="0" rIns="0" bIns="0" rtlCol="0" anchor="t">
-            <a:spAutoFit/>
-          </a:bodyPr>
-          <a:lstStyle/>
-          <a:p>
-            <a:pPr algn="l">
-              <a:lnSpc>
-                <a:spcPts val="2303"/>
-              </a:lnSpc>
-            </a:pPr>
-            <a:r>
-              <a:rPr lang="en-US" sz="1999" b="1">
-                <a:solidFill>
-                  <a:srgbClr val="00CA8E"/>
-                </a:solidFill>
-                <a:latin typeface="Courier New OS Bold"/>
-                <a:ea typeface="Courier New OS Bold"/>
-                <a:cs typeface="Courier New OS Bold"/>
-                <a:sym typeface="Courier New OS Bold"/>
-              </a:rPr>
-              <a:t>nomad job run </a:t>
-            </a:r>
-          </a:p>
-        </p:txBody>
-      </p:sp>
-      <p:sp>
-        <p:nvSpPr>
-          <p:cNvPr id="25" name="TextBox 25"/>
-          <p:cNvSpPr txBox="1"/>
-          <p:nvPr/>
-        </p:nvSpPr>
-        <p:spPr>
-          <a:xfrm rot="5400000">
-            <a:off x="9470196" y="3080578"/>
-            <a:ext cx="5230187" cy="283210"/>
-          </a:xfrm>
-          <a:prstGeom prst="rect">
-            <a:avLst/>
-          </a:prstGeom>
-        </p:spPr>
-        <p:txBody>
-          <a:bodyPr lIns="0" tIns="0" rIns="0" bIns="0" rtlCol="0" anchor="t">
-            <a:spAutoFit/>
-          </a:bodyPr>
-          <a:lstStyle/>
-          <a:p>
-            <a:pPr algn="l">
-              <a:lnSpc>
-                <a:spcPts val="2239"/>
-              </a:lnSpc>
-            </a:pPr>
-            <a:endParaRPr/>
           </a:p>
         </p:txBody>
       </p:sp>
@@ -16838,7 +17061,7 @@
             </a:pathLst>
           </a:custGeom>
           <a:blipFill>
-            <a:blip r:embed="rId2"/>
+            <a:blip r:embed="rId1"/>
             <a:stretch>
               <a:fillRect b="-2479"/>
             </a:stretch>
@@ -16884,7 +17107,7 @@
             </a:pathLst>
           </a:custGeom>
           <a:blipFill>
-            <a:blip r:embed="rId3"/>
+            <a:blip r:embed="rId2"/>
             <a:stretch>
               <a:fillRect l="-29154" t="-12440" r="-31171" b="-69738"/>
             </a:stretch>
@@ -17168,7 +17391,7 @@
             </a:pathLst>
           </a:custGeom>
           <a:blipFill>
-            <a:blip r:embed="rId2"/>
+            <a:blip r:embed="rId1"/>
             <a:stretch>
               <a:fillRect b="-2479"/>
             </a:stretch>
@@ -17214,7 +17437,7 @@
             </a:pathLst>
           </a:custGeom>
           <a:blipFill>
-            <a:blip r:embed="rId3"/>
+            <a:blip r:embed="rId2"/>
             <a:stretch>
               <a:fillRect l="-29154" t="-12440" r="-31171" b="-69738"/>
             </a:stretch>
@@ -17260,7 +17483,7 @@
             </a:pathLst>
           </a:custGeom>
           <a:blipFill>
-            <a:blip r:embed="rId4"/>
+            <a:blip r:embed="rId3"/>
             <a:stretch>
               <a:fillRect l="-29103" t="-12862" r="-29998" b="-69323"/>
             </a:stretch>
@@ -17290,7 +17513,7 @@
           <a:p>
             <a:pPr algn="l">
               <a:lnSpc>
-                <a:spcPts val="8019"/>
+                <a:spcPts val="8020"/>
               </a:lnSpc>
             </a:pPr>
             <a:r>
@@ -17305,6 +17528,15 @@
               </a:rPr>
               <a:t>Using the Nomad CLI</a:t>
             </a:r>
+            <a:endParaRPr lang="en-US" sz="6600" b="1">
+              <a:solidFill>
+                <a:srgbClr val="3F3F3F"/>
+              </a:solidFill>
+              <a:latin typeface="Raleway Heavy"/>
+              <a:ea typeface="Raleway Heavy"/>
+              <a:cs typeface="Raleway Heavy"/>
+              <a:sym typeface="Raleway Heavy"/>
+            </a:endParaRPr>
           </a:p>
         </p:txBody>
       </p:sp>
@@ -17331,7 +17563,7 @@
           <a:p>
             <a:pPr algn="l">
               <a:lnSpc>
-                <a:spcPts val="13439"/>
+                <a:spcPts val="13440"/>
               </a:lnSpc>
             </a:pPr>
             <a:r>
@@ -17346,6 +17578,15 @@
               </a:rPr>
               <a:t>DEMO</a:t>
             </a:r>
+            <a:endParaRPr lang="en-US" sz="9600" b="1">
+              <a:solidFill>
+                <a:srgbClr val="00CA8E"/>
+              </a:solidFill>
+              <a:latin typeface="Raleway Heavy"/>
+              <a:ea typeface="Raleway Heavy"/>
+              <a:cs typeface="Raleway Heavy"/>
+              <a:sym typeface="Raleway Heavy"/>
+            </a:endParaRPr>
           </a:p>
         </p:txBody>
       </p:sp>
@@ -17372,10 +17613,9 @@
           <a:p>
             <a:pPr algn="l">
               <a:lnSpc>
-                <a:spcPts val="2239"/>
+                <a:spcPts val="2240"/>
               </a:lnSpc>
             </a:pPr>
-            <a:endParaRPr/>
           </a:p>
         </p:txBody>
       </p:sp>
@@ -17443,7 +17683,7 @@
             </a:pathLst>
           </a:custGeom>
           <a:blipFill>
-            <a:blip r:embed="rId2"/>
+            <a:blip r:embed="rId1"/>
             <a:stretch>
               <a:fillRect b="-2479"/>
             </a:stretch>
@@ -17489,7 +17729,7 @@
             </a:pathLst>
           </a:custGeom>
           <a:blipFill>
-            <a:blip r:embed="rId3"/>
+            <a:blip r:embed="rId2"/>
             <a:stretch>
               <a:fillRect l="-29154" t="-12440" r="-31171" b="-69738"/>
             </a:stretch>
@@ -17649,7 +17889,7 @@
             </a:pathLst>
           </a:custGeom>
           <a:blipFill>
-            <a:blip r:embed="rId4"/>
+            <a:blip r:embed="rId3"/>
             <a:stretch>
               <a:fillRect l="-29103" t="-12862" r="-29998" b="-69323"/>
             </a:stretch>
@@ -17835,6 +18075,15 @@
               </a:rPr>
               <a:t>Nomad UI</a:t>
             </a:r>
+            <a:endParaRPr lang="en-US" sz="6600" b="1">
+              <a:solidFill>
+                <a:srgbClr val="3F3F3F"/>
+              </a:solidFill>
+              <a:latin typeface="Raleway Heavy"/>
+              <a:ea typeface="Raleway Heavy"/>
+              <a:cs typeface="Raleway Heavy"/>
+              <a:sym typeface="Raleway Heavy"/>
+            </a:endParaRPr>
           </a:p>
         </p:txBody>
       </p:sp>
@@ -17861,10 +18110,9 @@
           <a:p>
             <a:pPr algn="l">
               <a:lnSpc>
-                <a:spcPts val="2239"/>
+                <a:spcPts val="2240"/>
               </a:lnSpc>
             </a:pPr>
-            <a:endParaRPr/>
           </a:p>
         </p:txBody>
       </p:sp>
@@ -18154,8 +18402,11 @@
       </a:bgFillStyleLst>
     </a:fmtScheme>
   </a:themeElements>
-  <a:objectDefaults/>
-  <a:extraClrSchemeLst/>
+  <a:extLst>
+    <a:ext uri="{05A4C25C-085E-4340-85A3-A5531E510DB2}">
+      <thm15:themeFamily xmlns:thm15="http://schemas.microsoft.com/office/thememl/2012/main" name="Office Theme" id="{62F939B6-93AF-4DB8-9C6B-D6C7DFDC589F}" vid="{4A3C46E8-61CC-4603-A589-7422A47A8E4A}"/>
+    </a:ext>
+  </a:extLst>
 </a:theme>
 </file>
 
@@ -18202,7 +18453,7 @@
     </a:clrScheme>
     <a:fontScheme name="Office">
       <a:majorFont>
-        <a:latin typeface="Calibri Light" panose="020F0302020204030204"/>
+        <a:latin typeface="Calibri Light"/>
         <a:ea typeface=""/>
         <a:cs typeface=""/>
         <a:font script="Jpan" typeface="游ゴシック Light"/>
@@ -18235,26 +18486,9 @@
         <a:font script="Viet" typeface="Times New Roman"/>
         <a:font script="Uigh" typeface="Microsoft Uighur"/>
         <a:font script="Geor" typeface="Sylfaen"/>
-        <a:font script="Armn" typeface="Arial"/>
-        <a:font script="Bugi" typeface="Leelawadee UI"/>
-        <a:font script="Bopo" typeface="Microsoft JhengHei"/>
-        <a:font script="Java" typeface="Javanese Text"/>
-        <a:font script="Lisu" typeface="Segoe UI"/>
-        <a:font script="Mymr" typeface="Myanmar Text"/>
-        <a:font script="Nkoo" typeface="Ebrima"/>
-        <a:font script="Olck" typeface="Nirmala UI"/>
-        <a:font script="Osma" typeface="Ebrima"/>
-        <a:font script="Phag" typeface="Phagspa"/>
-        <a:font script="Syrn" typeface="Estrangelo Edessa"/>
-        <a:font script="Syrj" typeface="Estrangelo Edessa"/>
-        <a:font script="Syre" typeface="Estrangelo Edessa"/>
-        <a:font script="Sora" typeface="Nirmala UI"/>
-        <a:font script="Tale" typeface="Microsoft Tai Le"/>
-        <a:font script="Talu" typeface="Microsoft New Tai Lue"/>
-        <a:font script="Tfng" typeface="Ebrima"/>
       </a:majorFont>
       <a:minorFont>
-        <a:latin typeface="Calibri" panose="020F0502020204030204"/>
+        <a:latin typeface="Calibri"/>
         <a:ea typeface=""/>
         <a:cs typeface=""/>
         <a:font script="Jpan" typeface="游ゴシック"/>
@@ -18287,23 +18521,6 @@
         <a:font script="Viet" typeface="Arial"/>
         <a:font script="Uigh" typeface="Microsoft Uighur"/>
         <a:font script="Geor" typeface="Sylfaen"/>
-        <a:font script="Armn" typeface="Arial"/>
-        <a:font script="Bugi" typeface="Leelawadee UI"/>
-        <a:font script="Bopo" typeface="Microsoft JhengHei"/>
-        <a:font script="Java" typeface="Javanese Text"/>
-        <a:font script="Lisu" typeface="Segoe UI"/>
-        <a:font script="Mymr" typeface="Myanmar Text"/>
-        <a:font script="Nkoo" typeface="Ebrima"/>
-        <a:font script="Olck" typeface="Nirmala UI"/>
-        <a:font script="Osma" typeface="Ebrima"/>
-        <a:font script="Phag" typeface="Phagspa"/>
-        <a:font script="Syrn" typeface="Estrangelo Edessa"/>
-        <a:font script="Syrj" typeface="Estrangelo Edessa"/>
-        <a:font script="Syre" typeface="Estrangelo Edessa"/>
-        <a:font script="Sora" typeface="Nirmala UI"/>
-        <a:font script="Tale" typeface="Microsoft Tai Le"/>
-        <a:font script="Talu" typeface="Microsoft New Tai Lue"/>
-        <a:font script="Tfng" typeface="Ebrima"/>
       </a:minorFont>
     </a:fontScheme>
     <a:fmtScheme name="Office">
@@ -18444,8 +18661,6 @@
       </a:bgFillStyleLst>
     </a:fmtScheme>
   </a:themeElements>
-  <a:objectDefaults/>
-  <a:extraClrSchemeLst/>
   <a:extLst>
     <a:ext uri="{05A4C25C-085E-4340-85A3-A5531E510DB2}">
       <thm15:themeFamily xmlns:thm15="http://schemas.microsoft.com/office/thememl/2012/main" name="Office Theme" id="{62F939B6-93AF-4DB8-9C6B-D6C7DFDC589F}" vid="{4A3C46E8-61CC-4603-A589-7422A47A8E4A}"/>
